--- a/모델검증_평가_정리.pptx
+++ b/모델검증_평가_정리.pptx
@@ -9,22 +9,23 @@
     <p:sldMasterId id="2147484183" r:id="rId5"/>
   </p:sldMasterIdLst>
   <p:notesMasterIdLst>
-    <p:notesMasterId r:id="rId8"/>
+    <p:notesMasterId r:id="rId9"/>
   </p:notesMasterIdLst>
   <p:handoutMasterIdLst>
-    <p:handoutMasterId r:id="rId9"/>
+    <p:handoutMasterId r:id="rId10"/>
   </p:handoutMasterIdLst>
   <p:sldIdLst>
     <p:sldId id="1214" r:id="rId6"/>
     <p:sldId id="1215" r:id="rId7"/>
+    <p:sldId id="1216" r:id="rId8"/>
   </p:sldIdLst>
   <p:sldSz cx="9906000" cy="6858000" type="A4"/>
   <p:notesSz cx="6797675" cy="9928225"/>
   <p:embeddedFontLst>
     <p:embeddedFont>
       <p:font typeface="맑은 고딕" panose="020B0503020000020004" pitchFamily="50" charset="-127"/>
-      <p:regular r:id="rId10"/>
-      <p:bold r:id="rId11"/>
+      <p:regular r:id="rId11"/>
+      <p:bold r:id="rId12"/>
     </p:embeddedFont>
   </p:embeddedFontLst>
   <p:defaultTextStyle>
@@ -9410,10 +9411,654 @@
           <a:chExt cx="0" cy="0"/>
         </a:xfrm>
       </p:grpSpPr>
+      <p:sp>
+        <p:nvSpPr>
+          <p:cNvPr id="6" name="TextBox 5"/>
+          <p:cNvSpPr txBox="1"/>
+          <p:nvPr/>
+        </p:nvSpPr>
+        <p:spPr>
+          <a:xfrm>
+            <a:off x="1136576" y="1196752"/>
+            <a:ext cx="1872208" cy="1815882"/>
+          </a:xfrm>
+          <a:prstGeom prst="rect">
+            <a:avLst/>
+          </a:prstGeom>
+          <a:noFill/>
+        </p:spPr>
+        <p:txBody>
+          <a:bodyPr wrap="square" rtlCol="0">
+            <a:spAutoFit/>
+          </a:bodyPr>
+          <a:lstStyle/>
+          <a:p>
+            <a:r>
+              <a:rPr lang="ko-KR" altLang="en-US" dirty="0" smtClean="0"/>
+              <a:t>선택된 모델이 데이터를 얼마나 정확하게 설명하고 있는지</a:t>
+            </a:r>
+            <a:r>
+              <a:rPr lang="en-US" altLang="ko-KR" dirty="0" smtClean="0"/>
+              <a:t>(</a:t>
+            </a:r>
+            <a:r>
+              <a:rPr lang="ko-KR" altLang="en-US" dirty="0" smtClean="0"/>
+              <a:t>정확성</a:t>
+            </a:r>
+            <a:r>
+              <a:rPr lang="en-US" altLang="ko-KR" dirty="0" smtClean="0"/>
+              <a:t>), </a:t>
+            </a:r>
+            <a:r>
+              <a:rPr lang="ko-KR" altLang="en-US" dirty="0" smtClean="0"/>
+              <a:t>그리고 새로운 데이터에 대해 해당 모델이 얼마나 유사한 결과를 낼 수 있는지</a:t>
+            </a:r>
+            <a:r>
+              <a:rPr lang="en-US" altLang="ko-KR" dirty="0" smtClean="0"/>
+              <a:t>(Robustness)</a:t>
+            </a:r>
+            <a:r>
+              <a:rPr lang="ko-KR" altLang="en-US" dirty="0" smtClean="0"/>
+              <a:t> 판단</a:t>
+            </a:r>
+            <a:endParaRPr lang="ko-KR" altLang="en-US" dirty="0"/>
+          </a:p>
+        </p:txBody>
+      </p:sp>
+      <p:sp>
+        <p:nvSpPr>
+          <p:cNvPr id="7" name="TextBox 6"/>
+          <p:cNvSpPr txBox="1"/>
+          <p:nvPr/>
+        </p:nvSpPr>
+        <p:spPr>
+          <a:xfrm>
+            <a:off x="992560" y="4005064"/>
+            <a:ext cx="1872208" cy="1384995"/>
+          </a:xfrm>
+          <a:prstGeom prst="rect">
+            <a:avLst/>
+          </a:prstGeom>
+          <a:noFill/>
+        </p:spPr>
+        <p:txBody>
+          <a:bodyPr wrap="square" rtlCol="0">
+            <a:spAutoFit/>
+          </a:bodyPr>
+          <a:lstStyle/>
+          <a:p>
+            <a:r>
+              <a:rPr lang="ko-KR" altLang="en-US" dirty="0" smtClean="0"/>
+              <a:t>교차 검증</a:t>
+            </a:r>
+            <a:r>
+              <a:rPr lang="en-US" altLang="ko-KR" dirty="0" smtClean="0"/>
+              <a:t>(</a:t>
+            </a:r>
+            <a:r>
+              <a:rPr lang="en-US" altLang="ko-KR" dirty="0" err="1" smtClean="0"/>
+              <a:t>cross_validation</a:t>
+            </a:r>
+            <a:r>
+              <a:rPr lang="en-US" altLang="ko-KR" dirty="0" smtClean="0"/>
+              <a:t>)</a:t>
+            </a:r>
+          </a:p>
+          <a:p>
+            <a:r>
+              <a:rPr lang="en-US" altLang="ko-KR" dirty="0" smtClean="0"/>
+              <a:t>Overfitting</a:t>
+            </a:r>
+            <a:r>
+              <a:rPr lang="ko-KR" altLang="en-US" dirty="0" smtClean="0"/>
+              <a:t>을 방지하기 위해 </a:t>
+            </a:r>
+            <a:r>
+              <a:rPr lang="ko-KR" altLang="en-US" dirty="0" err="1" smtClean="0"/>
+              <a:t>검증용</a:t>
+            </a:r>
+            <a:r>
+              <a:rPr lang="ko-KR" altLang="en-US" dirty="0" smtClean="0"/>
+              <a:t> 데이터 집합을 만들어 사용한다</a:t>
+            </a:r>
+            <a:r>
+              <a:rPr lang="en-US" altLang="ko-KR" dirty="0" smtClean="0"/>
+              <a:t>.</a:t>
+            </a:r>
+            <a:endParaRPr lang="ko-KR" altLang="en-US" dirty="0"/>
+          </a:p>
+        </p:txBody>
+      </p:sp>
+      <p:sp>
+        <p:nvSpPr>
+          <p:cNvPr id="8" name="TextBox 7"/>
+          <p:cNvSpPr txBox="1"/>
+          <p:nvPr/>
+        </p:nvSpPr>
+        <p:spPr>
+          <a:xfrm>
+            <a:off x="4520952" y="3789040"/>
+            <a:ext cx="1872208" cy="523220"/>
+          </a:xfrm>
+          <a:prstGeom prst="rect">
+            <a:avLst/>
+          </a:prstGeom>
+          <a:noFill/>
+        </p:spPr>
+        <p:txBody>
+          <a:bodyPr wrap="square" rtlCol="0">
+            <a:spAutoFit/>
+          </a:bodyPr>
+          <a:lstStyle/>
+          <a:p>
+            <a:r>
+              <a:rPr lang="en-US" altLang="ko-KR" dirty="0" smtClean="0"/>
+              <a:t>K-fold </a:t>
+            </a:r>
+            <a:r>
+              <a:rPr lang="ko-KR" altLang="en-US" dirty="0" smtClean="0"/>
+              <a:t>교차 검증</a:t>
+            </a:r>
+            <a:endParaRPr lang="en-US" altLang="ko-KR" dirty="0" smtClean="0"/>
+          </a:p>
+          <a:p>
+            <a:endParaRPr lang="en-US" altLang="ko-KR" dirty="0" smtClean="0"/>
+          </a:p>
+        </p:txBody>
+      </p:sp>
+      <p:sp>
+        <p:nvSpPr>
+          <p:cNvPr id="9" name="TextBox 8"/>
+          <p:cNvSpPr txBox="1"/>
+          <p:nvPr/>
+        </p:nvSpPr>
+        <p:spPr>
+          <a:xfrm>
+            <a:off x="4501662" y="4618920"/>
+            <a:ext cx="1872208" cy="1600438"/>
+          </a:xfrm>
+          <a:prstGeom prst="rect">
+            <a:avLst/>
+          </a:prstGeom>
+          <a:noFill/>
+        </p:spPr>
+        <p:txBody>
+          <a:bodyPr wrap="square" rtlCol="0">
+            <a:spAutoFit/>
+          </a:bodyPr>
+          <a:lstStyle/>
+          <a:p>
+            <a:r>
+              <a:rPr lang="ko-KR" altLang="en-US" dirty="0" smtClean="0"/>
+              <a:t>평가 점수</a:t>
+            </a:r>
+            <a:endParaRPr lang="en-US" altLang="ko-KR" dirty="0" smtClean="0"/>
+          </a:p>
+          <a:p>
+            <a:r>
+              <a:rPr lang="en-US" altLang="ko-KR" dirty="0" smtClean="0"/>
+              <a:t>r2_score : </a:t>
+            </a:r>
+            <a:r>
+              <a:rPr lang="ko-KR" altLang="en-US" dirty="0" err="1" smtClean="0"/>
+              <a:t>결정계수</a:t>
+            </a:r>
+            <a:endParaRPr lang="en-US" altLang="ko-KR" dirty="0" smtClean="0"/>
+          </a:p>
+          <a:p>
+            <a:r>
+              <a:rPr lang="en-US" altLang="ko-KR" dirty="0"/>
+              <a:t> </a:t>
+            </a:r>
+            <a:r>
+              <a:rPr lang="en-US" altLang="ko-KR" dirty="0" err="1" smtClean="0"/>
+              <a:t>mean_squared_error</a:t>
+            </a:r>
+            <a:r>
+              <a:rPr lang="en-US" altLang="ko-KR" dirty="0" smtClean="0"/>
+              <a:t>: </a:t>
+            </a:r>
+            <a:r>
+              <a:rPr lang="ko-KR" altLang="en-US" dirty="0" smtClean="0"/>
+              <a:t>평균 제곱 오차</a:t>
+            </a:r>
+            <a:endParaRPr lang="en-US" altLang="ko-KR" dirty="0" smtClean="0"/>
+          </a:p>
+          <a:p>
+            <a:r>
+              <a:rPr lang="en-US" altLang="ko-KR" dirty="0" err="1" smtClean="0"/>
+              <a:t>median_absolute_error</a:t>
+            </a:r>
+            <a:r>
+              <a:rPr lang="en-US" altLang="ko-KR" dirty="0" smtClean="0"/>
+              <a:t>:  </a:t>
+            </a:r>
+            <a:r>
+              <a:rPr lang="ko-KR" altLang="en-US" dirty="0" smtClean="0"/>
+              <a:t>절대 오차 중앙값</a:t>
+            </a:r>
+            <a:endParaRPr lang="en-US" altLang="ko-KR" dirty="0" smtClean="0"/>
+          </a:p>
+        </p:txBody>
+      </p:sp>
+      <p:sp>
+        <p:nvSpPr>
+          <p:cNvPr id="10" name="TextBox 9"/>
+          <p:cNvSpPr txBox="1"/>
+          <p:nvPr/>
+        </p:nvSpPr>
+        <p:spPr>
+          <a:xfrm>
+            <a:off x="8033792" y="1268760"/>
+            <a:ext cx="1872208" cy="954107"/>
+          </a:xfrm>
+          <a:prstGeom prst="rect">
+            <a:avLst/>
+          </a:prstGeom>
+          <a:noFill/>
+        </p:spPr>
+        <p:txBody>
+          <a:bodyPr wrap="square" rtlCol="0">
+            <a:spAutoFit/>
+          </a:bodyPr>
+          <a:lstStyle/>
+          <a:p>
+            <a:r>
+              <a:rPr lang="en-US" altLang="ko-KR" dirty="0" smtClean="0"/>
+              <a:t>confusion matrix</a:t>
+            </a:r>
+          </a:p>
+          <a:p>
+            <a:r>
+              <a:rPr lang="ko-KR" altLang="en-US" dirty="0" smtClean="0"/>
+              <a:t>이진 분류 평가 결과를 나타낼 때 가장 널리 사용하는 방법</a:t>
+            </a:r>
+            <a:endParaRPr lang="ko-KR" altLang="en-US" dirty="0"/>
+          </a:p>
+        </p:txBody>
+      </p:sp>
+      <p:pic>
+        <p:nvPicPr>
+          <p:cNvPr id="11" name="그림 10"/>
+          <p:cNvPicPr>
+            <a:picLocks noChangeAspect="1"/>
+          </p:cNvPicPr>
+          <p:nvPr/>
+        </p:nvPicPr>
+        <p:blipFill>
+          <a:blip r:embed="rId2"/>
+          <a:stretch>
+            <a:fillRect/>
+          </a:stretch>
+        </p:blipFill>
+        <p:spPr>
+          <a:xfrm>
+            <a:off x="7689304" y="2374388"/>
+            <a:ext cx="2052080" cy="1276492"/>
+          </a:xfrm>
+          <a:prstGeom prst="rect">
+            <a:avLst/>
+          </a:prstGeom>
+        </p:spPr>
+      </p:pic>
     </p:spTree>
     <p:extLst>
       <p:ext uri="{BB962C8B-B14F-4D97-AF65-F5344CB8AC3E}">
         <p14:creationId xmlns:p14="http://schemas.microsoft.com/office/powerpoint/2010/main" val="2413400924"/>
+      </p:ext>
+    </p:extLst>
+  </p:cSld>
+  <p:clrMapOvr>
+    <a:masterClrMapping/>
+  </p:clrMapOvr>
+</p:sld>
+</file>
+
+<file path=ppt/slides/slide3.xml><?xml version="1.0" encoding="utf-8"?>
+<p:sld xmlns:a="http://schemas.openxmlformats.org/drawingml/2006/main" xmlns:r="http://schemas.openxmlformats.org/officeDocument/2006/relationships" xmlns:p="http://schemas.openxmlformats.org/presentationml/2006/main">
+  <p:cSld>
+    <p:spTree>
+      <p:nvGrpSpPr>
+        <p:cNvPr id="1" name=""/>
+        <p:cNvGrpSpPr/>
+        <p:nvPr/>
+      </p:nvGrpSpPr>
+      <p:grpSpPr>
+        <a:xfrm>
+          <a:off x="0" y="0"/>
+          <a:ext cx="0" cy="0"/>
+          <a:chOff x="0" y="0"/>
+          <a:chExt cx="0" cy="0"/>
+        </a:xfrm>
+      </p:grpSpPr>
+      <p:sp>
+        <p:nvSpPr>
+          <p:cNvPr id="4" name="슬라이드 번호 개체 틀 3"/>
+          <p:cNvSpPr>
+            <a:spLocks noGrp="1"/>
+          </p:cNvSpPr>
+          <p:nvPr>
+            <p:ph type="sldNum" sz="quarter" idx="12"/>
+          </p:nvPr>
+        </p:nvSpPr>
+        <p:spPr/>
+        <p:txBody>
+          <a:bodyPr/>
+          <a:lstStyle/>
+          <a:p>
+            <a:fld id="{33796E3F-F6B7-490E-938A-9F8EC05675D0}" type="slidenum">
+              <a:rPr lang="ko-KR" altLang="en-US" smtClean="0"/>
+              <a:pPr/>
+              <a:t>2</a:t>
+            </a:fld>
+            <a:endParaRPr lang="ko-KR" altLang="en-US"/>
+          </a:p>
+        </p:txBody>
+      </p:sp>
+      <p:sp>
+        <p:nvSpPr>
+          <p:cNvPr id="5" name="TextBox 4"/>
+          <p:cNvSpPr txBox="1"/>
+          <p:nvPr/>
+        </p:nvSpPr>
+        <p:spPr>
+          <a:xfrm>
+            <a:off x="1136576" y="4437112"/>
+            <a:ext cx="7200800" cy="1600438"/>
+          </a:xfrm>
+          <a:prstGeom prst="rect">
+            <a:avLst/>
+          </a:prstGeom>
+          <a:noFill/>
+        </p:spPr>
+        <p:txBody>
+          <a:bodyPr wrap="square" rtlCol="0">
+            <a:spAutoFit/>
+          </a:bodyPr>
+          <a:lstStyle/>
+          <a:p>
+            <a:r>
+              <a:rPr lang="ko-KR" altLang="en-US" dirty="0" err="1" smtClean="0"/>
+              <a:t>재현율</a:t>
+            </a:r>
+            <a:r>
+              <a:rPr lang="ko-KR" altLang="en-US" dirty="0" smtClean="0"/>
+              <a:t> </a:t>
+            </a:r>
+            <a:r>
+              <a:rPr lang="en-US" altLang="ko-KR" dirty="0" smtClean="0"/>
+              <a:t>= </a:t>
+            </a:r>
+            <a:r>
+              <a:rPr lang="ko-KR" altLang="en-US" dirty="0" smtClean="0"/>
+              <a:t>민감도</a:t>
+            </a:r>
+            <a:r>
+              <a:rPr lang="en-US" altLang="ko-KR" dirty="0" smtClean="0"/>
+              <a:t>, </a:t>
+            </a:r>
+            <a:r>
+              <a:rPr lang="ko-KR" altLang="en-US" dirty="0" smtClean="0"/>
+              <a:t>적중률</a:t>
+            </a:r>
+            <a:r>
+              <a:rPr lang="en-US" altLang="ko-KR" dirty="0" smtClean="0"/>
+              <a:t>, </a:t>
+            </a:r>
+            <a:r>
+              <a:rPr lang="ko-KR" altLang="en-US" dirty="0" smtClean="0"/>
+              <a:t>진짜 양성 비율</a:t>
+            </a:r>
+            <a:endParaRPr lang="en-US" altLang="ko-KR" dirty="0" smtClean="0"/>
+          </a:p>
+          <a:p>
+            <a:r>
+              <a:rPr lang="ko-KR" altLang="en-US" dirty="0" err="1" smtClean="0"/>
+              <a:t>재현율의</a:t>
+            </a:r>
+            <a:r>
+              <a:rPr lang="ko-KR" altLang="en-US" dirty="0" smtClean="0"/>
+              <a:t> 최적화와 정밀도의 최적화는 </a:t>
+            </a:r>
+            <a:r>
+              <a:rPr lang="en-US" altLang="ko-KR" dirty="0" smtClean="0"/>
+              <a:t>‘</a:t>
+            </a:r>
+            <a:r>
+              <a:rPr lang="ko-KR" altLang="en-US" dirty="0" smtClean="0"/>
+              <a:t>상충</a:t>
+            </a:r>
+            <a:r>
+              <a:rPr lang="en-US" altLang="ko-KR" dirty="0" smtClean="0"/>
+              <a:t>’</a:t>
+            </a:r>
+          </a:p>
+          <a:p>
+            <a:endParaRPr lang="en-US" altLang="ko-KR" dirty="0"/>
+          </a:p>
+          <a:p>
+            <a:r>
+              <a:rPr lang="en-US" altLang="ko-KR" dirty="0" smtClean="0"/>
+              <a:t>if&gt;  </a:t>
+            </a:r>
+            <a:r>
+              <a:rPr lang="en-US" altLang="ko-KR" dirty="0" err="1" smtClean="0"/>
+              <a:t>fn</a:t>
+            </a:r>
+            <a:r>
+              <a:rPr lang="ko-KR" altLang="en-US" dirty="0" smtClean="0"/>
+              <a:t>을 없애서 </a:t>
+            </a:r>
+            <a:r>
+              <a:rPr lang="en-US" altLang="ko-KR" dirty="0" smtClean="0">
+                <a:sym typeface="Wingdings" panose="05000000000000000000" pitchFamily="2" charset="2"/>
+              </a:rPr>
+              <a:t> </a:t>
+            </a:r>
+            <a:r>
+              <a:rPr lang="ko-KR" altLang="en-US" dirty="0" err="1" smtClean="0">
+                <a:sym typeface="Wingdings" panose="05000000000000000000" pitchFamily="2" charset="2"/>
+              </a:rPr>
+              <a:t>재현율</a:t>
+            </a:r>
+            <a:r>
+              <a:rPr lang="ko-KR" altLang="en-US" dirty="0" smtClean="0">
+                <a:sym typeface="Wingdings" panose="05000000000000000000" pitchFamily="2" charset="2"/>
+              </a:rPr>
+              <a:t> 완벽 </a:t>
+            </a:r>
+            <a:r>
+              <a:rPr lang="en-US" altLang="ko-KR" dirty="0" smtClean="0">
+                <a:sym typeface="Wingdings" panose="05000000000000000000" pitchFamily="2" charset="2"/>
+              </a:rPr>
+              <a:t> </a:t>
+            </a:r>
+            <a:r>
+              <a:rPr lang="ko-KR" altLang="en-US" dirty="0" smtClean="0">
+                <a:sym typeface="Wingdings" panose="05000000000000000000" pitchFamily="2" charset="2"/>
+              </a:rPr>
+              <a:t>샘플 양성으로 예측하면 </a:t>
+            </a:r>
+            <a:r>
+              <a:rPr lang="en-US" altLang="ko-KR" dirty="0" smtClean="0">
+                <a:sym typeface="Wingdings" panose="05000000000000000000" pitchFamily="2" charset="2"/>
+              </a:rPr>
+              <a:t> FP </a:t>
+            </a:r>
+            <a:r>
+              <a:rPr lang="ko-KR" altLang="en-US" dirty="0" smtClean="0">
+                <a:sym typeface="Wingdings" panose="05000000000000000000" pitchFamily="2" charset="2"/>
+              </a:rPr>
+              <a:t>증가 </a:t>
+            </a:r>
+            <a:r>
+              <a:rPr lang="en-US" altLang="ko-KR" dirty="0" smtClean="0">
+                <a:sym typeface="Wingdings" panose="05000000000000000000" pitchFamily="2" charset="2"/>
+              </a:rPr>
+              <a:t> </a:t>
+            </a:r>
+            <a:r>
+              <a:rPr lang="ko-KR" altLang="en-US" dirty="0" smtClean="0">
+                <a:sym typeface="Wingdings" panose="05000000000000000000" pitchFamily="2" charset="2"/>
+              </a:rPr>
+              <a:t>정밀도 떨어짐</a:t>
+            </a:r>
+            <a:endParaRPr lang="en-US" altLang="ko-KR" dirty="0" smtClean="0">
+              <a:sym typeface="Wingdings" panose="05000000000000000000" pitchFamily="2" charset="2"/>
+            </a:endParaRPr>
+          </a:p>
+          <a:p>
+            <a:r>
+              <a:rPr lang="en-US" altLang="ko-KR" dirty="0" smtClean="0">
+                <a:sym typeface="Wingdings" panose="05000000000000000000" pitchFamily="2" charset="2"/>
+              </a:rPr>
+              <a:t>FP</a:t>
+            </a:r>
+            <a:r>
+              <a:rPr lang="ko-KR" altLang="en-US" dirty="0" smtClean="0">
+                <a:sym typeface="Wingdings" panose="05000000000000000000" pitchFamily="2" charset="2"/>
+              </a:rPr>
+              <a:t>를 없애면 </a:t>
+            </a:r>
+            <a:r>
+              <a:rPr lang="en-US" altLang="ko-KR" dirty="0" smtClean="0">
+                <a:sym typeface="Wingdings" panose="05000000000000000000" pitchFamily="2" charset="2"/>
+              </a:rPr>
+              <a:t> </a:t>
+            </a:r>
+            <a:r>
+              <a:rPr lang="ko-KR" altLang="en-US" dirty="0" smtClean="0">
+                <a:sym typeface="Wingdings" panose="05000000000000000000" pitchFamily="2" charset="2"/>
+              </a:rPr>
+              <a:t>정밀도 완벽 </a:t>
+            </a:r>
+            <a:r>
+              <a:rPr lang="en-US" altLang="ko-KR" dirty="0" smtClean="0">
+                <a:sym typeface="Wingdings" panose="05000000000000000000" pitchFamily="2" charset="2"/>
+              </a:rPr>
+              <a:t> </a:t>
+            </a:r>
+            <a:r>
+              <a:rPr lang="ko-KR" altLang="en-US" dirty="0" err="1" smtClean="0">
+                <a:sym typeface="Wingdings" panose="05000000000000000000" pitchFamily="2" charset="2"/>
+              </a:rPr>
+              <a:t>재현율</a:t>
+            </a:r>
+            <a:r>
+              <a:rPr lang="ko-KR" altLang="en-US" dirty="0" smtClean="0">
+                <a:sym typeface="Wingdings" panose="05000000000000000000" pitchFamily="2" charset="2"/>
+              </a:rPr>
+              <a:t> 떨어짐</a:t>
+            </a:r>
+            <a:endParaRPr lang="en-US" altLang="ko-KR" dirty="0" smtClean="0">
+              <a:sym typeface="Wingdings" panose="05000000000000000000" pitchFamily="2" charset="2"/>
+            </a:endParaRPr>
+          </a:p>
+          <a:p>
+            <a:endParaRPr lang="en-US" altLang="ko-KR" dirty="0">
+              <a:sym typeface="Wingdings" panose="05000000000000000000" pitchFamily="2" charset="2"/>
+            </a:endParaRPr>
+          </a:p>
+          <a:p>
+            <a:r>
+              <a:rPr lang="en-US" altLang="ko-KR" dirty="0" smtClean="0">
+                <a:sym typeface="Wingdings" panose="05000000000000000000" pitchFamily="2" charset="2"/>
+              </a:rPr>
+              <a:t> </a:t>
+            </a:r>
+            <a:r>
+              <a:rPr lang="ko-KR" altLang="en-US" dirty="0" smtClean="0">
+                <a:sym typeface="Wingdings" panose="05000000000000000000" pitchFamily="2" charset="2"/>
+              </a:rPr>
+              <a:t>정밀도와 </a:t>
+            </a:r>
+            <a:r>
+              <a:rPr lang="ko-KR" altLang="en-US" dirty="0" err="1" smtClean="0">
+                <a:sym typeface="Wingdings" panose="05000000000000000000" pitchFamily="2" charset="2"/>
+              </a:rPr>
+              <a:t>재현율의</a:t>
+            </a:r>
+            <a:r>
+              <a:rPr lang="ko-KR" altLang="en-US" dirty="0" smtClean="0">
+                <a:sym typeface="Wingdings" panose="05000000000000000000" pitchFamily="2" charset="2"/>
+              </a:rPr>
+              <a:t> 조화 평균인 </a:t>
+            </a:r>
+            <a:r>
+              <a:rPr lang="en-US" altLang="ko-KR" dirty="0" smtClean="0">
+                <a:sym typeface="Wingdings" panose="05000000000000000000" pitchFamily="2" charset="2"/>
+              </a:rPr>
+              <a:t>f-score </a:t>
+            </a:r>
+            <a:r>
+              <a:rPr lang="ko-KR" altLang="en-US" dirty="0" smtClean="0">
+                <a:sym typeface="Wingdings" panose="05000000000000000000" pitchFamily="2" charset="2"/>
+              </a:rPr>
+              <a:t>사용</a:t>
+            </a:r>
+            <a:endParaRPr lang="ko-KR" altLang="en-US" dirty="0"/>
+          </a:p>
+        </p:txBody>
+      </p:sp>
+      <p:pic>
+        <p:nvPicPr>
+          <p:cNvPr id="6" name="그림 5"/>
+          <p:cNvPicPr>
+            <a:picLocks noChangeAspect="1"/>
+          </p:cNvPicPr>
+          <p:nvPr/>
+        </p:nvPicPr>
+        <p:blipFill>
+          <a:blip r:embed="rId2"/>
+          <a:stretch>
+            <a:fillRect/>
+          </a:stretch>
+        </p:blipFill>
+        <p:spPr>
+          <a:xfrm>
+            <a:off x="1280592" y="1052736"/>
+            <a:ext cx="5069508" cy="2983450"/>
+          </a:xfrm>
+          <a:prstGeom prst="rect">
+            <a:avLst/>
+          </a:prstGeom>
+        </p:spPr>
+      </p:pic>
+      <p:sp>
+        <p:nvSpPr>
+          <p:cNvPr id="7" name="직사각형 6"/>
+          <p:cNvSpPr/>
+          <p:nvPr/>
+        </p:nvSpPr>
+        <p:spPr>
+          <a:xfrm>
+            <a:off x="56456" y="6858000"/>
+            <a:ext cx="3100529" cy="307777"/>
+          </a:xfrm>
+          <a:prstGeom prst="rect">
+            <a:avLst/>
+          </a:prstGeom>
+        </p:spPr>
+        <p:txBody>
+          <a:bodyPr wrap="none">
+            <a:spAutoFit/>
+          </a:bodyPr>
+          <a:lstStyle/>
+          <a:p>
+            <a:r>
+              <a:rPr lang="en-US" altLang="ko-KR" dirty="0">
+                <a:hlinkClick r:id="rId3"/>
+              </a:rPr>
+              <a:t>https://data-newbie.tistory.com/31</a:t>
+            </a:r>
+            <a:endParaRPr lang="ko-KR" altLang="en-US" dirty="0"/>
+          </a:p>
+        </p:txBody>
+      </p:sp>
+    </p:spTree>
+    <p:extLst>
+      <p:ext uri="{BB962C8B-B14F-4D97-AF65-F5344CB8AC3E}">
+        <p14:creationId xmlns:p14="http://schemas.microsoft.com/office/powerpoint/2010/main" val="290706235"/>
       </p:ext>
     </p:extLst>
   </p:cSld>

--- a/모델검증_평가_정리.pptx
+++ b/모델검증_평가_정리.pptx
@@ -9,23 +9,31 @@
     <p:sldMasterId id="2147484183" r:id="rId5"/>
   </p:sldMasterIdLst>
   <p:notesMasterIdLst>
-    <p:notesMasterId r:id="rId9"/>
+    <p:notesMasterId r:id="rId17"/>
   </p:notesMasterIdLst>
   <p:handoutMasterIdLst>
-    <p:handoutMasterId r:id="rId10"/>
+    <p:handoutMasterId r:id="rId18"/>
   </p:handoutMasterIdLst>
   <p:sldIdLst>
     <p:sldId id="1214" r:id="rId6"/>
-    <p:sldId id="1215" r:id="rId7"/>
-    <p:sldId id="1216" r:id="rId8"/>
+    <p:sldId id="1217" r:id="rId7"/>
+    <p:sldId id="1218" r:id="rId8"/>
+    <p:sldId id="1220" r:id="rId9"/>
+    <p:sldId id="1215" r:id="rId10"/>
+    <p:sldId id="1221" r:id="rId11"/>
+    <p:sldId id="1224" r:id="rId12"/>
+    <p:sldId id="1225" r:id="rId13"/>
+    <p:sldId id="1222" r:id="rId14"/>
+    <p:sldId id="1226" r:id="rId15"/>
+    <p:sldId id="1223" r:id="rId16"/>
   </p:sldIdLst>
   <p:sldSz cx="9906000" cy="6858000" type="A4"/>
   <p:notesSz cx="6797675" cy="9928225"/>
   <p:embeddedFontLst>
     <p:embeddedFont>
       <p:font typeface="맑은 고딕" panose="020B0503020000020004" pitchFamily="50" charset="-127"/>
-      <p:regular r:id="rId11"/>
-      <p:bold r:id="rId12"/>
+      <p:regular r:id="rId19"/>
+      <p:bold r:id="rId20"/>
     </p:embeddedFont>
   </p:embeddedFontLst>
   <p:defaultTextStyle>
@@ -394,7 +402,7 @@
             <a:fld id="{C036B14C-1EE6-40CC-B47F-D850A52A37F2}" type="datetimeFigureOut">
               <a:rPr lang="ko-KR" altLang="en-US" smtClean="0"/>
               <a:pPr/>
-              <a:t>2020-01-15</a:t>
+              <a:t>2020-01-16</a:t>
             </a:fld>
             <a:endParaRPr lang="ko-KR" altLang="en-US"/>
           </a:p>
@@ -1108,7 +1116,7 @@
             <a:fld id="{85971C86-2C5B-EB43-BE75-C1CF31CC9443}" type="datetime1">
               <a:rPr lang="ko-KR" altLang="en-US" smtClean="0"/>
               <a:pPr/>
-              <a:t>2020-01-15</a:t>
+              <a:t>2020-01-16</a:t>
             </a:fld>
             <a:endParaRPr lang="ko-KR" altLang="en-US"/>
           </a:p>
@@ -1392,7 +1400,7 @@
             <a:fld id="{5F96B0C1-D31C-2C4E-87C8-D33CB6019974}" type="datetime1">
               <a:rPr lang="ko-KR" altLang="en-US" smtClean="0"/>
               <a:pPr/>
-              <a:t>2020-01-15</a:t>
+              <a:t>2020-01-16</a:t>
             </a:fld>
             <a:endParaRPr lang="ko-KR" altLang="en-US"/>
           </a:p>
@@ -1653,7 +1661,7 @@
             <a:fld id="{5ECDD9AB-C603-1F47-8CC7-C2DC03A70B08}" type="datetime1">
               <a:rPr lang="ko-KR" altLang="en-US" smtClean="0"/>
               <a:pPr/>
-              <a:t>2020-01-15</a:t>
+              <a:t>2020-01-16</a:t>
             </a:fld>
             <a:endParaRPr lang="ko-KR" altLang="en-US"/>
           </a:p>
@@ -1830,7 +1838,7 @@
             <a:fld id="{E9C6FFBC-BA29-034A-B378-F9B169232D6B}" type="datetime1">
               <a:rPr lang="ko-KR" altLang="en-US" smtClean="0"/>
               <a:pPr/>
-              <a:t>2020-01-15</a:t>
+              <a:t>2020-01-16</a:t>
             </a:fld>
             <a:endParaRPr lang="ko-KR" altLang="en-US"/>
           </a:p>
@@ -2017,7 +2025,7 @@
             <a:fld id="{ABB0C4CB-EA9A-7043-A0E9-88EACA751849}" type="datetime1">
               <a:rPr lang="ko-KR" altLang="en-US" smtClean="0"/>
               <a:pPr/>
-              <a:t>2020-01-15</a:t>
+              <a:t>2020-01-16</a:t>
             </a:fld>
             <a:endParaRPr lang="ko-KR" altLang="en-US"/>
           </a:p>
@@ -2248,7 +2256,7 @@
             <a:fld id="{053B3F64-277D-4441-BC5D-2FE3F62AC76E}" type="datetime1">
               <a:rPr lang="ko-KR" altLang="en-US" smtClean="0"/>
               <a:pPr/>
-              <a:t>2020-01-15</a:t>
+              <a:t>2020-01-16</a:t>
             </a:fld>
             <a:endParaRPr lang="ko-KR" altLang="en-US"/>
           </a:p>
@@ -2499,7 +2507,7 @@
             <a:fld id="{B4DFDC0C-3D50-A845-A5C0-CAA9FC928EB4}" type="datetime1">
               <a:rPr lang="ko-KR" altLang="en-US" smtClean="0"/>
               <a:pPr/>
-              <a:t>2020-01-15</a:t>
+              <a:t>2020-01-16</a:t>
             </a:fld>
             <a:endParaRPr lang="ko-KR" altLang="en-US"/>
           </a:p>
@@ -2817,7 +2825,7 @@
             <a:fld id="{3D199F70-D683-734C-A8C5-87F26417ABAD}" type="datetime1">
               <a:rPr lang="ko-KR" altLang="en-US" smtClean="0"/>
               <a:pPr/>
-              <a:t>2020-01-15</a:t>
+              <a:t>2020-01-16</a:t>
             </a:fld>
             <a:endParaRPr lang="ko-KR" altLang="en-US"/>
           </a:p>
@@ -3133,7 +3141,7 @@
             <a:fld id="{960CF2B0-DA2E-1A42-B8B9-BA427F910D95}" type="datetime1">
               <a:rPr lang="ko-KR" altLang="en-US" smtClean="0"/>
               <a:pPr/>
-              <a:t>2020-01-15</a:t>
+              <a:t>2020-01-16</a:t>
             </a:fld>
             <a:endParaRPr lang="ko-KR" altLang="en-US"/>
           </a:p>
@@ -3597,7 +3605,7 @@
             <a:fld id="{8A46EEB6-2CD5-FE46-A18E-C13DD1993F9D}" type="datetime1">
               <a:rPr lang="ko-KR" altLang="en-US" smtClean="0"/>
               <a:pPr/>
-              <a:t>2020-01-15</a:t>
+              <a:t>2020-01-16</a:t>
             </a:fld>
             <a:endParaRPr lang="ko-KR" altLang="en-US"/>
           </a:p>
@@ -3820,7 +3828,7 @@
             <a:fld id="{9BA65E2A-BF59-814B-B4C8-F8BB7B392DA7}" type="datetime1">
               <a:rPr lang="ko-KR" altLang="en-US" smtClean="0"/>
               <a:pPr/>
-              <a:t>2020-01-15</a:t>
+              <a:t>2020-01-16</a:t>
             </a:fld>
             <a:endParaRPr lang="ko-KR" altLang="en-US"/>
           </a:p>
@@ -3970,7 +3978,7 @@
             <a:fld id="{706FBA2F-95FD-3043-80B4-FEF90E9BDAE5}" type="datetime1">
               <a:rPr lang="ko-KR" altLang="en-US" smtClean="0"/>
               <a:pPr/>
-              <a:t>2020-01-15</a:t>
+              <a:t>2020-01-16</a:t>
             </a:fld>
             <a:endParaRPr lang="ko-KR" altLang="en-US"/>
           </a:p>
@@ -4327,7 +4335,7 @@
             <a:fld id="{3A72648C-8F1F-974F-AB70-B3AC295DE470}" type="datetime1">
               <a:rPr lang="ko-KR" altLang="en-US" smtClean="0"/>
               <a:pPr/>
-              <a:t>2020-01-15</a:t>
+              <a:t>2020-01-16</a:t>
             </a:fld>
             <a:endParaRPr lang="ko-KR" altLang="en-US"/>
           </a:p>
@@ -4661,7 +4669,7 @@
             <a:fld id="{58E04696-D4C8-4A48-B253-48FEE500B95F}" type="datetime1">
               <a:rPr lang="ko-KR" altLang="en-US" smtClean="0"/>
               <a:pPr/>
-              <a:t>2020-01-15</a:t>
+              <a:t>2020-01-16</a:t>
             </a:fld>
             <a:endParaRPr lang="ko-KR" altLang="en-US"/>
           </a:p>
@@ -4912,7 +4920,7 @@
             <a:fld id="{2B331756-4AFB-DF44-A946-80057EFACDDE}" type="datetime1">
               <a:rPr lang="ko-KR" altLang="en-US" smtClean="0"/>
               <a:pPr/>
-              <a:t>2020-01-15</a:t>
+              <a:t>2020-01-16</a:t>
             </a:fld>
             <a:endParaRPr lang="ko-KR" altLang="en-US"/>
           </a:p>
@@ -5163,7 +5171,7 @@
             <a:fld id="{78C2EF14-9A85-044D-9E0D-CD60CFDAE00C}" type="datetime1">
               <a:rPr lang="ko-KR" altLang="en-US" smtClean="0"/>
               <a:pPr/>
-              <a:t>2020-01-15</a:t>
+              <a:t>2020-01-16</a:t>
             </a:fld>
             <a:endParaRPr lang="ko-KR" altLang="en-US"/>
           </a:p>
@@ -5307,7 +5315,7 @@
             <a:fld id="{5E7DFC15-5941-A048-8C41-5DB4C57DF04B}" type="datetime1">
               <a:rPr lang="ko-KR" altLang="en-US" smtClean="0"/>
               <a:pPr/>
-              <a:t>2020-01-15</a:t>
+              <a:t>2020-01-16</a:t>
             </a:fld>
             <a:endParaRPr lang="ko-KR" altLang="en-US"/>
           </a:p>
@@ -5572,7 +5580,7 @@
             <a:fld id="{6B78E568-C3F1-FF4D-94CB-CFEF044AD879}" type="datetime1">
               <a:rPr lang="ko-KR" altLang="en-US" smtClean="0"/>
               <a:pPr/>
-              <a:t>2020-01-15</a:t>
+              <a:t>2020-01-16</a:t>
             </a:fld>
             <a:endParaRPr lang="ko-KR" altLang="en-US"/>
           </a:p>
@@ -5749,7 +5757,7 @@
             <a:fld id="{C54433C8-06B1-D74D-925C-D5B79117A52B}" type="datetime1">
               <a:rPr lang="ko-KR" altLang="en-US" smtClean="0"/>
               <a:pPr/>
-              <a:t>2020-01-15</a:t>
+              <a:t>2020-01-16</a:t>
             </a:fld>
             <a:endParaRPr lang="ko-KR" altLang="en-US"/>
           </a:p>
@@ -6003,7 +6011,7 @@
             <a:fld id="{91087711-7130-694F-A36F-AE0AE5BBF389}" type="datetime1">
               <a:rPr lang="ko-KR" altLang="en-US" smtClean="0"/>
               <a:pPr/>
-              <a:t>2020-01-15</a:t>
+              <a:t>2020-01-16</a:t>
             </a:fld>
             <a:endParaRPr lang="ko-KR" altLang="en-US"/>
           </a:p>
@@ -6297,7 +6305,7 @@
             <a:fld id="{E3C9997B-A5F9-5249-A3BE-C0FFADAA8AD5}" type="datetime1">
               <a:rPr lang="ko-KR" altLang="en-US" smtClean="0"/>
               <a:pPr/>
-              <a:t>2020-01-15</a:t>
+              <a:t>2020-01-16</a:t>
             </a:fld>
             <a:endParaRPr lang="ko-KR" altLang="en-US"/>
           </a:p>
@@ -6725,7 +6733,7 @@
             <a:fld id="{B22D9A76-5AC8-A340-9F87-D4B239793FBE}" type="datetime1">
               <a:rPr lang="ko-KR" altLang="en-US" smtClean="0"/>
               <a:pPr/>
-              <a:t>2020-01-15</a:t>
+              <a:t>2020-01-16</a:t>
             </a:fld>
             <a:endParaRPr lang="ko-KR" altLang="en-US"/>
           </a:p>
@@ -6851,7 +6859,7 @@
             <a:fld id="{E3BCE3C1-E2DE-4342-8A94-641BD87BCA57}" type="datetime1">
               <a:rPr lang="ko-KR" altLang="en-US" smtClean="0"/>
               <a:pPr/>
-              <a:t>2020-01-15</a:t>
+              <a:t>2020-01-16</a:t>
             </a:fld>
             <a:endParaRPr lang="ko-KR" altLang="en-US"/>
           </a:p>
@@ -8091,7 +8099,7 @@
             <a:fld id="{81C152DC-6DE1-DA4E-B38A-16E700344C5F}" type="datetime1">
               <a:rPr lang="ko-KR" altLang="en-US" smtClean="0"/>
               <a:pPr/>
-              <a:t>2020-01-15</a:t>
+              <a:t>2020-01-16</a:t>
             </a:fld>
             <a:endParaRPr lang="ko-KR" altLang="en-US"/>
           </a:p>
@@ -9394,6 +9402,1052 @@
 </p:sld>
 </file>
 
+<file path=ppt/slides/slide10.xml><?xml version="1.0" encoding="utf-8"?>
+<p:sld xmlns:a="http://schemas.openxmlformats.org/drawingml/2006/main" xmlns:r="http://schemas.openxmlformats.org/officeDocument/2006/relationships" xmlns:p="http://schemas.openxmlformats.org/presentationml/2006/main">
+  <p:cSld>
+    <p:spTree>
+      <p:nvGrpSpPr>
+        <p:cNvPr id="1" name=""/>
+        <p:cNvGrpSpPr/>
+        <p:nvPr/>
+      </p:nvGrpSpPr>
+      <p:grpSpPr>
+        <a:xfrm>
+          <a:off x="0" y="0"/>
+          <a:ext cx="0" cy="0"/>
+          <a:chOff x="0" y="0"/>
+          <a:chExt cx="0" cy="0"/>
+        </a:xfrm>
+      </p:grpSpPr>
+      <p:sp>
+        <p:nvSpPr>
+          <p:cNvPr id="4" name="슬라이드 번호 개체 틀 3"/>
+          <p:cNvSpPr>
+            <a:spLocks noGrp="1"/>
+          </p:cNvSpPr>
+          <p:nvPr>
+            <p:ph type="sldNum" sz="quarter" idx="12"/>
+          </p:nvPr>
+        </p:nvSpPr>
+        <p:spPr/>
+        <p:txBody>
+          <a:bodyPr/>
+          <a:lstStyle/>
+          <a:p>
+            <a:fld id="{33796E3F-F6B7-490E-938A-9F8EC05675D0}" type="slidenum">
+              <a:rPr lang="ko-KR" altLang="en-US" smtClean="0"/>
+              <a:pPr/>
+              <a:t>9</a:t>
+            </a:fld>
+            <a:endParaRPr lang="ko-KR" altLang="en-US"/>
+          </a:p>
+        </p:txBody>
+      </p:sp>
+      <p:pic>
+        <p:nvPicPr>
+          <p:cNvPr id="6" name="그림 5"/>
+          <p:cNvPicPr>
+            <a:picLocks noChangeAspect="1"/>
+          </p:cNvPicPr>
+          <p:nvPr/>
+        </p:nvPicPr>
+        <p:blipFill>
+          <a:blip r:embed="rId2"/>
+          <a:stretch>
+            <a:fillRect/>
+          </a:stretch>
+        </p:blipFill>
+        <p:spPr>
+          <a:xfrm>
+            <a:off x="2576736" y="2132856"/>
+            <a:ext cx="4570122" cy="3812019"/>
+          </a:xfrm>
+          <a:prstGeom prst="rect">
+            <a:avLst/>
+          </a:prstGeom>
+        </p:spPr>
+      </p:pic>
+      <p:sp>
+        <p:nvSpPr>
+          <p:cNvPr id="7" name="Rectangle 2"/>
+          <p:cNvSpPr txBox="1">
+            <a:spLocks noChangeArrowheads="1"/>
+          </p:cNvSpPr>
+          <p:nvPr/>
+        </p:nvSpPr>
+        <p:spPr bwMode="auto">
+          <a:xfrm>
+            <a:off x="128464" y="201122"/>
+            <a:ext cx="5400600" cy="400110"/>
+          </a:xfrm>
+          <a:prstGeom prst="rect">
+            <a:avLst/>
+          </a:prstGeom>
+          <a:noFill/>
+          <a:ln>
+            <a:noFill/>
+          </a:ln>
+          <a:extLst>
+            <a:ext uri="{909E8E84-426E-40DD-AFC4-6F175D3DCCD1}">
+              <a14:hiddenFill xmlns:a14="http://schemas.microsoft.com/office/drawing/2010/main">
+                <a:solidFill>
+                  <a:srgbClr val="FFFFFF"/>
+                </a:solidFill>
+              </a14:hiddenFill>
+            </a:ext>
+            <a:ext uri="{91240B29-F687-4F45-9708-019B960494DF}">
+              <a14:hiddenLine xmlns:a14="http://schemas.microsoft.com/office/drawing/2010/main" w="9525">
+                <a:solidFill>
+                  <a:srgbClr val="000000"/>
+                </a:solidFill>
+                <a:miter lim="800000"/>
+                <a:headEnd/>
+                <a:tailEnd/>
+              </a14:hiddenLine>
+            </a:ext>
+          </a:extLst>
+        </p:spPr>
+        <p:txBody>
+          <a:bodyPr wrap="square">
+            <a:spAutoFit/>
+          </a:bodyPr>
+          <a:lstStyle>
+            <a:lvl1pPr latinLnBrk="1">
+              <a:defRPr kumimoji="1" sz="1200" b="1">
+                <a:solidFill>
+                  <a:schemeClr val="tx1"/>
+                </a:solidFill>
+                <a:latin typeface="돋움" pitchFamily="50" charset="-127"/>
+                <a:ea typeface="굴림" charset="-127"/>
+              </a:defRPr>
+            </a:lvl1pPr>
+            <a:lvl2pPr marL="742950" indent="-285750" latinLnBrk="1">
+              <a:defRPr kumimoji="1" sz="1200" b="1">
+                <a:solidFill>
+                  <a:schemeClr val="tx1"/>
+                </a:solidFill>
+                <a:latin typeface="돋움" pitchFamily="50" charset="-127"/>
+                <a:ea typeface="굴림" charset="-127"/>
+              </a:defRPr>
+            </a:lvl2pPr>
+            <a:lvl3pPr marL="1143000" indent="-228600" latinLnBrk="1">
+              <a:defRPr kumimoji="1" sz="1200" b="1">
+                <a:solidFill>
+                  <a:schemeClr val="tx1"/>
+                </a:solidFill>
+                <a:latin typeface="돋움" pitchFamily="50" charset="-127"/>
+                <a:ea typeface="굴림" charset="-127"/>
+              </a:defRPr>
+            </a:lvl3pPr>
+            <a:lvl4pPr marL="1600200" indent="-228600" latinLnBrk="1">
+              <a:defRPr kumimoji="1" sz="1200" b="1">
+                <a:solidFill>
+                  <a:schemeClr val="tx1"/>
+                </a:solidFill>
+                <a:latin typeface="돋움" pitchFamily="50" charset="-127"/>
+                <a:ea typeface="굴림" charset="-127"/>
+              </a:defRPr>
+            </a:lvl4pPr>
+            <a:lvl5pPr marL="2057400" indent="-228600" latinLnBrk="1">
+              <a:defRPr kumimoji="1" sz="1200" b="1">
+                <a:solidFill>
+                  <a:schemeClr val="tx1"/>
+                </a:solidFill>
+                <a:latin typeface="돋움" pitchFamily="50" charset="-127"/>
+                <a:ea typeface="굴림" charset="-127"/>
+              </a:defRPr>
+            </a:lvl5pPr>
+            <a:lvl6pPr marL="2514600" indent="-228600" eaLnBrk="0" fontAlgn="base" hangingPunct="0">
+              <a:spcBef>
+                <a:spcPct val="0"/>
+              </a:spcBef>
+              <a:spcAft>
+                <a:spcPct val="0"/>
+              </a:spcAft>
+              <a:defRPr kumimoji="1" sz="1200" b="1">
+                <a:solidFill>
+                  <a:schemeClr val="tx1"/>
+                </a:solidFill>
+                <a:latin typeface="돋움" pitchFamily="50" charset="-127"/>
+                <a:ea typeface="굴림" charset="-127"/>
+              </a:defRPr>
+            </a:lvl6pPr>
+            <a:lvl7pPr marL="2971800" indent="-228600" eaLnBrk="0" fontAlgn="base" hangingPunct="0">
+              <a:spcBef>
+                <a:spcPct val="0"/>
+              </a:spcBef>
+              <a:spcAft>
+                <a:spcPct val="0"/>
+              </a:spcAft>
+              <a:defRPr kumimoji="1" sz="1200" b="1">
+                <a:solidFill>
+                  <a:schemeClr val="tx1"/>
+                </a:solidFill>
+                <a:latin typeface="돋움" pitchFamily="50" charset="-127"/>
+                <a:ea typeface="굴림" charset="-127"/>
+              </a:defRPr>
+            </a:lvl7pPr>
+            <a:lvl8pPr marL="3429000" indent="-228600" eaLnBrk="0" fontAlgn="base" hangingPunct="0">
+              <a:spcBef>
+                <a:spcPct val="0"/>
+              </a:spcBef>
+              <a:spcAft>
+                <a:spcPct val="0"/>
+              </a:spcAft>
+              <a:defRPr kumimoji="1" sz="1200" b="1">
+                <a:solidFill>
+                  <a:schemeClr val="tx1"/>
+                </a:solidFill>
+                <a:latin typeface="돋움" pitchFamily="50" charset="-127"/>
+                <a:ea typeface="굴림" charset="-127"/>
+              </a:defRPr>
+            </a:lvl8pPr>
+            <a:lvl9pPr marL="3886200" indent="-228600" eaLnBrk="0" fontAlgn="base" hangingPunct="0">
+              <a:spcBef>
+                <a:spcPct val="0"/>
+              </a:spcBef>
+              <a:spcAft>
+                <a:spcPct val="0"/>
+              </a:spcAft>
+              <a:defRPr kumimoji="1" sz="1200" b="1">
+                <a:solidFill>
+                  <a:schemeClr val="tx1"/>
+                </a:solidFill>
+                <a:latin typeface="돋움" pitchFamily="50" charset="-127"/>
+                <a:ea typeface="굴림" charset="-127"/>
+              </a:defRPr>
+            </a:lvl9pPr>
+          </a:lstStyle>
+          <a:p>
+            <a:pPr eaLnBrk="1" hangingPunct="1"/>
+            <a:r>
+              <a:rPr lang="en-US" altLang="ko-KR" sz="2000" dirty="0">
+                <a:solidFill>
+                  <a:schemeClr val="bg1"/>
+                </a:solidFill>
+                <a:latin typeface="+mj-ea"/>
+                <a:ea typeface="+mj-ea"/>
+                <a:sym typeface="Wingdings" pitchFamily="2" charset="2"/>
+              </a:rPr>
+              <a:t>precision-recall </a:t>
+            </a:r>
+            <a:r>
+              <a:rPr lang="ko-KR" altLang="en-US" sz="2000" dirty="0">
+                <a:solidFill>
+                  <a:schemeClr val="bg1"/>
+                </a:solidFill>
+                <a:latin typeface="+mj-ea"/>
+                <a:ea typeface="+mj-ea"/>
+                <a:sym typeface="Wingdings" pitchFamily="2" charset="2"/>
+              </a:rPr>
+              <a:t>그래프</a:t>
+            </a:r>
+          </a:p>
+        </p:txBody>
+      </p:sp>
+      <p:sp>
+        <p:nvSpPr>
+          <p:cNvPr id="8" name="Rectangle 41">
+            <a:extLst>
+              <a:ext uri="{FF2B5EF4-FFF2-40B4-BE49-F238E27FC236}">
+                <a16:creationId xmlns:a16="http://schemas.microsoft.com/office/drawing/2014/main" id="{83FF4C79-FD07-4B45-A74F-F47818CE5E37}"/>
+              </a:ext>
+            </a:extLst>
+          </p:cNvPr>
+          <p:cNvSpPr>
+            <a:spLocks noChangeArrowheads="1"/>
+          </p:cNvSpPr>
+          <p:nvPr/>
+        </p:nvSpPr>
+        <p:spPr bwMode="auto">
+          <a:xfrm>
+            <a:off x="488504" y="980727"/>
+            <a:ext cx="8928992" cy="432049"/>
+          </a:xfrm>
+          <a:prstGeom prst="rect">
+            <a:avLst/>
+          </a:prstGeom>
+          <a:noFill/>
+          <a:ln w="9525" algn="ctr">
+            <a:noFill/>
+            <a:miter lim="800000"/>
+            <a:headEnd/>
+            <a:tailEnd/>
+          </a:ln>
+          <a:effectLst/>
+        </p:spPr>
+        <p:txBody>
+          <a:bodyPr lIns="72000" tIns="0" rIns="0" bIns="0" anchor="t"/>
+          <a:lstStyle/>
+          <a:p>
+            <a:pPr latinLnBrk="0">
+              <a:lnSpc>
+                <a:spcPct val="150000"/>
+              </a:lnSpc>
+            </a:pPr>
+            <a:r>
+              <a:rPr lang="ko-KR" altLang="en-US" sz="1600" dirty="0">
+                <a:latin typeface="+mj-ea"/>
+                <a:ea typeface="+mj-ea"/>
+              </a:rPr>
+              <a:t>알고리즘의 </a:t>
+            </a:r>
+            <a:r>
+              <a:rPr lang="ko-KR" altLang="en-US" sz="1600" dirty="0" err="1">
+                <a:latin typeface="+mj-ea"/>
+                <a:ea typeface="+mj-ea"/>
+              </a:rPr>
+              <a:t>파라미터</a:t>
+            </a:r>
+            <a:r>
+              <a:rPr lang="ko-KR" altLang="en-US" sz="1600" dirty="0">
+                <a:latin typeface="+mj-ea"/>
+                <a:ea typeface="+mj-ea"/>
+              </a:rPr>
+              <a:t> 조정에 따른 </a:t>
+            </a:r>
+            <a:r>
+              <a:rPr lang="en-US" altLang="ko-KR" sz="1600" dirty="0">
+                <a:latin typeface="+mj-ea"/>
+                <a:ea typeface="+mj-ea"/>
+              </a:rPr>
+              <a:t>precision</a:t>
+            </a:r>
+            <a:r>
+              <a:rPr lang="ko-KR" altLang="en-US" sz="1600" dirty="0">
+                <a:latin typeface="+mj-ea"/>
+                <a:ea typeface="+mj-ea"/>
+              </a:rPr>
+              <a:t>과 </a:t>
+            </a:r>
+            <a:r>
+              <a:rPr lang="en-US" altLang="ko-KR" sz="1600" dirty="0">
+                <a:latin typeface="+mj-ea"/>
+                <a:ea typeface="+mj-ea"/>
+              </a:rPr>
+              <a:t>recall </a:t>
+            </a:r>
+            <a:r>
+              <a:rPr lang="ko-KR" altLang="en-US" sz="1600" dirty="0">
+                <a:latin typeface="+mj-ea"/>
+                <a:ea typeface="+mj-ea"/>
+              </a:rPr>
+              <a:t>값의 변화를 그래프로 표현한 </a:t>
+            </a:r>
+            <a:r>
+              <a:rPr lang="ko-KR" altLang="en-US" sz="1600" dirty="0" smtClean="0">
+                <a:latin typeface="+mj-ea"/>
+                <a:ea typeface="+mj-ea"/>
+              </a:rPr>
+              <a:t>것</a:t>
+            </a:r>
+            <a:r>
+              <a:rPr lang="en-US" altLang="ko-KR" sz="1600" dirty="0" smtClean="0">
+                <a:latin typeface="+mj-ea"/>
+                <a:ea typeface="+mj-ea"/>
+              </a:rPr>
+              <a:t> </a:t>
+            </a:r>
+          </a:p>
+          <a:p>
+            <a:pPr latinLnBrk="0">
+              <a:lnSpc>
+                <a:spcPct val="150000"/>
+              </a:lnSpc>
+            </a:pPr>
+            <a:r>
+              <a:rPr lang="en-US" altLang="ko-KR" b="0" dirty="0" smtClean="0">
+                <a:latin typeface="+mj-ea"/>
+                <a:ea typeface="+mj-ea"/>
+              </a:rPr>
+              <a:t>recall </a:t>
+            </a:r>
+            <a:r>
+              <a:rPr lang="ko-KR" altLang="en-US" b="0" dirty="0" smtClean="0">
+                <a:latin typeface="+mj-ea"/>
+                <a:ea typeface="+mj-ea"/>
+              </a:rPr>
+              <a:t>대신 </a:t>
+            </a:r>
+            <a:r>
+              <a:rPr lang="en-US" altLang="ko-KR" b="0" dirty="0">
+                <a:latin typeface="+mj-ea"/>
+                <a:ea typeface="+mj-ea"/>
+              </a:rPr>
+              <a:t>miss rate( 1-recall ) </a:t>
+            </a:r>
+            <a:r>
+              <a:rPr lang="en-US" altLang="ko-KR" b="0" dirty="0" smtClean="0">
+                <a:latin typeface="+mj-ea"/>
+                <a:ea typeface="+mj-ea"/>
+              </a:rPr>
+              <a:t>precision </a:t>
+            </a:r>
+            <a:r>
+              <a:rPr lang="ko-KR" altLang="en-US" b="0" dirty="0" smtClean="0">
+                <a:latin typeface="+mj-ea"/>
+                <a:ea typeface="+mj-ea"/>
+              </a:rPr>
+              <a:t>대신 </a:t>
+            </a:r>
+            <a:r>
+              <a:rPr lang="en-US" altLang="ko-KR" b="0" dirty="0">
+                <a:latin typeface="+mj-ea"/>
+                <a:ea typeface="+mj-ea"/>
+              </a:rPr>
+              <a:t>false alarm rate( 1-precision </a:t>
+            </a:r>
+            <a:r>
+              <a:rPr lang="en-US" altLang="ko-KR" b="0" dirty="0" smtClean="0">
+                <a:latin typeface="+mj-ea"/>
+                <a:ea typeface="+mj-ea"/>
+              </a:rPr>
+              <a:t>)</a:t>
+            </a:r>
+            <a:r>
+              <a:rPr lang="ko-KR" altLang="en-US" b="0" dirty="0" smtClean="0">
+                <a:latin typeface="+mj-ea"/>
+                <a:ea typeface="+mj-ea"/>
+              </a:rPr>
+              <a:t>이 사용 될 수 있다</a:t>
+            </a:r>
+            <a:r>
+              <a:rPr lang="en-US" altLang="ko-KR" b="0" dirty="0" smtClean="0">
+                <a:latin typeface="+mj-ea"/>
+                <a:ea typeface="+mj-ea"/>
+              </a:rPr>
+              <a:t>.</a:t>
+            </a:r>
+            <a:endParaRPr lang="en-US" altLang="ko-KR" b="0" dirty="0">
+              <a:latin typeface="+mj-ea"/>
+              <a:ea typeface="+mj-ea"/>
+            </a:endParaRPr>
+          </a:p>
+        </p:txBody>
+      </p:sp>
+    </p:spTree>
+    <p:extLst>
+      <p:ext uri="{BB962C8B-B14F-4D97-AF65-F5344CB8AC3E}">
+        <p14:creationId xmlns:p14="http://schemas.microsoft.com/office/powerpoint/2010/main" val="4011047134"/>
+      </p:ext>
+    </p:extLst>
+  </p:cSld>
+  <p:clrMapOvr>
+    <a:masterClrMapping/>
+  </p:clrMapOvr>
+</p:sld>
+</file>
+
+<file path=ppt/slides/slide11.xml><?xml version="1.0" encoding="utf-8"?>
+<p:sld xmlns:a="http://schemas.openxmlformats.org/drawingml/2006/main" xmlns:r="http://schemas.openxmlformats.org/officeDocument/2006/relationships" xmlns:p="http://schemas.openxmlformats.org/presentationml/2006/main">
+  <p:cSld>
+    <p:spTree>
+      <p:nvGrpSpPr>
+        <p:cNvPr id="1" name=""/>
+        <p:cNvGrpSpPr/>
+        <p:nvPr/>
+      </p:nvGrpSpPr>
+      <p:grpSpPr>
+        <a:xfrm>
+          <a:off x="0" y="0"/>
+          <a:ext cx="0" cy="0"/>
+          <a:chOff x="0" y="0"/>
+          <a:chExt cx="0" cy="0"/>
+        </a:xfrm>
+      </p:grpSpPr>
+      <p:sp>
+        <p:nvSpPr>
+          <p:cNvPr id="4" name="슬라이드 번호 개체 틀 3"/>
+          <p:cNvSpPr>
+            <a:spLocks noGrp="1"/>
+          </p:cNvSpPr>
+          <p:nvPr>
+            <p:ph type="sldNum" sz="quarter" idx="12"/>
+          </p:nvPr>
+        </p:nvSpPr>
+        <p:spPr/>
+        <p:txBody>
+          <a:bodyPr/>
+          <a:lstStyle/>
+          <a:p>
+            <a:fld id="{33796E3F-F6B7-490E-938A-9F8EC05675D0}" type="slidenum">
+              <a:rPr lang="ko-KR" altLang="en-US" smtClean="0">
+                <a:latin typeface="+mj-ea"/>
+                <a:ea typeface="+mj-ea"/>
+              </a:rPr>
+              <a:pPr/>
+              <a:t>10</a:t>
+            </a:fld>
+            <a:endParaRPr lang="ko-KR" altLang="en-US">
+              <a:latin typeface="+mj-ea"/>
+              <a:ea typeface="+mj-ea"/>
+            </a:endParaRPr>
+          </a:p>
+        </p:txBody>
+      </p:sp>
+      <p:sp>
+        <p:nvSpPr>
+          <p:cNvPr id="5" name="TextBox 4"/>
+          <p:cNvSpPr txBox="1"/>
+          <p:nvPr/>
+        </p:nvSpPr>
+        <p:spPr>
+          <a:xfrm>
+            <a:off x="843331" y="1412776"/>
+            <a:ext cx="8214126" cy="738664"/>
+          </a:xfrm>
+          <a:prstGeom prst="rect">
+            <a:avLst/>
+          </a:prstGeom>
+          <a:noFill/>
+        </p:spPr>
+        <p:txBody>
+          <a:bodyPr wrap="square" rtlCol="0">
+            <a:spAutoFit/>
+          </a:bodyPr>
+          <a:lstStyle/>
+          <a:p>
+            <a:r>
+              <a:rPr lang="en-US" altLang="ko-KR" dirty="0" smtClean="0">
+                <a:latin typeface="+mj-ea"/>
+                <a:ea typeface="+mj-ea"/>
+              </a:rPr>
+              <a:t>precision-recall </a:t>
+            </a:r>
+            <a:r>
+              <a:rPr lang="ko-KR" altLang="en-US" dirty="0" smtClean="0">
+                <a:latin typeface="+mj-ea"/>
+                <a:ea typeface="+mj-ea"/>
+              </a:rPr>
+              <a:t>그래프는 어떤 알고리즘의 성능을 전반적으로 파악하기는 좋으나 서로 다른 두 알고리즘의 성능을 정량적으로 비교하기에는 불편하다</a:t>
+            </a:r>
+            <a:r>
+              <a:rPr lang="en-US" altLang="ko-KR" dirty="0" smtClean="0">
+                <a:latin typeface="+mj-ea"/>
+                <a:ea typeface="+mj-ea"/>
+              </a:rPr>
+              <a:t>. </a:t>
+            </a:r>
+            <a:r>
+              <a:rPr lang="ko-KR" altLang="en-US" dirty="0" smtClean="0">
+                <a:latin typeface="+mj-ea"/>
+                <a:ea typeface="+mj-ea"/>
+              </a:rPr>
+              <a:t>이를 위해</a:t>
+            </a:r>
+            <a:r>
+              <a:rPr lang="en-US" altLang="ko-KR" dirty="0" smtClean="0">
+                <a:latin typeface="+mj-ea"/>
+                <a:ea typeface="+mj-ea"/>
+              </a:rPr>
+              <a:t>, Average precision</a:t>
+            </a:r>
+            <a:r>
+              <a:rPr lang="ko-KR" altLang="en-US" dirty="0" smtClean="0">
+                <a:latin typeface="+mj-ea"/>
+                <a:ea typeface="+mj-ea"/>
+              </a:rPr>
+              <a:t>의 개념이 나왔다</a:t>
+            </a:r>
+            <a:r>
+              <a:rPr lang="en-US" altLang="ko-KR" dirty="0" smtClean="0">
+                <a:latin typeface="+mj-ea"/>
+                <a:ea typeface="+mj-ea"/>
+              </a:rPr>
+              <a:t>. </a:t>
+            </a:r>
+          </a:p>
+          <a:p>
+            <a:r>
+              <a:rPr lang="en-US" altLang="ko-KR" dirty="0" smtClean="0">
+                <a:latin typeface="+mj-ea"/>
+                <a:ea typeface="+mj-ea"/>
+              </a:rPr>
+              <a:t>AP</a:t>
+            </a:r>
+            <a:r>
+              <a:rPr lang="ko-KR" altLang="en-US" dirty="0" smtClean="0">
+                <a:latin typeface="+mj-ea"/>
+                <a:ea typeface="+mj-ea"/>
+              </a:rPr>
+              <a:t>는 </a:t>
+            </a:r>
+            <a:r>
+              <a:rPr lang="en-US" altLang="ko-KR" dirty="0" smtClean="0">
+                <a:latin typeface="+mj-ea"/>
+                <a:ea typeface="+mj-ea"/>
+              </a:rPr>
+              <a:t>precision-recall </a:t>
+            </a:r>
+            <a:r>
+              <a:rPr lang="ko-KR" altLang="en-US" dirty="0" smtClean="0">
+                <a:latin typeface="+mj-ea"/>
+                <a:ea typeface="+mj-ea"/>
+              </a:rPr>
+              <a:t>그래프에서 선 아래의 면적으로 계산한다</a:t>
+            </a:r>
+            <a:r>
+              <a:rPr lang="en-US" altLang="ko-KR" dirty="0" smtClean="0">
+                <a:latin typeface="+mj-ea"/>
+                <a:ea typeface="+mj-ea"/>
+              </a:rPr>
+              <a:t>. </a:t>
+            </a:r>
+          </a:p>
+        </p:txBody>
+      </p:sp>
+      <p:pic>
+        <p:nvPicPr>
+          <p:cNvPr id="6" name="그림 5"/>
+          <p:cNvPicPr>
+            <a:picLocks noChangeAspect="1"/>
+          </p:cNvPicPr>
+          <p:nvPr/>
+        </p:nvPicPr>
+        <p:blipFill>
+          <a:blip r:embed="rId2"/>
+          <a:stretch>
+            <a:fillRect/>
+          </a:stretch>
+        </p:blipFill>
+        <p:spPr>
+          <a:xfrm>
+            <a:off x="3321280" y="2161652"/>
+            <a:ext cx="3258228" cy="2419476"/>
+          </a:xfrm>
+          <a:prstGeom prst="rect">
+            <a:avLst/>
+          </a:prstGeom>
+        </p:spPr>
+      </p:pic>
+      <p:sp>
+        <p:nvSpPr>
+          <p:cNvPr id="7" name="TextBox 6"/>
+          <p:cNvSpPr txBox="1"/>
+          <p:nvPr/>
+        </p:nvSpPr>
+        <p:spPr>
+          <a:xfrm>
+            <a:off x="843332" y="4970212"/>
+            <a:ext cx="8214126" cy="523220"/>
+          </a:xfrm>
+          <a:prstGeom prst="rect">
+            <a:avLst/>
+          </a:prstGeom>
+          <a:noFill/>
+        </p:spPr>
+        <p:txBody>
+          <a:bodyPr wrap="square" rtlCol="0">
+            <a:spAutoFit/>
+          </a:bodyPr>
+          <a:lstStyle/>
+          <a:p>
+            <a:r>
+              <a:rPr lang="ko-KR" altLang="en-US" dirty="0" smtClean="0">
+                <a:latin typeface="+mj-ea"/>
+                <a:ea typeface="+mj-ea"/>
+              </a:rPr>
+              <a:t>알고리즘의 </a:t>
+            </a:r>
+            <a:r>
+              <a:rPr lang="en-US" altLang="ko-KR" dirty="0" smtClean="0">
+                <a:latin typeface="+mj-ea"/>
+                <a:ea typeface="+mj-ea"/>
+              </a:rPr>
+              <a:t>precision-recall  </a:t>
+            </a:r>
+            <a:r>
+              <a:rPr lang="ko-KR" altLang="en-US" dirty="0" smtClean="0">
+                <a:latin typeface="+mj-ea"/>
+                <a:ea typeface="+mj-ea"/>
+              </a:rPr>
+              <a:t>성능을 하나의 숫자로 표현하는 방법이다</a:t>
+            </a:r>
+            <a:r>
+              <a:rPr lang="en-US" altLang="ko-KR" dirty="0" smtClean="0">
+                <a:latin typeface="+mj-ea"/>
+                <a:ea typeface="+mj-ea"/>
+              </a:rPr>
+              <a:t>. </a:t>
+            </a:r>
+            <a:r>
+              <a:rPr lang="ko-KR" altLang="en-US" dirty="0" smtClean="0">
+                <a:latin typeface="+mj-ea"/>
+                <a:ea typeface="+mj-ea"/>
+              </a:rPr>
+              <a:t>이는  </a:t>
+            </a:r>
+            <a:r>
+              <a:rPr lang="en-US" altLang="ko-KR" dirty="0" smtClean="0">
+                <a:latin typeface="+mj-ea"/>
+                <a:ea typeface="+mj-ea"/>
+              </a:rPr>
+              <a:t>precision</a:t>
+            </a:r>
+            <a:r>
+              <a:rPr lang="ko-KR" altLang="en-US" dirty="0" smtClean="0">
+                <a:latin typeface="+mj-ea"/>
+                <a:ea typeface="+mj-ea"/>
+              </a:rPr>
+              <a:t>과 </a:t>
+            </a:r>
+            <a:r>
+              <a:rPr lang="en-US" altLang="ko-KR" dirty="0" smtClean="0">
+                <a:latin typeface="+mj-ea"/>
+                <a:ea typeface="+mj-ea"/>
+              </a:rPr>
+              <a:t>recall</a:t>
+            </a:r>
+            <a:r>
+              <a:rPr lang="ko-KR" altLang="en-US" dirty="0" smtClean="0">
+                <a:latin typeface="+mj-ea"/>
+                <a:ea typeface="+mj-ea"/>
+              </a:rPr>
+              <a:t>의 조화 평균으로 계산된다</a:t>
+            </a:r>
+            <a:r>
+              <a:rPr lang="en-US" altLang="ko-KR" dirty="0" smtClean="0">
+                <a:latin typeface="+mj-ea"/>
+                <a:ea typeface="+mj-ea"/>
+              </a:rPr>
+              <a:t>.</a:t>
+            </a:r>
+          </a:p>
+        </p:txBody>
+      </p:sp>
+      <p:pic>
+        <p:nvPicPr>
+          <p:cNvPr id="8" name="그림 7"/>
+          <p:cNvPicPr>
+            <a:picLocks noChangeAspect="1"/>
+          </p:cNvPicPr>
+          <p:nvPr/>
+        </p:nvPicPr>
+        <p:blipFill>
+          <a:blip r:embed="rId3"/>
+          <a:stretch>
+            <a:fillRect/>
+          </a:stretch>
+        </p:blipFill>
+        <p:spPr>
+          <a:xfrm>
+            <a:off x="3363874" y="5616313"/>
+            <a:ext cx="2578624" cy="620999"/>
+          </a:xfrm>
+          <a:prstGeom prst="rect">
+            <a:avLst/>
+          </a:prstGeom>
+        </p:spPr>
+      </p:pic>
+      <p:sp>
+        <p:nvSpPr>
+          <p:cNvPr id="11" name="Rectangle 2"/>
+          <p:cNvSpPr txBox="1">
+            <a:spLocks noChangeArrowheads="1"/>
+          </p:cNvSpPr>
+          <p:nvPr/>
+        </p:nvSpPr>
+        <p:spPr bwMode="auto">
+          <a:xfrm>
+            <a:off x="128464" y="201122"/>
+            <a:ext cx="5400600" cy="400110"/>
+          </a:xfrm>
+          <a:prstGeom prst="rect">
+            <a:avLst/>
+          </a:prstGeom>
+          <a:noFill/>
+          <a:ln>
+            <a:noFill/>
+          </a:ln>
+          <a:extLst>
+            <a:ext uri="{909E8E84-426E-40DD-AFC4-6F175D3DCCD1}">
+              <a14:hiddenFill xmlns:a14="http://schemas.microsoft.com/office/drawing/2010/main">
+                <a:solidFill>
+                  <a:srgbClr val="FFFFFF"/>
+                </a:solidFill>
+              </a14:hiddenFill>
+            </a:ext>
+            <a:ext uri="{91240B29-F687-4F45-9708-019B960494DF}">
+              <a14:hiddenLine xmlns:a14="http://schemas.microsoft.com/office/drawing/2010/main" w="9525">
+                <a:solidFill>
+                  <a:srgbClr val="000000"/>
+                </a:solidFill>
+                <a:miter lim="800000"/>
+                <a:headEnd/>
+                <a:tailEnd/>
+              </a14:hiddenLine>
+            </a:ext>
+          </a:extLst>
+        </p:spPr>
+        <p:txBody>
+          <a:bodyPr wrap="square">
+            <a:spAutoFit/>
+          </a:bodyPr>
+          <a:lstStyle>
+            <a:lvl1pPr latinLnBrk="1">
+              <a:defRPr kumimoji="1" sz="1200" b="1">
+                <a:solidFill>
+                  <a:schemeClr val="tx1"/>
+                </a:solidFill>
+                <a:latin typeface="돋움" pitchFamily="50" charset="-127"/>
+                <a:ea typeface="굴림" charset="-127"/>
+              </a:defRPr>
+            </a:lvl1pPr>
+            <a:lvl2pPr marL="742950" indent="-285750" latinLnBrk="1">
+              <a:defRPr kumimoji="1" sz="1200" b="1">
+                <a:solidFill>
+                  <a:schemeClr val="tx1"/>
+                </a:solidFill>
+                <a:latin typeface="돋움" pitchFamily="50" charset="-127"/>
+                <a:ea typeface="굴림" charset="-127"/>
+              </a:defRPr>
+            </a:lvl2pPr>
+            <a:lvl3pPr marL="1143000" indent="-228600" latinLnBrk="1">
+              <a:defRPr kumimoji="1" sz="1200" b="1">
+                <a:solidFill>
+                  <a:schemeClr val="tx1"/>
+                </a:solidFill>
+                <a:latin typeface="돋움" pitchFamily="50" charset="-127"/>
+                <a:ea typeface="굴림" charset="-127"/>
+              </a:defRPr>
+            </a:lvl3pPr>
+            <a:lvl4pPr marL="1600200" indent="-228600" latinLnBrk="1">
+              <a:defRPr kumimoji="1" sz="1200" b="1">
+                <a:solidFill>
+                  <a:schemeClr val="tx1"/>
+                </a:solidFill>
+                <a:latin typeface="돋움" pitchFamily="50" charset="-127"/>
+                <a:ea typeface="굴림" charset="-127"/>
+              </a:defRPr>
+            </a:lvl4pPr>
+            <a:lvl5pPr marL="2057400" indent="-228600" latinLnBrk="1">
+              <a:defRPr kumimoji="1" sz="1200" b="1">
+                <a:solidFill>
+                  <a:schemeClr val="tx1"/>
+                </a:solidFill>
+                <a:latin typeface="돋움" pitchFamily="50" charset="-127"/>
+                <a:ea typeface="굴림" charset="-127"/>
+              </a:defRPr>
+            </a:lvl5pPr>
+            <a:lvl6pPr marL="2514600" indent="-228600" eaLnBrk="0" fontAlgn="base" hangingPunct="0">
+              <a:spcBef>
+                <a:spcPct val="0"/>
+              </a:spcBef>
+              <a:spcAft>
+                <a:spcPct val="0"/>
+              </a:spcAft>
+              <a:defRPr kumimoji="1" sz="1200" b="1">
+                <a:solidFill>
+                  <a:schemeClr val="tx1"/>
+                </a:solidFill>
+                <a:latin typeface="돋움" pitchFamily="50" charset="-127"/>
+                <a:ea typeface="굴림" charset="-127"/>
+              </a:defRPr>
+            </a:lvl6pPr>
+            <a:lvl7pPr marL="2971800" indent="-228600" eaLnBrk="0" fontAlgn="base" hangingPunct="0">
+              <a:spcBef>
+                <a:spcPct val="0"/>
+              </a:spcBef>
+              <a:spcAft>
+                <a:spcPct val="0"/>
+              </a:spcAft>
+              <a:defRPr kumimoji="1" sz="1200" b="1">
+                <a:solidFill>
+                  <a:schemeClr val="tx1"/>
+                </a:solidFill>
+                <a:latin typeface="돋움" pitchFamily="50" charset="-127"/>
+                <a:ea typeface="굴림" charset="-127"/>
+              </a:defRPr>
+            </a:lvl7pPr>
+            <a:lvl8pPr marL="3429000" indent="-228600" eaLnBrk="0" fontAlgn="base" hangingPunct="0">
+              <a:spcBef>
+                <a:spcPct val="0"/>
+              </a:spcBef>
+              <a:spcAft>
+                <a:spcPct val="0"/>
+              </a:spcAft>
+              <a:defRPr kumimoji="1" sz="1200" b="1">
+                <a:solidFill>
+                  <a:schemeClr val="tx1"/>
+                </a:solidFill>
+                <a:latin typeface="돋움" pitchFamily="50" charset="-127"/>
+                <a:ea typeface="굴림" charset="-127"/>
+              </a:defRPr>
+            </a:lvl8pPr>
+            <a:lvl9pPr marL="3886200" indent="-228600" eaLnBrk="0" fontAlgn="base" hangingPunct="0">
+              <a:spcBef>
+                <a:spcPct val="0"/>
+              </a:spcBef>
+              <a:spcAft>
+                <a:spcPct val="0"/>
+              </a:spcAft>
+              <a:defRPr kumimoji="1" sz="1200" b="1">
+                <a:solidFill>
+                  <a:schemeClr val="tx1"/>
+                </a:solidFill>
+                <a:latin typeface="돋움" pitchFamily="50" charset="-127"/>
+                <a:ea typeface="굴림" charset="-127"/>
+              </a:defRPr>
+            </a:lvl9pPr>
+          </a:lstStyle>
+          <a:p>
+            <a:pPr eaLnBrk="1" hangingPunct="1"/>
+            <a:r>
+              <a:rPr lang="en-US" altLang="ko-KR" sz="2000" dirty="0" smtClean="0">
+                <a:solidFill>
+                  <a:schemeClr val="bg1"/>
+                </a:solidFill>
+                <a:latin typeface="+mj-ea"/>
+                <a:ea typeface="+mj-ea"/>
+                <a:sym typeface="Wingdings" pitchFamily="2" charset="2"/>
+              </a:rPr>
+              <a:t>AP &amp; F-measure</a:t>
+            </a:r>
+            <a:endParaRPr lang="en-US" altLang="ko-KR" sz="2000" dirty="0">
+              <a:solidFill>
+                <a:schemeClr val="bg1"/>
+              </a:solidFill>
+              <a:latin typeface="+mj-ea"/>
+              <a:ea typeface="+mj-ea"/>
+              <a:sym typeface="Wingdings" pitchFamily="2" charset="2"/>
+            </a:endParaRPr>
+          </a:p>
+        </p:txBody>
+      </p:sp>
+      <p:sp>
+        <p:nvSpPr>
+          <p:cNvPr id="12" name="Rectangle 41">
+            <a:extLst>
+              <a:ext uri="{FF2B5EF4-FFF2-40B4-BE49-F238E27FC236}">
+                <a16:creationId xmlns:a16="http://schemas.microsoft.com/office/drawing/2014/main" id="{83FF4C79-FD07-4B45-A74F-F47818CE5E37}"/>
+              </a:ext>
+            </a:extLst>
+          </p:cNvPr>
+          <p:cNvSpPr>
+            <a:spLocks noChangeArrowheads="1"/>
+          </p:cNvSpPr>
+          <p:nvPr/>
+        </p:nvSpPr>
+        <p:spPr bwMode="auto">
+          <a:xfrm>
+            <a:off x="488504" y="980727"/>
+            <a:ext cx="8928992" cy="432049"/>
+          </a:xfrm>
+          <a:prstGeom prst="rect">
+            <a:avLst/>
+          </a:prstGeom>
+          <a:noFill/>
+          <a:ln w="9525" algn="ctr">
+            <a:noFill/>
+            <a:miter lim="800000"/>
+            <a:headEnd/>
+            <a:tailEnd/>
+          </a:ln>
+          <a:effectLst/>
+        </p:spPr>
+        <p:txBody>
+          <a:bodyPr lIns="72000" tIns="0" rIns="0" bIns="0" anchor="t"/>
+          <a:lstStyle/>
+          <a:p>
+            <a:pPr latinLnBrk="0">
+              <a:lnSpc>
+                <a:spcPct val="150000"/>
+              </a:lnSpc>
+            </a:pPr>
+            <a:r>
+              <a:rPr lang="en-US" altLang="ko-KR" sz="1600" dirty="0">
+                <a:latin typeface="+mj-ea"/>
+                <a:ea typeface="+mj-ea"/>
+              </a:rPr>
+              <a:t>Average Precision(AP)</a:t>
+            </a:r>
+          </a:p>
+          <a:p>
+            <a:pPr latinLnBrk="0">
+              <a:lnSpc>
+                <a:spcPct val="150000"/>
+              </a:lnSpc>
+            </a:pPr>
+            <a:endParaRPr lang="en-US" altLang="ko-KR" sz="1600" dirty="0" smtClean="0">
+              <a:latin typeface="+mj-ea"/>
+              <a:ea typeface="+mj-ea"/>
+            </a:endParaRPr>
+          </a:p>
+        </p:txBody>
+      </p:sp>
+      <p:sp>
+        <p:nvSpPr>
+          <p:cNvPr id="13" name="Rectangle 41">
+            <a:extLst>
+              <a:ext uri="{FF2B5EF4-FFF2-40B4-BE49-F238E27FC236}">
+                <a16:creationId xmlns:a16="http://schemas.microsoft.com/office/drawing/2014/main" id="{83FF4C79-FD07-4B45-A74F-F47818CE5E37}"/>
+              </a:ext>
+            </a:extLst>
+          </p:cNvPr>
+          <p:cNvSpPr>
+            <a:spLocks noChangeArrowheads="1"/>
+          </p:cNvSpPr>
+          <p:nvPr/>
+        </p:nvSpPr>
+        <p:spPr bwMode="auto">
+          <a:xfrm>
+            <a:off x="488504" y="4544556"/>
+            <a:ext cx="8928992" cy="432049"/>
+          </a:xfrm>
+          <a:prstGeom prst="rect">
+            <a:avLst/>
+          </a:prstGeom>
+          <a:noFill/>
+          <a:ln w="9525" algn="ctr">
+            <a:noFill/>
+            <a:miter lim="800000"/>
+            <a:headEnd/>
+            <a:tailEnd/>
+          </a:ln>
+          <a:effectLst/>
+        </p:spPr>
+        <p:txBody>
+          <a:bodyPr lIns="72000" tIns="0" rIns="0" bIns="0" anchor="t"/>
+          <a:lstStyle/>
+          <a:p>
+            <a:pPr latinLnBrk="0">
+              <a:lnSpc>
+                <a:spcPct val="150000"/>
+              </a:lnSpc>
+            </a:pPr>
+            <a:r>
+              <a:rPr lang="en-US" altLang="ko-KR" sz="1600" dirty="0">
+                <a:latin typeface="+mj-ea"/>
+              </a:rPr>
+              <a:t>F-measure</a:t>
+            </a:r>
+          </a:p>
+          <a:p>
+            <a:pPr latinLnBrk="0">
+              <a:lnSpc>
+                <a:spcPct val="150000"/>
+              </a:lnSpc>
+            </a:pPr>
+            <a:endParaRPr lang="en-US" altLang="ko-KR" sz="1600" dirty="0" smtClean="0">
+              <a:latin typeface="+mj-ea"/>
+              <a:ea typeface="+mj-ea"/>
+            </a:endParaRPr>
+          </a:p>
+        </p:txBody>
+      </p:sp>
+    </p:spTree>
+    <p:extLst>
+      <p:ext uri="{BB962C8B-B14F-4D97-AF65-F5344CB8AC3E}">
+        <p14:creationId xmlns:p14="http://schemas.microsoft.com/office/powerpoint/2010/main" val="679458722"/>
+      </p:ext>
+    </p:extLst>
+  </p:cSld>
+  <p:clrMapOvr>
+    <a:masterClrMapping/>
+  </p:clrMapOvr>
+</p:sld>
+</file>
+
 <file path=ppt/slides/slide2.xml><?xml version="1.0" encoding="utf-8"?>
 <p:sld xmlns:a="http://schemas.openxmlformats.org/drawingml/2006/main" xmlns:r="http://schemas.openxmlformats.org/officeDocument/2006/relationships" xmlns:p="http://schemas.openxmlformats.org/presentationml/2006/main">
   <p:cSld>
@@ -9413,14 +10467,50 @@
       </p:grpSpPr>
       <p:sp>
         <p:nvSpPr>
-          <p:cNvPr id="6" name="TextBox 5"/>
+          <p:cNvPr id="4" name="직사각형 3"/>
+          <p:cNvSpPr/>
+          <p:nvPr/>
+        </p:nvSpPr>
+        <p:spPr>
+          <a:xfrm>
+            <a:off x="-27166" y="6858000"/>
+            <a:ext cx="4953000" cy="1600438"/>
+          </a:xfrm>
+          <a:prstGeom prst="rect">
+            <a:avLst/>
+          </a:prstGeom>
+        </p:spPr>
+        <p:txBody>
+          <a:bodyPr>
+            <a:spAutoFit/>
+          </a:bodyPr>
+          <a:lstStyle/>
+          <a:p>
+            <a:r>
+              <a:rPr lang="en-US" altLang="ko-KR" dirty="0">
+                <a:latin typeface="+mj-ea"/>
+                <a:ea typeface="+mj-ea"/>
+                <a:hlinkClick r:id="rId2"/>
+              </a:rPr>
+              <a:t>https://tensorflow.blog/%EB%A8%B8%EC%8B%A0-%EB%9F%AC%EB%8B%9D%EC%9D%98-%EB%AA%A8%EB%8D%B8-%ED%8F%89%EA%B0%80%EC%99%80-%EB%AA%A8%EB%8D%B8-%EC%84%A0%ED%83%9D-%EC%95%8C%EA%B3%A0%EB%A6%AC%EC%A6%98-%EC%84%A0%ED%83%9D-1/</a:t>
+            </a:r>
+            <a:endParaRPr lang="ko-KR" altLang="en-US" dirty="0">
+              <a:latin typeface="+mj-ea"/>
+              <a:ea typeface="+mj-ea"/>
+            </a:endParaRPr>
+          </a:p>
+        </p:txBody>
+      </p:sp>
+      <p:sp>
+        <p:nvSpPr>
+          <p:cNvPr id="17" name="TextBox 16"/>
           <p:cNvSpPr txBox="1"/>
           <p:nvPr/>
         </p:nvSpPr>
         <p:spPr>
           <a:xfrm>
-            <a:off x="1136576" y="1196752"/>
-            <a:ext cx="1872208" cy="1815882"/>
+            <a:off x="992560" y="4563998"/>
+            <a:ext cx="7704856" cy="1384995"/>
           </a:xfrm>
           <a:prstGeom prst="rect">
             <a:avLst/>
@@ -9433,48 +10523,578 @@
           </a:bodyPr>
           <a:lstStyle/>
           <a:p>
-            <a:r>
-              <a:rPr lang="ko-KR" altLang="en-US" dirty="0" smtClean="0"/>
-              <a:t>선택된 모델이 데이터를 얼마나 정확하게 설명하고 있는지</a:t>
-            </a:r>
-            <a:r>
-              <a:rPr lang="en-US" altLang="ko-KR" dirty="0" smtClean="0"/>
-              <a:t>(</a:t>
-            </a:r>
-            <a:r>
-              <a:rPr lang="ko-KR" altLang="en-US" dirty="0" smtClean="0"/>
-              <a:t>정확성</a:t>
-            </a:r>
-            <a:r>
-              <a:rPr lang="en-US" altLang="ko-KR" dirty="0" smtClean="0"/>
-              <a:t>), </a:t>
-            </a:r>
-            <a:r>
-              <a:rPr lang="ko-KR" altLang="en-US" dirty="0" smtClean="0"/>
-              <a:t>그리고 새로운 데이터에 대해 해당 모델이 얼마나 유사한 결과를 낼 수 있는지</a:t>
-            </a:r>
-            <a:r>
-              <a:rPr lang="en-US" altLang="ko-KR" dirty="0" smtClean="0"/>
-              <a:t>(Robustness)</a:t>
-            </a:r>
-            <a:r>
-              <a:rPr lang="ko-KR" altLang="en-US" dirty="0" smtClean="0"/>
-              <a:t> 판단</a:t>
-            </a:r>
-            <a:endParaRPr lang="ko-KR" altLang="en-US" dirty="0"/>
-          </a:p>
-        </p:txBody>
-      </p:sp>
-      <p:sp>
-        <p:nvSpPr>
-          <p:cNvPr id="7" name="TextBox 6"/>
+            <a:pPr marL="342900" indent="-342900">
+              <a:lnSpc>
+                <a:spcPct val="150000"/>
+              </a:lnSpc>
+              <a:buAutoNum type="arabicPeriod"/>
+            </a:pPr>
+            <a:r>
+              <a:rPr lang="ko-KR" altLang="en-US" dirty="0" smtClean="0">
+                <a:solidFill>
+                  <a:schemeClr val="tx1">
+                    <a:lumMod val="50000"/>
+                    <a:lumOff val="50000"/>
+                  </a:schemeClr>
+                </a:solidFill>
+                <a:latin typeface="+mj-ea"/>
+                <a:ea typeface="+mj-ea"/>
+              </a:rPr>
+              <a:t>모델이 미래의 데이터에 대한 예측 성능인 일반화 정확도를 추정하기 위해</a:t>
+            </a:r>
+            <a:endParaRPr lang="en-US" altLang="ko-KR" dirty="0" smtClean="0">
+              <a:solidFill>
+                <a:schemeClr val="tx1">
+                  <a:lumMod val="50000"/>
+                  <a:lumOff val="50000"/>
+                </a:schemeClr>
+              </a:solidFill>
+              <a:latin typeface="+mj-ea"/>
+              <a:ea typeface="+mj-ea"/>
+            </a:endParaRPr>
+          </a:p>
+          <a:p>
+            <a:pPr marL="342900" indent="-342900">
+              <a:lnSpc>
+                <a:spcPct val="150000"/>
+              </a:lnSpc>
+              <a:buAutoNum type="arabicPeriod"/>
+            </a:pPr>
+            <a:r>
+              <a:rPr lang="ko-KR" altLang="en-US" dirty="0" smtClean="0">
+                <a:solidFill>
+                  <a:schemeClr val="tx1">
+                    <a:lumMod val="50000"/>
+                    <a:lumOff val="50000"/>
+                  </a:schemeClr>
+                </a:solidFill>
+                <a:latin typeface="+mj-ea"/>
+                <a:ea typeface="+mj-ea"/>
+              </a:rPr>
+              <a:t>학습 알고리즘을 튜닝하고 주어진 가설 공간에서 가장 성능이 좋은 모델을 골라 예측 성능을 높이기 위해</a:t>
+            </a:r>
+            <a:endParaRPr lang="en-US" altLang="ko-KR" dirty="0" smtClean="0">
+              <a:solidFill>
+                <a:schemeClr val="tx1">
+                  <a:lumMod val="50000"/>
+                  <a:lumOff val="50000"/>
+                </a:schemeClr>
+              </a:solidFill>
+              <a:latin typeface="+mj-ea"/>
+              <a:ea typeface="+mj-ea"/>
+            </a:endParaRPr>
+          </a:p>
+          <a:p>
+            <a:pPr marL="342900" indent="-342900">
+              <a:lnSpc>
+                <a:spcPct val="150000"/>
+              </a:lnSpc>
+              <a:buAutoNum type="arabicPeriod"/>
+            </a:pPr>
+            <a:r>
+              <a:rPr lang="ko-KR" altLang="en-US" dirty="0" smtClean="0">
+                <a:solidFill>
+                  <a:schemeClr val="tx1">
+                    <a:lumMod val="50000"/>
+                    <a:lumOff val="50000"/>
+                  </a:schemeClr>
+                </a:solidFill>
+                <a:latin typeface="+mj-ea"/>
+                <a:ea typeface="+mj-ea"/>
+              </a:rPr>
+              <a:t>문제 해결에 가장 적합한 머신 러닝 알고리즘을 찾기 위해</a:t>
+            </a:r>
+            <a:endParaRPr lang="ko-KR" altLang="en-US" dirty="0">
+              <a:solidFill>
+                <a:schemeClr val="tx1">
+                  <a:lumMod val="50000"/>
+                  <a:lumOff val="50000"/>
+                </a:schemeClr>
+              </a:solidFill>
+              <a:latin typeface="+mj-ea"/>
+              <a:ea typeface="+mj-ea"/>
+            </a:endParaRPr>
+          </a:p>
+        </p:txBody>
+      </p:sp>
+      <p:sp>
+        <p:nvSpPr>
+          <p:cNvPr id="20" name="Rectangle 2"/>
+          <p:cNvSpPr txBox="1">
+            <a:spLocks noChangeArrowheads="1"/>
+          </p:cNvSpPr>
+          <p:nvPr/>
+        </p:nvSpPr>
+        <p:spPr bwMode="auto">
+          <a:xfrm>
+            <a:off x="128464" y="201122"/>
+            <a:ext cx="5400600" cy="400110"/>
+          </a:xfrm>
+          <a:prstGeom prst="rect">
+            <a:avLst/>
+          </a:prstGeom>
+          <a:noFill/>
+          <a:ln>
+            <a:noFill/>
+          </a:ln>
+          <a:extLst>
+            <a:ext uri="{909E8E84-426E-40DD-AFC4-6F175D3DCCD1}">
+              <a14:hiddenFill xmlns:a14="http://schemas.microsoft.com/office/drawing/2010/main">
+                <a:solidFill>
+                  <a:srgbClr val="FFFFFF"/>
+                </a:solidFill>
+              </a14:hiddenFill>
+            </a:ext>
+            <a:ext uri="{91240B29-F687-4F45-9708-019B960494DF}">
+              <a14:hiddenLine xmlns:a14="http://schemas.microsoft.com/office/drawing/2010/main" w="9525">
+                <a:solidFill>
+                  <a:srgbClr val="000000"/>
+                </a:solidFill>
+                <a:miter lim="800000"/>
+                <a:headEnd/>
+                <a:tailEnd/>
+              </a14:hiddenLine>
+            </a:ext>
+          </a:extLst>
+        </p:spPr>
+        <p:txBody>
+          <a:bodyPr wrap="square">
+            <a:spAutoFit/>
+          </a:bodyPr>
+          <a:lstStyle>
+            <a:lvl1pPr latinLnBrk="1">
+              <a:defRPr kumimoji="1" sz="1200" b="1">
+                <a:solidFill>
+                  <a:schemeClr val="tx1"/>
+                </a:solidFill>
+                <a:latin typeface="돋움" pitchFamily="50" charset="-127"/>
+                <a:ea typeface="굴림" charset="-127"/>
+              </a:defRPr>
+            </a:lvl1pPr>
+            <a:lvl2pPr marL="742950" indent="-285750" latinLnBrk="1">
+              <a:defRPr kumimoji="1" sz="1200" b="1">
+                <a:solidFill>
+                  <a:schemeClr val="tx1"/>
+                </a:solidFill>
+                <a:latin typeface="돋움" pitchFamily="50" charset="-127"/>
+                <a:ea typeface="굴림" charset="-127"/>
+              </a:defRPr>
+            </a:lvl2pPr>
+            <a:lvl3pPr marL="1143000" indent="-228600" latinLnBrk="1">
+              <a:defRPr kumimoji="1" sz="1200" b="1">
+                <a:solidFill>
+                  <a:schemeClr val="tx1"/>
+                </a:solidFill>
+                <a:latin typeface="돋움" pitchFamily="50" charset="-127"/>
+                <a:ea typeface="굴림" charset="-127"/>
+              </a:defRPr>
+            </a:lvl3pPr>
+            <a:lvl4pPr marL="1600200" indent="-228600" latinLnBrk="1">
+              <a:defRPr kumimoji="1" sz="1200" b="1">
+                <a:solidFill>
+                  <a:schemeClr val="tx1"/>
+                </a:solidFill>
+                <a:latin typeface="돋움" pitchFamily="50" charset="-127"/>
+                <a:ea typeface="굴림" charset="-127"/>
+              </a:defRPr>
+            </a:lvl4pPr>
+            <a:lvl5pPr marL="2057400" indent="-228600" latinLnBrk="1">
+              <a:defRPr kumimoji="1" sz="1200" b="1">
+                <a:solidFill>
+                  <a:schemeClr val="tx1"/>
+                </a:solidFill>
+                <a:latin typeface="돋움" pitchFamily="50" charset="-127"/>
+                <a:ea typeface="굴림" charset="-127"/>
+              </a:defRPr>
+            </a:lvl5pPr>
+            <a:lvl6pPr marL="2514600" indent="-228600" eaLnBrk="0" fontAlgn="base" hangingPunct="0">
+              <a:spcBef>
+                <a:spcPct val="0"/>
+              </a:spcBef>
+              <a:spcAft>
+                <a:spcPct val="0"/>
+              </a:spcAft>
+              <a:defRPr kumimoji="1" sz="1200" b="1">
+                <a:solidFill>
+                  <a:schemeClr val="tx1"/>
+                </a:solidFill>
+                <a:latin typeface="돋움" pitchFamily="50" charset="-127"/>
+                <a:ea typeface="굴림" charset="-127"/>
+              </a:defRPr>
+            </a:lvl6pPr>
+            <a:lvl7pPr marL="2971800" indent="-228600" eaLnBrk="0" fontAlgn="base" hangingPunct="0">
+              <a:spcBef>
+                <a:spcPct val="0"/>
+              </a:spcBef>
+              <a:spcAft>
+                <a:spcPct val="0"/>
+              </a:spcAft>
+              <a:defRPr kumimoji="1" sz="1200" b="1">
+                <a:solidFill>
+                  <a:schemeClr val="tx1"/>
+                </a:solidFill>
+                <a:latin typeface="돋움" pitchFamily="50" charset="-127"/>
+                <a:ea typeface="굴림" charset="-127"/>
+              </a:defRPr>
+            </a:lvl7pPr>
+            <a:lvl8pPr marL="3429000" indent="-228600" eaLnBrk="0" fontAlgn="base" hangingPunct="0">
+              <a:spcBef>
+                <a:spcPct val="0"/>
+              </a:spcBef>
+              <a:spcAft>
+                <a:spcPct val="0"/>
+              </a:spcAft>
+              <a:defRPr kumimoji="1" sz="1200" b="1">
+                <a:solidFill>
+                  <a:schemeClr val="tx1"/>
+                </a:solidFill>
+                <a:latin typeface="돋움" pitchFamily="50" charset="-127"/>
+                <a:ea typeface="굴림" charset="-127"/>
+              </a:defRPr>
+            </a:lvl8pPr>
+            <a:lvl9pPr marL="3886200" indent="-228600" eaLnBrk="0" fontAlgn="base" hangingPunct="0">
+              <a:spcBef>
+                <a:spcPct val="0"/>
+              </a:spcBef>
+              <a:spcAft>
+                <a:spcPct val="0"/>
+              </a:spcAft>
+              <a:defRPr kumimoji="1" sz="1200" b="1">
+                <a:solidFill>
+                  <a:schemeClr val="tx1"/>
+                </a:solidFill>
+                <a:latin typeface="돋움" pitchFamily="50" charset="-127"/>
+                <a:ea typeface="굴림" charset="-127"/>
+              </a:defRPr>
+            </a:lvl9pPr>
+          </a:lstStyle>
+          <a:p>
+            <a:pPr eaLnBrk="1" hangingPunct="1"/>
+            <a:r>
+              <a:rPr lang="ko-KR" altLang="en-US" sz="2000" dirty="0" smtClean="0">
+                <a:solidFill>
+                  <a:schemeClr val="bg1"/>
+                </a:solidFill>
+                <a:latin typeface="+mj-ea"/>
+                <a:ea typeface="+mj-ea"/>
+                <a:sym typeface="Wingdings" pitchFamily="2" charset="2"/>
+              </a:rPr>
+              <a:t> 모델의 성능 추정</a:t>
+            </a:r>
+            <a:endParaRPr lang="en-US" altLang="ko-KR" sz="2000" dirty="0">
+              <a:solidFill>
+                <a:schemeClr val="bg1"/>
+              </a:solidFill>
+              <a:latin typeface="+mj-ea"/>
+              <a:ea typeface="+mj-ea"/>
+              <a:sym typeface="Wingdings" pitchFamily="2" charset="2"/>
+            </a:endParaRPr>
+          </a:p>
+        </p:txBody>
+      </p:sp>
+      <p:sp>
+        <p:nvSpPr>
+          <p:cNvPr id="21" name="Rectangle 41">
+            <a:extLst>
+              <a:ext uri="{FF2B5EF4-FFF2-40B4-BE49-F238E27FC236}">
+                <a16:creationId xmlns:a16="http://schemas.microsoft.com/office/drawing/2014/main" id="{83FF4C79-FD07-4B45-A74F-F47818CE5E37}"/>
+              </a:ext>
+            </a:extLst>
+          </p:cNvPr>
+          <p:cNvSpPr>
+            <a:spLocks noChangeArrowheads="1"/>
+          </p:cNvSpPr>
+          <p:nvPr/>
+        </p:nvSpPr>
+        <p:spPr bwMode="auto">
+          <a:xfrm>
+            <a:off x="488504" y="980727"/>
+            <a:ext cx="8928992" cy="1296145"/>
+          </a:xfrm>
+          <a:prstGeom prst="rect">
+            <a:avLst/>
+          </a:prstGeom>
+          <a:noFill/>
+          <a:ln w="9525" algn="ctr">
+            <a:noFill/>
+            <a:miter lim="800000"/>
+            <a:headEnd/>
+            <a:tailEnd/>
+          </a:ln>
+          <a:effectLst/>
+        </p:spPr>
+        <p:txBody>
+          <a:bodyPr lIns="72000" tIns="0" rIns="0" bIns="0" anchor="t"/>
+          <a:lstStyle/>
+          <a:p>
+            <a:pPr latinLnBrk="0">
+              <a:lnSpc>
+                <a:spcPct val="150000"/>
+              </a:lnSpc>
+            </a:pPr>
+            <a:r>
+              <a:rPr lang="ko-KR" altLang="en-US" sz="1600" dirty="0" smtClean="0">
+                <a:latin typeface="+mj-ea"/>
+                <a:ea typeface="+mj-ea"/>
+              </a:rPr>
+              <a:t> 예측 </a:t>
+            </a:r>
+            <a:r>
+              <a:rPr lang="ko-KR" altLang="en-US" sz="1600" dirty="0">
+                <a:latin typeface="+mj-ea"/>
+                <a:ea typeface="+mj-ea"/>
+              </a:rPr>
+              <a:t>모델을 연구나 비즈니스에 적용할 때 공통으로 원하는 한가지는 ‘좋은</a:t>
+            </a:r>
+            <a:r>
+              <a:rPr lang="ko-KR" altLang="en-US" sz="1600" dirty="0" smtClean="0">
+                <a:latin typeface="+mj-ea"/>
+                <a:ea typeface="+mj-ea"/>
+              </a:rPr>
+              <a:t>’ 예측이다</a:t>
+            </a:r>
+            <a:r>
+              <a:rPr lang="en-US" altLang="ko-KR" sz="1600" dirty="0">
+                <a:latin typeface="+mj-ea"/>
+                <a:ea typeface="+mj-ea"/>
+              </a:rPr>
+              <a:t>. </a:t>
+            </a:r>
+          </a:p>
+          <a:p>
+            <a:pPr latinLnBrk="0">
+              <a:lnSpc>
+                <a:spcPct val="150000"/>
+              </a:lnSpc>
+            </a:pPr>
+            <a:r>
+              <a:rPr lang="ko-KR" altLang="en-US" sz="1600" dirty="0">
+                <a:latin typeface="+mj-ea"/>
+                <a:ea typeface="+mj-ea"/>
+              </a:rPr>
+              <a:t>이때 ‘좋은’ </a:t>
+            </a:r>
+            <a:r>
+              <a:rPr lang="ko-KR" altLang="en-US" sz="1600" dirty="0" smtClean="0">
+                <a:latin typeface="+mj-ea"/>
+                <a:ea typeface="+mj-ea"/>
+              </a:rPr>
+              <a:t>예측을 위해서는</a:t>
+            </a:r>
+            <a:r>
+              <a:rPr lang="en-US" altLang="ko-KR" sz="1600" dirty="0" smtClean="0">
+                <a:latin typeface="+mj-ea"/>
+                <a:ea typeface="+mj-ea"/>
+              </a:rPr>
+              <a:t> </a:t>
+            </a:r>
+            <a:r>
+              <a:rPr lang="ko-KR" altLang="en-US" sz="1600" dirty="0">
+                <a:latin typeface="+mj-ea"/>
+                <a:ea typeface="+mj-ea"/>
+              </a:rPr>
+              <a:t>훈련 </a:t>
+            </a:r>
+            <a:r>
+              <a:rPr lang="ko-KR" altLang="en-US" sz="1600" dirty="0" smtClean="0">
+                <a:latin typeface="+mj-ea"/>
+                <a:ea typeface="+mj-ea"/>
+              </a:rPr>
+              <a:t>데이터를 통해 </a:t>
+            </a:r>
+            <a:r>
+              <a:rPr lang="ko-KR" altLang="en-US" sz="1600" dirty="0">
+                <a:latin typeface="+mj-ea"/>
+                <a:ea typeface="+mj-ea"/>
+              </a:rPr>
+              <a:t>모델을 잘 학습하는 </a:t>
+            </a:r>
+            <a:r>
+              <a:rPr lang="ko-KR" altLang="en-US" sz="1600" dirty="0" smtClean="0">
+                <a:latin typeface="+mj-ea"/>
+                <a:ea typeface="+mj-ea"/>
+              </a:rPr>
+              <a:t>것 그리고 모델이 </a:t>
+            </a:r>
+            <a:r>
+              <a:rPr lang="ko-KR" altLang="en-US" sz="1600" dirty="0">
+                <a:latin typeface="+mj-ea"/>
+                <a:ea typeface="+mj-ea"/>
+              </a:rPr>
+              <a:t>다른 데이터에도 잘 일반화 될 수 있는지에 대한 </a:t>
+            </a:r>
+            <a:r>
+              <a:rPr lang="ko-KR" altLang="en-US" sz="1600" dirty="0" smtClean="0">
+                <a:latin typeface="+mj-ea"/>
+                <a:ea typeface="+mj-ea"/>
+              </a:rPr>
+              <a:t>확인이 필요하다</a:t>
+            </a:r>
+            <a:r>
+              <a:rPr lang="en-US" altLang="ko-KR" sz="1600" dirty="0" smtClean="0">
+                <a:latin typeface="+mj-ea"/>
+                <a:ea typeface="+mj-ea"/>
+              </a:rPr>
+              <a:t>.</a:t>
+            </a:r>
+            <a:endParaRPr lang="en-US" altLang="ko-KR" sz="1600" dirty="0">
+              <a:latin typeface="+mj-ea"/>
+              <a:ea typeface="+mj-ea"/>
+            </a:endParaRPr>
+          </a:p>
+          <a:p>
+            <a:pPr latinLnBrk="0">
+              <a:lnSpc>
+                <a:spcPct val="150000"/>
+              </a:lnSpc>
+            </a:pPr>
+            <a:endParaRPr lang="en-US" altLang="ko-KR" sz="1600" dirty="0" smtClean="0">
+              <a:latin typeface="+mj-ea"/>
+              <a:ea typeface="+mj-ea"/>
+            </a:endParaRPr>
+          </a:p>
+        </p:txBody>
+      </p:sp>
+      <p:sp>
+        <p:nvSpPr>
+          <p:cNvPr id="23" name="직사각형 22"/>
+          <p:cNvSpPr/>
+          <p:nvPr/>
+        </p:nvSpPr>
+        <p:spPr>
+          <a:xfrm>
+            <a:off x="929390" y="4221088"/>
+            <a:ext cx="7992888" cy="307777"/>
+          </a:xfrm>
+          <a:prstGeom prst="rect">
+            <a:avLst/>
+          </a:prstGeom>
+        </p:spPr>
+        <p:txBody>
+          <a:bodyPr wrap="square">
+            <a:spAutoFit/>
+          </a:bodyPr>
+          <a:lstStyle/>
+          <a:p>
+            <a:r>
+              <a:rPr lang="ko-KR" altLang="en-US" dirty="0">
+                <a:latin typeface="+mj-ea"/>
+                <a:ea typeface="+mj-ea"/>
+              </a:rPr>
+              <a:t>이상적으로는 추정된 모델의 성능이 새로운 데이터에 얼마나 잘 작동하는지를 확인하기 위해서</a:t>
+            </a:r>
+            <a:r>
+              <a:rPr lang="en-US" altLang="ko-KR" dirty="0">
+                <a:latin typeface="+mj-ea"/>
+                <a:ea typeface="+mj-ea"/>
+              </a:rPr>
+              <a:t>.</a:t>
+            </a:r>
+          </a:p>
+        </p:txBody>
+      </p:sp>
+      <p:sp>
+        <p:nvSpPr>
+          <p:cNvPr id="24" name="직사각형 23"/>
+          <p:cNvSpPr/>
+          <p:nvPr/>
+        </p:nvSpPr>
+        <p:spPr>
+          <a:xfrm>
+            <a:off x="848544" y="3645024"/>
+            <a:ext cx="8208912" cy="2664296"/>
+          </a:xfrm>
+          <a:prstGeom prst="rect">
+            <a:avLst/>
+          </a:prstGeom>
+          <a:noFill/>
+          <a:ln>
+            <a:solidFill>
+              <a:schemeClr val="bg1">
+                <a:lumMod val="50000"/>
+              </a:schemeClr>
+            </a:solidFill>
+          </a:ln>
+        </p:spPr>
+        <p:style>
+          <a:lnRef idx="2">
+            <a:schemeClr val="accent1">
+              <a:shade val="50000"/>
+            </a:schemeClr>
+          </a:lnRef>
+          <a:fillRef idx="1">
+            <a:schemeClr val="accent1"/>
+          </a:fillRef>
+          <a:effectRef idx="0">
+            <a:schemeClr val="accent1"/>
+          </a:effectRef>
+          <a:fontRef idx="minor">
+            <a:schemeClr val="lt1"/>
+          </a:fontRef>
+        </p:style>
+        <p:txBody>
+          <a:bodyPr rtlCol="0" anchor="ctr"/>
+          <a:lstStyle/>
+          <a:p>
+            <a:pPr algn="ctr"/>
+            <a:endParaRPr lang="ko-KR" altLang="en-US"/>
+          </a:p>
+        </p:txBody>
+      </p:sp>
+      <p:sp>
+        <p:nvSpPr>
+          <p:cNvPr id="22" name="TextBox 21"/>
           <p:cNvSpPr txBox="1"/>
           <p:nvPr/>
         </p:nvSpPr>
         <p:spPr>
           <a:xfrm>
-            <a:off x="992560" y="4005064"/>
-            <a:ext cx="1872208" cy="1384995"/>
+            <a:off x="3251793" y="3405768"/>
+            <a:ext cx="3402413" cy="369332"/>
+          </a:xfrm>
+          <a:prstGeom prst="rect">
+            <a:avLst/>
+          </a:prstGeom>
+          <a:solidFill>
+            <a:schemeClr val="bg1">
+              <a:lumMod val="85000"/>
+            </a:schemeClr>
+          </a:solidFill>
+        </p:spPr>
+        <p:txBody>
+          <a:bodyPr wrap="square" rtlCol="0">
+            <a:spAutoFit/>
+          </a:bodyPr>
+          <a:lstStyle/>
+          <a:p>
+            <a:pPr algn="ctr"/>
+            <a:r>
+              <a:rPr lang="ko-KR" altLang="en-US" sz="1800" dirty="0">
+                <a:latin typeface="+mj-ea"/>
+                <a:ea typeface="+mj-ea"/>
+              </a:rPr>
+              <a:t>성능 추정이 필요한 이유</a:t>
+            </a:r>
+            <a:r>
+              <a:rPr lang="en-US" altLang="ko-KR" sz="1800" dirty="0">
+                <a:latin typeface="+mj-ea"/>
+                <a:ea typeface="+mj-ea"/>
+              </a:rPr>
+              <a:t>?</a:t>
+            </a:r>
+          </a:p>
+        </p:txBody>
+      </p:sp>
+      <p:sp>
+        <p:nvSpPr>
+          <p:cNvPr id="25" name="TextBox 24"/>
+          <p:cNvSpPr txBox="1"/>
+          <p:nvPr/>
+        </p:nvSpPr>
+        <p:spPr>
+          <a:xfrm>
+            <a:off x="966279" y="2348880"/>
+            <a:ext cx="7919110" cy="830997"/>
           </a:xfrm>
           <a:prstGeom prst="rect">
             <a:avLst/>
@@ -9487,224 +11107,154 @@
           </a:bodyPr>
           <a:lstStyle/>
           <a:p>
-            <a:r>
-              <a:rPr lang="ko-KR" altLang="en-US" dirty="0" smtClean="0"/>
-              <a:t>교차 검증</a:t>
-            </a:r>
-            <a:r>
-              <a:rPr lang="en-US" altLang="ko-KR" dirty="0" smtClean="0"/>
+            <a:pPr algn="ctr">
+              <a:lnSpc>
+                <a:spcPct val="150000"/>
+              </a:lnSpc>
+            </a:pPr>
+            <a:r>
+              <a:rPr lang="ko-KR" altLang="en-US" sz="1600" b="0" dirty="0" smtClean="0">
+                <a:solidFill>
+                  <a:schemeClr val="tx1">
+                    <a:lumMod val="75000"/>
+                    <a:lumOff val="25000"/>
+                  </a:schemeClr>
+                </a:solidFill>
+              </a:rPr>
+              <a:t>선택된 모델이 데이터를 얼마나 정확하게 </a:t>
+            </a:r>
+            <a:r>
+              <a:rPr lang="ko-KR" altLang="en-US" sz="1600" b="0" dirty="0" smtClean="0">
+                <a:solidFill>
+                  <a:schemeClr val="tx1">
+                    <a:lumMod val="75000"/>
+                    <a:lumOff val="25000"/>
+                  </a:schemeClr>
+                </a:solidFill>
+              </a:rPr>
+              <a:t>설명하는지</a:t>
+            </a:r>
+            <a:r>
+              <a:rPr lang="en-US" altLang="ko-KR" sz="1600" b="0" dirty="0" smtClean="0">
+                <a:solidFill>
+                  <a:schemeClr val="tx1">
+                    <a:lumMod val="75000"/>
+                    <a:lumOff val="25000"/>
+                  </a:schemeClr>
+                </a:solidFill>
+              </a:rPr>
               <a:t>(</a:t>
             </a:r>
             <a:r>
-              <a:rPr lang="en-US" altLang="ko-KR" dirty="0" err="1" smtClean="0"/>
-              <a:t>cross_validation</a:t>
-            </a:r>
-            <a:r>
-              <a:rPr lang="en-US" altLang="ko-KR" dirty="0" smtClean="0"/>
+              <a:rPr lang="ko-KR" altLang="en-US" sz="1600" b="0" dirty="0" smtClean="0">
+                <a:solidFill>
+                  <a:schemeClr val="tx1">
+                    <a:lumMod val="75000"/>
+                    <a:lumOff val="25000"/>
+                  </a:schemeClr>
+                </a:solidFill>
+              </a:rPr>
+              <a:t>정확성</a:t>
+            </a:r>
+            <a:r>
+              <a:rPr lang="en-US" altLang="ko-KR" sz="1600" b="0" dirty="0" smtClean="0">
+                <a:solidFill>
+                  <a:schemeClr val="tx1">
+                    <a:lumMod val="75000"/>
+                    <a:lumOff val="25000"/>
+                  </a:schemeClr>
+                </a:solidFill>
+              </a:rPr>
               <a:t>)</a:t>
             </a:r>
           </a:p>
           <a:p>
-            <a:r>
-              <a:rPr lang="en-US" altLang="ko-KR" dirty="0" smtClean="0"/>
-              <a:t>Overfitting</a:t>
-            </a:r>
-            <a:r>
-              <a:rPr lang="ko-KR" altLang="en-US" dirty="0" smtClean="0"/>
-              <a:t>을 방지하기 위해 </a:t>
-            </a:r>
-            <a:r>
-              <a:rPr lang="ko-KR" altLang="en-US" dirty="0" err="1" smtClean="0"/>
-              <a:t>검증용</a:t>
-            </a:r>
-            <a:r>
-              <a:rPr lang="ko-KR" altLang="en-US" dirty="0" smtClean="0"/>
-              <a:t> 데이터 집합을 만들어 사용한다</a:t>
-            </a:r>
-            <a:r>
-              <a:rPr lang="en-US" altLang="ko-KR" dirty="0" smtClean="0"/>
-              <a:t>.</a:t>
-            </a:r>
-            <a:endParaRPr lang="ko-KR" altLang="en-US" dirty="0"/>
-          </a:p>
-        </p:txBody>
-      </p:sp>
-      <p:sp>
-        <p:nvSpPr>
-          <p:cNvPr id="8" name="TextBox 7"/>
-          <p:cNvSpPr txBox="1"/>
-          <p:nvPr/>
-        </p:nvSpPr>
-        <p:spPr>
-          <a:xfrm>
-            <a:off x="4520952" y="3789040"/>
-            <a:ext cx="1872208" cy="523220"/>
-          </a:xfrm>
-          <a:prstGeom prst="rect">
-            <a:avLst/>
-          </a:prstGeom>
-          <a:noFill/>
-        </p:spPr>
-        <p:txBody>
-          <a:bodyPr wrap="square" rtlCol="0">
-            <a:spAutoFit/>
-          </a:bodyPr>
-          <a:lstStyle/>
-          <a:p>
-            <a:r>
-              <a:rPr lang="en-US" altLang="ko-KR" dirty="0" smtClean="0"/>
-              <a:t>K-fold </a:t>
-            </a:r>
-            <a:r>
-              <a:rPr lang="ko-KR" altLang="en-US" dirty="0" smtClean="0"/>
-              <a:t>교차 검증</a:t>
-            </a:r>
-            <a:endParaRPr lang="en-US" altLang="ko-KR" dirty="0" smtClean="0"/>
-          </a:p>
-          <a:p>
-            <a:endParaRPr lang="en-US" altLang="ko-KR" dirty="0" smtClean="0"/>
-          </a:p>
-        </p:txBody>
-      </p:sp>
-      <p:sp>
-        <p:nvSpPr>
-          <p:cNvPr id="9" name="TextBox 8"/>
-          <p:cNvSpPr txBox="1"/>
-          <p:nvPr/>
-        </p:nvSpPr>
-        <p:spPr>
-          <a:xfrm>
-            <a:off x="4501662" y="4618920"/>
-            <a:ext cx="1872208" cy="1600438"/>
-          </a:xfrm>
-          <a:prstGeom prst="rect">
-            <a:avLst/>
-          </a:prstGeom>
-          <a:noFill/>
-        </p:spPr>
-        <p:txBody>
-          <a:bodyPr wrap="square" rtlCol="0">
-            <a:spAutoFit/>
-          </a:bodyPr>
-          <a:lstStyle/>
-          <a:p>
-            <a:r>
-              <a:rPr lang="ko-KR" altLang="en-US" dirty="0" smtClean="0"/>
-              <a:t>평가 점수</a:t>
-            </a:r>
-            <a:endParaRPr lang="en-US" altLang="ko-KR" dirty="0" smtClean="0"/>
-          </a:p>
-          <a:p>
-            <a:r>
-              <a:rPr lang="en-US" altLang="ko-KR" dirty="0" smtClean="0"/>
-              <a:t>r2_score : </a:t>
-            </a:r>
-            <a:r>
-              <a:rPr lang="ko-KR" altLang="en-US" dirty="0" err="1" smtClean="0"/>
-              <a:t>결정계수</a:t>
-            </a:r>
-            <a:endParaRPr lang="en-US" altLang="ko-KR" dirty="0" smtClean="0"/>
-          </a:p>
-          <a:p>
-            <a:r>
-              <a:rPr lang="en-US" altLang="ko-KR" dirty="0"/>
-              <a:t> </a:t>
-            </a:r>
-            <a:r>
-              <a:rPr lang="en-US" altLang="ko-KR" dirty="0" err="1" smtClean="0"/>
-              <a:t>mean_squared_error</a:t>
-            </a:r>
-            <a:r>
-              <a:rPr lang="en-US" altLang="ko-KR" dirty="0" smtClean="0"/>
-              <a:t>: </a:t>
-            </a:r>
-            <a:r>
-              <a:rPr lang="ko-KR" altLang="en-US" dirty="0" smtClean="0"/>
-              <a:t>평균 제곱 오차</a:t>
-            </a:r>
-            <a:endParaRPr lang="en-US" altLang="ko-KR" dirty="0" smtClean="0"/>
-          </a:p>
-          <a:p>
-            <a:r>
-              <a:rPr lang="en-US" altLang="ko-KR" dirty="0" err="1" smtClean="0"/>
-              <a:t>median_absolute_error</a:t>
-            </a:r>
-            <a:r>
-              <a:rPr lang="en-US" altLang="ko-KR" dirty="0" smtClean="0"/>
-              <a:t>:  </a:t>
-            </a:r>
-            <a:r>
-              <a:rPr lang="ko-KR" altLang="en-US" dirty="0" smtClean="0"/>
-              <a:t>절대 오차 중앙값</a:t>
-            </a:r>
-            <a:endParaRPr lang="en-US" altLang="ko-KR" dirty="0" smtClean="0"/>
-          </a:p>
-        </p:txBody>
-      </p:sp>
-      <p:sp>
-        <p:nvSpPr>
-          <p:cNvPr id="10" name="TextBox 9"/>
-          <p:cNvSpPr txBox="1"/>
-          <p:nvPr/>
-        </p:nvSpPr>
-        <p:spPr>
-          <a:xfrm>
-            <a:off x="8033792" y="1268760"/>
-            <a:ext cx="1872208" cy="954107"/>
-          </a:xfrm>
-          <a:prstGeom prst="rect">
-            <a:avLst/>
-          </a:prstGeom>
-          <a:noFill/>
-        </p:spPr>
-        <p:txBody>
-          <a:bodyPr wrap="square" rtlCol="0">
-            <a:spAutoFit/>
-          </a:bodyPr>
-          <a:lstStyle/>
-          <a:p>
-            <a:r>
-              <a:rPr lang="en-US" altLang="ko-KR" dirty="0" smtClean="0"/>
-              <a:t>confusion matrix</a:t>
-            </a:r>
-          </a:p>
-          <a:p>
-            <a:r>
-              <a:rPr lang="ko-KR" altLang="en-US" dirty="0" smtClean="0"/>
-              <a:t>이진 분류 평가 결과를 나타낼 때 가장 널리 사용하는 방법</a:t>
-            </a:r>
-            <a:endParaRPr lang="ko-KR" altLang="en-US" dirty="0"/>
-          </a:p>
-        </p:txBody>
-      </p:sp>
-      <p:pic>
-        <p:nvPicPr>
-          <p:cNvPr id="11" name="그림 10"/>
-          <p:cNvPicPr>
-            <a:picLocks noChangeAspect="1"/>
-          </p:cNvPicPr>
-          <p:nvPr/>
-        </p:nvPicPr>
-        <p:blipFill>
-          <a:blip r:embed="rId2"/>
-          <a:stretch>
-            <a:fillRect/>
-          </a:stretch>
-        </p:blipFill>
-        <p:spPr>
-          <a:xfrm>
-            <a:off x="7689304" y="2374388"/>
-            <a:ext cx="2052080" cy="1276492"/>
-          </a:xfrm>
-          <a:prstGeom prst="rect">
-            <a:avLst/>
-          </a:prstGeom>
-        </p:spPr>
-      </p:pic>
+            <a:pPr algn="ctr">
+              <a:lnSpc>
+                <a:spcPct val="150000"/>
+              </a:lnSpc>
+            </a:pPr>
+            <a:r>
+              <a:rPr lang="ko-KR" altLang="en-US" sz="1600" b="0" dirty="0" smtClean="0">
+                <a:solidFill>
+                  <a:schemeClr val="tx1">
+                    <a:lumMod val="75000"/>
+                    <a:lumOff val="25000"/>
+                  </a:schemeClr>
+                </a:solidFill>
+              </a:rPr>
+              <a:t>새로운 </a:t>
+            </a:r>
+            <a:r>
+              <a:rPr lang="ko-KR" altLang="en-US" sz="1600" b="0" dirty="0" smtClean="0">
+                <a:solidFill>
+                  <a:schemeClr val="tx1">
+                    <a:lumMod val="75000"/>
+                    <a:lumOff val="25000"/>
+                  </a:schemeClr>
+                </a:solidFill>
+              </a:rPr>
+              <a:t>데이터에 대해 해당 모델이 얼마나 유사한 결과를 낼 수 </a:t>
+            </a:r>
+            <a:r>
+              <a:rPr lang="ko-KR" altLang="en-US" sz="1600" b="0" dirty="0" smtClean="0">
+                <a:solidFill>
+                  <a:schemeClr val="tx1">
+                    <a:lumMod val="75000"/>
+                    <a:lumOff val="25000"/>
+                  </a:schemeClr>
+                </a:solidFill>
+              </a:rPr>
+              <a:t>있는지</a:t>
+            </a:r>
+            <a:r>
+              <a:rPr lang="en-US" altLang="ko-KR" sz="1600" b="0" dirty="0" smtClean="0">
+                <a:solidFill>
+                  <a:schemeClr val="tx1">
+                    <a:lumMod val="75000"/>
+                    <a:lumOff val="25000"/>
+                  </a:schemeClr>
+                </a:solidFill>
+              </a:rPr>
+              <a:t>(</a:t>
+            </a:r>
+            <a:r>
+              <a:rPr lang="en-US" altLang="ko-KR" sz="1600" b="0" dirty="0" smtClean="0">
+                <a:solidFill>
+                  <a:schemeClr val="tx1">
+                    <a:lumMod val="75000"/>
+                    <a:lumOff val="25000"/>
+                  </a:schemeClr>
+                </a:solidFill>
+              </a:rPr>
+              <a:t>Robustness</a:t>
+            </a:r>
+            <a:r>
+              <a:rPr lang="en-US" altLang="ko-KR" sz="1600" b="0" dirty="0" smtClean="0">
+                <a:solidFill>
+                  <a:schemeClr val="tx1">
+                    <a:lumMod val="75000"/>
+                    <a:lumOff val="25000"/>
+                  </a:schemeClr>
+                </a:solidFill>
+              </a:rPr>
+              <a:t>)</a:t>
+            </a:r>
+            <a:endParaRPr lang="ko-KR" altLang="en-US" sz="1600" b="0" dirty="0">
+              <a:solidFill>
+                <a:schemeClr val="tx1">
+                  <a:lumMod val="75000"/>
+                  <a:lumOff val="25000"/>
+                </a:schemeClr>
+              </a:solidFill>
+            </a:endParaRPr>
+          </a:p>
+        </p:txBody>
+      </p:sp>
     </p:spTree>
     <p:extLst>
       <p:ext uri="{BB962C8B-B14F-4D97-AF65-F5344CB8AC3E}">
-        <p14:creationId xmlns:p14="http://schemas.microsoft.com/office/powerpoint/2010/main" val="2413400924"/>
+        <p14:creationId xmlns:p14="http://schemas.microsoft.com/office/powerpoint/2010/main" val="3502557238"/>
       </p:ext>
     </p:extLst>
   </p:cSld>
@@ -9741,30 +11291,238 @@
             <p:ph type="sldNum" sz="quarter" idx="12"/>
           </p:nvPr>
         </p:nvSpPr>
-        <p:spPr/>
+        <p:spPr>
+          <a:xfrm>
+            <a:off x="6828606" y="6234225"/>
+            <a:ext cx="2228850" cy="365125"/>
+          </a:xfrm>
+        </p:spPr>
         <p:txBody>
           <a:bodyPr/>
           <a:lstStyle/>
           <a:p>
             <a:fld id="{33796E3F-F6B7-490E-938A-9F8EC05675D0}" type="slidenum">
-              <a:rPr lang="ko-KR" altLang="en-US" smtClean="0"/>
+              <a:rPr lang="ko-KR" altLang="en-US" smtClean="0">
+                <a:latin typeface="+mj-ea"/>
+                <a:ea typeface="+mj-ea"/>
+              </a:rPr>
               <a:pPr/>
               <a:t>2</a:t>
             </a:fld>
-            <a:endParaRPr lang="ko-KR" altLang="en-US"/>
-          </a:p>
-        </p:txBody>
-      </p:sp>
-      <p:sp>
-        <p:nvSpPr>
-          <p:cNvPr id="5" name="TextBox 4"/>
+            <a:endParaRPr lang="ko-KR" altLang="en-US">
+              <a:latin typeface="+mj-ea"/>
+              <a:ea typeface="+mj-ea"/>
+            </a:endParaRPr>
+          </a:p>
+        </p:txBody>
+      </p:sp>
+      <p:sp>
+        <p:nvSpPr>
+          <p:cNvPr id="12" name="Rectangle 2"/>
+          <p:cNvSpPr txBox="1">
+            <a:spLocks noChangeArrowheads="1"/>
+          </p:cNvSpPr>
+          <p:nvPr/>
+        </p:nvSpPr>
+        <p:spPr bwMode="auto">
+          <a:xfrm>
+            <a:off x="128464" y="201122"/>
+            <a:ext cx="5400600" cy="400110"/>
+          </a:xfrm>
+          <a:prstGeom prst="rect">
+            <a:avLst/>
+          </a:prstGeom>
+          <a:noFill/>
+          <a:ln>
+            <a:noFill/>
+          </a:ln>
+          <a:extLst>
+            <a:ext uri="{909E8E84-426E-40DD-AFC4-6F175D3DCCD1}">
+              <a14:hiddenFill xmlns:a14="http://schemas.microsoft.com/office/drawing/2010/main">
+                <a:solidFill>
+                  <a:srgbClr val="FFFFFF"/>
+                </a:solidFill>
+              </a14:hiddenFill>
+            </a:ext>
+            <a:ext uri="{91240B29-F687-4F45-9708-019B960494DF}">
+              <a14:hiddenLine xmlns:a14="http://schemas.microsoft.com/office/drawing/2010/main" w="9525">
+                <a:solidFill>
+                  <a:srgbClr val="000000"/>
+                </a:solidFill>
+                <a:miter lim="800000"/>
+                <a:headEnd/>
+                <a:tailEnd/>
+              </a14:hiddenLine>
+            </a:ext>
+          </a:extLst>
+        </p:spPr>
+        <p:txBody>
+          <a:bodyPr wrap="square">
+            <a:spAutoFit/>
+          </a:bodyPr>
+          <a:lstStyle>
+            <a:lvl1pPr latinLnBrk="1">
+              <a:defRPr kumimoji="1" sz="1200" b="1">
+                <a:solidFill>
+                  <a:schemeClr val="tx1"/>
+                </a:solidFill>
+                <a:latin typeface="돋움" pitchFamily="50" charset="-127"/>
+                <a:ea typeface="굴림" charset="-127"/>
+              </a:defRPr>
+            </a:lvl1pPr>
+            <a:lvl2pPr marL="742950" indent="-285750" latinLnBrk="1">
+              <a:defRPr kumimoji="1" sz="1200" b="1">
+                <a:solidFill>
+                  <a:schemeClr val="tx1"/>
+                </a:solidFill>
+                <a:latin typeface="돋움" pitchFamily="50" charset="-127"/>
+                <a:ea typeface="굴림" charset="-127"/>
+              </a:defRPr>
+            </a:lvl2pPr>
+            <a:lvl3pPr marL="1143000" indent="-228600" latinLnBrk="1">
+              <a:defRPr kumimoji="1" sz="1200" b="1">
+                <a:solidFill>
+                  <a:schemeClr val="tx1"/>
+                </a:solidFill>
+                <a:latin typeface="돋움" pitchFamily="50" charset="-127"/>
+                <a:ea typeface="굴림" charset="-127"/>
+              </a:defRPr>
+            </a:lvl3pPr>
+            <a:lvl4pPr marL="1600200" indent="-228600" latinLnBrk="1">
+              <a:defRPr kumimoji="1" sz="1200" b="1">
+                <a:solidFill>
+                  <a:schemeClr val="tx1"/>
+                </a:solidFill>
+                <a:latin typeface="돋움" pitchFamily="50" charset="-127"/>
+                <a:ea typeface="굴림" charset="-127"/>
+              </a:defRPr>
+            </a:lvl4pPr>
+            <a:lvl5pPr marL="2057400" indent="-228600" latinLnBrk="1">
+              <a:defRPr kumimoji="1" sz="1200" b="1">
+                <a:solidFill>
+                  <a:schemeClr val="tx1"/>
+                </a:solidFill>
+                <a:latin typeface="돋움" pitchFamily="50" charset="-127"/>
+                <a:ea typeface="굴림" charset="-127"/>
+              </a:defRPr>
+            </a:lvl5pPr>
+            <a:lvl6pPr marL="2514600" indent="-228600" eaLnBrk="0" fontAlgn="base" hangingPunct="0">
+              <a:spcBef>
+                <a:spcPct val="0"/>
+              </a:spcBef>
+              <a:spcAft>
+                <a:spcPct val="0"/>
+              </a:spcAft>
+              <a:defRPr kumimoji="1" sz="1200" b="1">
+                <a:solidFill>
+                  <a:schemeClr val="tx1"/>
+                </a:solidFill>
+                <a:latin typeface="돋움" pitchFamily="50" charset="-127"/>
+                <a:ea typeface="굴림" charset="-127"/>
+              </a:defRPr>
+            </a:lvl6pPr>
+            <a:lvl7pPr marL="2971800" indent="-228600" eaLnBrk="0" fontAlgn="base" hangingPunct="0">
+              <a:spcBef>
+                <a:spcPct val="0"/>
+              </a:spcBef>
+              <a:spcAft>
+                <a:spcPct val="0"/>
+              </a:spcAft>
+              <a:defRPr kumimoji="1" sz="1200" b="1">
+                <a:solidFill>
+                  <a:schemeClr val="tx1"/>
+                </a:solidFill>
+                <a:latin typeface="돋움" pitchFamily="50" charset="-127"/>
+                <a:ea typeface="굴림" charset="-127"/>
+              </a:defRPr>
+            </a:lvl7pPr>
+            <a:lvl8pPr marL="3429000" indent="-228600" eaLnBrk="0" fontAlgn="base" hangingPunct="0">
+              <a:spcBef>
+                <a:spcPct val="0"/>
+              </a:spcBef>
+              <a:spcAft>
+                <a:spcPct val="0"/>
+              </a:spcAft>
+              <a:defRPr kumimoji="1" sz="1200" b="1">
+                <a:solidFill>
+                  <a:schemeClr val="tx1"/>
+                </a:solidFill>
+                <a:latin typeface="돋움" pitchFamily="50" charset="-127"/>
+                <a:ea typeface="굴림" charset="-127"/>
+              </a:defRPr>
+            </a:lvl8pPr>
+            <a:lvl9pPr marL="3886200" indent="-228600" eaLnBrk="0" fontAlgn="base" hangingPunct="0">
+              <a:spcBef>
+                <a:spcPct val="0"/>
+              </a:spcBef>
+              <a:spcAft>
+                <a:spcPct val="0"/>
+              </a:spcAft>
+              <a:defRPr kumimoji="1" sz="1200" b="1">
+                <a:solidFill>
+                  <a:schemeClr val="tx1"/>
+                </a:solidFill>
+                <a:latin typeface="돋움" pitchFamily="50" charset="-127"/>
+                <a:ea typeface="굴림" charset="-127"/>
+              </a:defRPr>
+            </a:lvl9pPr>
+          </a:lstStyle>
+          <a:p>
+            <a:pPr eaLnBrk="1" hangingPunct="1"/>
+            <a:r>
+              <a:rPr lang="ko-KR" altLang="en-US" sz="2000" dirty="0" smtClean="0">
+                <a:solidFill>
+                  <a:schemeClr val="bg1"/>
+                </a:solidFill>
+                <a:latin typeface="+mj-ea"/>
+                <a:ea typeface="+mj-ea"/>
+                <a:sym typeface="Wingdings" pitchFamily="2" charset="2"/>
+              </a:rPr>
+              <a:t> 가정 및 </a:t>
+            </a:r>
+            <a:r>
+              <a:rPr lang="ko-KR" altLang="en-US" sz="2000" dirty="0" err="1" smtClean="0">
+                <a:solidFill>
+                  <a:schemeClr val="bg1"/>
+                </a:solidFill>
+                <a:latin typeface="+mj-ea"/>
+                <a:ea typeface="+mj-ea"/>
+                <a:sym typeface="Wingdings" pitchFamily="2" charset="2"/>
+              </a:rPr>
+              <a:t>기본</a:t>
+            </a:r>
+            <a:r>
+              <a:rPr lang="ko-KR" altLang="en-US" sz="2000" dirty="0" err="1" smtClean="0">
+                <a:solidFill>
+                  <a:schemeClr val="bg1"/>
+                </a:solidFill>
+                <a:latin typeface="+mj-ea"/>
+                <a:ea typeface="+mj-ea"/>
+                <a:sym typeface="Wingdings" pitchFamily="2" charset="2"/>
+              </a:rPr>
+              <a:t>용어</a:t>
+            </a:r>
+            <a:endParaRPr lang="en-US" altLang="ko-KR" sz="2000" dirty="0">
+              <a:solidFill>
+                <a:schemeClr val="bg1"/>
+              </a:solidFill>
+              <a:latin typeface="+mj-ea"/>
+              <a:ea typeface="+mj-ea"/>
+              <a:sym typeface="Wingdings" pitchFamily="2" charset="2"/>
+            </a:endParaRPr>
+          </a:p>
+        </p:txBody>
+      </p:sp>
+      <p:sp>
+        <p:nvSpPr>
+          <p:cNvPr id="13" name="TextBox 12"/>
           <p:cNvSpPr txBox="1"/>
           <p:nvPr/>
         </p:nvSpPr>
         <p:spPr>
           <a:xfrm>
-            <a:off x="1136576" y="4437112"/>
-            <a:ext cx="7200800" cy="1600438"/>
+            <a:off x="272480" y="908720"/>
+            <a:ext cx="792088" cy="400110"/>
           </a:xfrm>
           <a:prstGeom prst="rect">
             <a:avLst/>
@@ -9777,226 +11535,3848 @@
           </a:bodyPr>
           <a:lstStyle/>
           <a:p>
-            <a:r>
-              <a:rPr lang="ko-KR" altLang="en-US" dirty="0" err="1" smtClean="0"/>
-              <a:t>재현율</a:t>
+            <a:pPr algn="ctr"/>
+            <a:r>
+              <a:rPr lang="ko-KR" altLang="en-US" sz="2000" dirty="0" smtClean="0">
+                <a:latin typeface="+mj-ea"/>
+                <a:ea typeface="+mj-ea"/>
+              </a:rPr>
+              <a:t>가정</a:t>
+            </a:r>
+            <a:endParaRPr lang="en-US" altLang="ko-KR" sz="2000" dirty="0" smtClean="0">
+              <a:latin typeface="+mj-ea"/>
+              <a:ea typeface="+mj-ea"/>
+            </a:endParaRPr>
+          </a:p>
+        </p:txBody>
+      </p:sp>
+      <p:sp>
+        <p:nvSpPr>
+          <p:cNvPr id="14" name="직사각형 13"/>
+          <p:cNvSpPr/>
+          <p:nvPr/>
+        </p:nvSpPr>
+        <p:spPr>
+          <a:xfrm>
+            <a:off x="677855" y="1208842"/>
+            <a:ext cx="7992888" cy="1431161"/>
+          </a:xfrm>
+          <a:prstGeom prst="rect">
+            <a:avLst/>
+          </a:prstGeom>
+        </p:spPr>
+        <p:txBody>
+          <a:bodyPr wrap="square">
+            <a:spAutoFit/>
+          </a:bodyPr>
+          <a:lstStyle/>
+          <a:p>
+            <a:pPr>
+              <a:lnSpc>
+                <a:spcPct val="150000"/>
+              </a:lnSpc>
+            </a:pPr>
+            <a:r>
+              <a:rPr lang="en-US" altLang="ko-KR" sz="1600" dirty="0" err="1">
+                <a:solidFill>
+                  <a:schemeClr val="tx1">
+                    <a:lumMod val="65000"/>
+                    <a:lumOff val="35000"/>
+                  </a:schemeClr>
+                </a:solidFill>
+                <a:latin typeface="+mj-ea"/>
+                <a:ea typeface="+mj-ea"/>
+              </a:rPr>
+              <a:t>i.i.d</a:t>
+            </a:r>
+            <a:r>
+              <a:rPr lang="en-US" altLang="ko-KR" sz="1600" dirty="0">
+                <a:solidFill>
+                  <a:schemeClr val="tx1">
+                    <a:lumMod val="65000"/>
+                    <a:lumOff val="35000"/>
+                  </a:schemeClr>
+                </a:solidFill>
+                <a:latin typeface="+mj-ea"/>
+                <a:ea typeface="+mj-ea"/>
+              </a:rPr>
+              <a:t>(independent and identically distributed)</a:t>
+            </a:r>
+          </a:p>
+          <a:p>
+            <a:pPr>
+              <a:lnSpc>
+                <a:spcPct val="150000"/>
+              </a:lnSpc>
+            </a:pPr>
+            <a:r>
+              <a:rPr lang="en-US" altLang="ko-KR" b="0" dirty="0">
+                <a:solidFill>
+                  <a:schemeClr val="tx1">
+                    <a:lumMod val="65000"/>
+                    <a:lumOff val="35000"/>
+                  </a:schemeClr>
+                </a:solidFill>
+                <a:latin typeface="+mj-ea"/>
+                <a:ea typeface="+mj-ea"/>
+              </a:rPr>
+              <a:t>  </a:t>
+            </a:r>
+            <a:r>
+              <a:rPr lang="ko-KR" altLang="en-US" b="0" dirty="0">
+                <a:solidFill>
+                  <a:schemeClr val="tx1">
+                    <a:lumMod val="65000"/>
+                    <a:lumOff val="35000"/>
+                  </a:schemeClr>
+                </a:solidFill>
+                <a:latin typeface="+mj-ea"/>
+                <a:ea typeface="+mj-ea"/>
+              </a:rPr>
+              <a:t>샘플이</a:t>
+            </a:r>
+            <a:r>
+              <a:rPr lang="en-US" altLang="ko-KR" b="0" dirty="0">
+                <a:solidFill>
+                  <a:schemeClr val="tx1">
+                    <a:lumMod val="65000"/>
+                    <a:lumOff val="35000"/>
+                  </a:schemeClr>
+                </a:solidFill>
+                <a:latin typeface="+mj-ea"/>
+                <a:ea typeface="+mj-ea"/>
+              </a:rPr>
+              <a:t> </a:t>
+            </a:r>
+            <a:r>
+              <a:rPr lang="ko-KR" altLang="en-US" b="0" dirty="0">
+                <a:solidFill>
+                  <a:schemeClr val="tx1">
+                    <a:lumMod val="65000"/>
+                    <a:lumOff val="35000"/>
+                  </a:schemeClr>
+                </a:solidFill>
+                <a:latin typeface="+mj-ea"/>
+                <a:ea typeface="+mj-ea"/>
+              </a:rPr>
+              <a:t>독립적이고 동일한 확률분포를 가지고 있다고 가정한  다</a:t>
+            </a:r>
+            <a:r>
+              <a:rPr lang="en-US" altLang="ko-KR" b="0" dirty="0">
+                <a:solidFill>
+                  <a:schemeClr val="tx1">
+                    <a:lumMod val="65000"/>
+                    <a:lumOff val="35000"/>
+                  </a:schemeClr>
+                </a:solidFill>
+                <a:latin typeface="+mj-ea"/>
+                <a:ea typeface="+mj-ea"/>
+              </a:rPr>
+              <a:t>. </a:t>
+            </a:r>
+            <a:r>
+              <a:rPr lang="ko-KR" altLang="en-US" b="0" dirty="0">
+                <a:solidFill>
+                  <a:schemeClr val="tx1">
+                    <a:lumMod val="65000"/>
+                    <a:lumOff val="35000"/>
+                  </a:schemeClr>
+                </a:solidFill>
+                <a:latin typeface="+mj-ea"/>
+                <a:ea typeface="+mj-ea"/>
+              </a:rPr>
+              <a:t>즉 모든 샘플을 동일한 확률 분포로 선택되어지고 </a:t>
+            </a:r>
+            <a:r>
+              <a:rPr lang="ko-KR" altLang="en-US" b="0" dirty="0" err="1">
+                <a:solidFill>
+                  <a:schemeClr val="tx1">
+                    <a:lumMod val="65000"/>
+                    <a:lumOff val="35000"/>
+                  </a:schemeClr>
+                </a:solidFill>
+                <a:latin typeface="+mj-ea"/>
+                <a:ea typeface="+mj-ea"/>
+              </a:rPr>
+              <a:t>통계적으</a:t>
+            </a:r>
+            <a:r>
+              <a:rPr lang="ko-KR" altLang="en-US" b="0" dirty="0">
+                <a:solidFill>
+                  <a:schemeClr val="tx1">
+                    <a:lumMod val="65000"/>
+                    <a:lumOff val="35000"/>
+                  </a:schemeClr>
+                </a:solidFill>
+                <a:latin typeface="+mj-ea"/>
+                <a:ea typeface="+mj-ea"/>
+              </a:rPr>
+              <a:t>  로 서로 독립적이다</a:t>
+            </a:r>
+            <a:r>
+              <a:rPr lang="en-US" altLang="ko-KR" b="0" dirty="0">
+                <a:solidFill>
+                  <a:schemeClr val="tx1">
+                    <a:lumMod val="65000"/>
+                    <a:lumOff val="35000"/>
+                  </a:schemeClr>
+                </a:solidFill>
+                <a:latin typeface="+mj-ea"/>
+                <a:ea typeface="+mj-ea"/>
+              </a:rPr>
+              <a:t>. </a:t>
+            </a:r>
+            <a:r>
+              <a:rPr lang="ko-KR" altLang="en-US" b="0" dirty="0">
+                <a:solidFill>
+                  <a:schemeClr val="tx1">
+                    <a:lumMod val="65000"/>
+                    <a:lumOff val="35000"/>
+                  </a:schemeClr>
+                </a:solidFill>
+                <a:latin typeface="+mj-ea"/>
+                <a:ea typeface="+mj-ea"/>
+              </a:rPr>
+              <a:t>샘플이 독립적이지 않은 경우는 일시적인 데이터나 </a:t>
+            </a:r>
+            <a:r>
+              <a:rPr lang="ko-KR" altLang="en-US" b="0" dirty="0" err="1">
+                <a:solidFill>
+                  <a:schemeClr val="tx1">
+                    <a:lumMod val="65000"/>
+                    <a:lumOff val="35000"/>
+                  </a:schemeClr>
+                </a:solidFill>
+                <a:latin typeface="+mj-ea"/>
+                <a:ea typeface="+mj-ea"/>
+              </a:rPr>
+              <a:t>시계열</a:t>
+            </a:r>
+            <a:r>
+              <a:rPr lang="ko-KR" altLang="en-US" b="0" dirty="0">
+                <a:solidFill>
+                  <a:schemeClr val="tx1">
+                    <a:lumMod val="65000"/>
+                    <a:lumOff val="35000"/>
+                  </a:schemeClr>
+                </a:solidFill>
+                <a:latin typeface="+mj-ea"/>
+                <a:ea typeface="+mj-ea"/>
+              </a:rPr>
+              <a:t> 데이터를 다룰 때이다</a:t>
+            </a:r>
+            <a:r>
+              <a:rPr lang="en-US" altLang="ko-KR" b="0" dirty="0">
+                <a:solidFill>
+                  <a:schemeClr val="tx1">
+                    <a:lumMod val="65000"/>
+                    <a:lumOff val="35000"/>
+                  </a:schemeClr>
+                </a:solidFill>
+                <a:latin typeface="+mj-ea"/>
+                <a:ea typeface="+mj-ea"/>
+              </a:rPr>
+              <a:t>. </a:t>
+            </a:r>
+          </a:p>
+        </p:txBody>
+      </p:sp>
+      <p:sp>
+        <p:nvSpPr>
+          <p:cNvPr id="15" name="TextBox 14"/>
+          <p:cNvSpPr txBox="1"/>
+          <p:nvPr/>
+        </p:nvSpPr>
+        <p:spPr>
+          <a:xfrm>
+            <a:off x="677855" y="3171349"/>
+            <a:ext cx="8307593" cy="1061829"/>
+          </a:xfrm>
+          <a:prstGeom prst="rect">
+            <a:avLst/>
+          </a:prstGeom>
+          <a:noFill/>
+        </p:spPr>
+        <p:txBody>
+          <a:bodyPr wrap="square" rtlCol="0">
+            <a:spAutoFit/>
+          </a:bodyPr>
+          <a:lstStyle/>
+          <a:p>
+            <a:pPr>
+              <a:lnSpc>
+                <a:spcPct val="150000"/>
+              </a:lnSpc>
+            </a:pPr>
+            <a:r>
+              <a:rPr lang="ko-KR" altLang="en-US" dirty="0" smtClean="0">
+                <a:solidFill>
+                  <a:schemeClr val="tx1">
+                    <a:lumMod val="65000"/>
+                    <a:lumOff val="35000"/>
+                  </a:schemeClr>
+                </a:solidFill>
+                <a:latin typeface="+mj-ea"/>
+                <a:ea typeface="+mj-ea"/>
+              </a:rPr>
+              <a:t>분산</a:t>
+            </a:r>
+            <a:r>
+              <a:rPr lang="en-US" altLang="ko-KR" dirty="0" smtClean="0">
+                <a:solidFill>
+                  <a:schemeClr val="tx1">
+                    <a:lumMod val="65000"/>
+                    <a:lumOff val="35000"/>
+                  </a:schemeClr>
+                </a:solidFill>
+                <a:latin typeface="+mj-ea"/>
+                <a:ea typeface="+mj-ea"/>
+              </a:rPr>
+              <a:t>(Variance)</a:t>
+            </a:r>
+          </a:p>
+          <a:p>
+            <a:pPr>
+              <a:lnSpc>
+                <a:spcPct val="150000"/>
+              </a:lnSpc>
+            </a:pPr>
+            <a:r>
+              <a:rPr lang="en-US" altLang="ko-KR" b="0" dirty="0">
+                <a:solidFill>
+                  <a:schemeClr val="tx1">
+                    <a:lumMod val="65000"/>
+                    <a:lumOff val="35000"/>
+                  </a:schemeClr>
+                </a:solidFill>
+                <a:latin typeface="+mj-ea"/>
+                <a:ea typeface="+mj-ea"/>
+              </a:rPr>
+              <a:t> </a:t>
+            </a:r>
+            <a:r>
+              <a:rPr lang="ko-KR" altLang="en-US" b="0" dirty="0" smtClean="0">
+                <a:solidFill>
+                  <a:schemeClr val="tx1">
+                    <a:lumMod val="65000"/>
+                    <a:lumOff val="35000"/>
+                  </a:schemeClr>
+                </a:solidFill>
+                <a:latin typeface="+mj-ea"/>
+                <a:ea typeface="+mj-ea"/>
+              </a:rPr>
+              <a:t>훈련 세트를 조금씩 변화시키면서 학습 과정을 반복할 때 모델의 예측의 </a:t>
+            </a:r>
+            <a:r>
+              <a:rPr lang="ko-KR" altLang="en-US" b="0" dirty="0" err="1" smtClean="0">
+                <a:solidFill>
+                  <a:schemeClr val="tx1">
+                    <a:lumMod val="65000"/>
+                    <a:lumOff val="35000"/>
+                  </a:schemeClr>
+                </a:solidFill>
+                <a:latin typeface="+mj-ea"/>
+                <a:ea typeface="+mj-ea"/>
+              </a:rPr>
+              <a:t>변화량을</a:t>
+            </a:r>
+            <a:r>
+              <a:rPr lang="ko-KR" altLang="en-US" b="0" dirty="0" smtClean="0">
+                <a:solidFill>
+                  <a:schemeClr val="tx1">
+                    <a:lumMod val="65000"/>
+                    <a:lumOff val="35000"/>
+                  </a:schemeClr>
+                </a:solidFill>
+                <a:latin typeface="+mj-ea"/>
+                <a:ea typeface="+mj-ea"/>
+              </a:rPr>
+              <a:t> 측정한 것이다</a:t>
+            </a:r>
+            <a:r>
+              <a:rPr lang="en-US" altLang="ko-KR" b="0" dirty="0" smtClean="0">
+                <a:solidFill>
+                  <a:schemeClr val="tx1">
+                    <a:lumMod val="65000"/>
+                    <a:lumOff val="35000"/>
+                  </a:schemeClr>
+                </a:solidFill>
+                <a:latin typeface="+mj-ea"/>
+                <a:ea typeface="+mj-ea"/>
+              </a:rPr>
+              <a:t>. </a:t>
+            </a:r>
+          </a:p>
+          <a:p>
+            <a:pPr>
+              <a:lnSpc>
+                <a:spcPct val="150000"/>
+              </a:lnSpc>
+            </a:pPr>
+            <a:r>
+              <a:rPr lang="ko-KR" altLang="en-US" b="0" dirty="0" smtClean="0">
+                <a:solidFill>
+                  <a:schemeClr val="tx1">
+                    <a:lumMod val="65000"/>
+                    <a:lumOff val="35000"/>
+                  </a:schemeClr>
+                </a:solidFill>
+                <a:latin typeface="+mj-ea"/>
+                <a:ea typeface="+mj-ea"/>
+              </a:rPr>
+              <a:t>모델 구축 프로세스가 데이터의 변화에 </a:t>
+            </a:r>
+            <a:r>
+              <a:rPr lang="ko-KR" altLang="en-US" b="0" dirty="0" err="1" smtClean="0">
+                <a:solidFill>
+                  <a:schemeClr val="tx1">
+                    <a:lumMod val="65000"/>
+                    <a:lumOff val="35000"/>
+                  </a:schemeClr>
+                </a:solidFill>
+                <a:latin typeface="+mj-ea"/>
+                <a:ea typeface="+mj-ea"/>
+              </a:rPr>
+              <a:t>민감할수록</a:t>
+            </a:r>
+            <a:r>
+              <a:rPr lang="ko-KR" altLang="en-US" b="0" dirty="0" smtClean="0">
+                <a:solidFill>
+                  <a:schemeClr val="tx1">
+                    <a:lumMod val="65000"/>
+                    <a:lumOff val="35000"/>
+                  </a:schemeClr>
+                </a:solidFill>
+                <a:latin typeface="+mj-ea"/>
+                <a:ea typeface="+mj-ea"/>
+              </a:rPr>
+              <a:t> 분산은 더 커진다</a:t>
+            </a:r>
+            <a:r>
+              <a:rPr lang="en-US" altLang="ko-KR" b="0" dirty="0" smtClean="0">
+                <a:solidFill>
+                  <a:schemeClr val="tx1">
+                    <a:lumMod val="65000"/>
+                    <a:lumOff val="35000"/>
+                  </a:schemeClr>
+                </a:solidFill>
+                <a:latin typeface="+mj-ea"/>
+                <a:ea typeface="+mj-ea"/>
+              </a:rPr>
+              <a:t>. </a:t>
+            </a:r>
+            <a:endParaRPr lang="ko-KR" altLang="en-US" b="0" dirty="0">
+              <a:solidFill>
+                <a:schemeClr val="tx1">
+                  <a:lumMod val="65000"/>
+                  <a:lumOff val="35000"/>
+                </a:schemeClr>
+              </a:solidFill>
+              <a:latin typeface="+mj-ea"/>
+              <a:ea typeface="+mj-ea"/>
+            </a:endParaRPr>
+          </a:p>
+        </p:txBody>
+      </p:sp>
+      <p:pic>
+        <p:nvPicPr>
+          <p:cNvPr id="16" name="그림 15"/>
+          <p:cNvPicPr>
+            <a:picLocks noChangeAspect="1"/>
+          </p:cNvPicPr>
+          <p:nvPr/>
+        </p:nvPicPr>
+        <p:blipFill>
+          <a:blip r:embed="rId2"/>
+          <a:stretch>
+            <a:fillRect/>
+          </a:stretch>
+        </p:blipFill>
+        <p:spPr>
+          <a:xfrm>
+            <a:off x="3682832" y="4263637"/>
+            <a:ext cx="2324310" cy="609169"/>
+          </a:xfrm>
+          <a:prstGeom prst="rect">
+            <a:avLst/>
+          </a:prstGeom>
+        </p:spPr>
+      </p:pic>
+      <p:sp>
+        <p:nvSpPr>
+          <p:cNvPr id="17" name="TextBox 16"/>
+          <p:cNvSpPr txBox="1"/>
+          <p:nvPr/>
+        </p:nvSpPr>
+        <p:spPr>
+          <a:xfrm>
+            <a:off x="677855" y="4887451"/>
+            <a:ext cx="8379601" cy="1061829"/>
+          </a:xfrm>
+          <a:prstGeom prst="rect">
+            <a:avLst/>
+          </a:prstGeom>
+          <a:noFill/>
+        </p:spPr>
+        <p:txBody>
+          <a:bodyPr wrap="square" rtlCol="0">
+            <a:spAutoFit/>
+          </a:bodyPr>
+          <a:lstStyle/>
+          <a:p>
+            <a:pPr>
+              <a:lnSpc>
+                <a:spcPct val="150000"/>
+              </a:lnSpc>
+            </a:pPr>
+            <a:r>
+              <a:rPr lang="ko-KR" altLang="en-US" dirty="0" err="1" smtClean="0">
+                <a:solidFill>
+                  <a:schemeClr val="tx1">
+                    <a:lumMod val="65000"/>
+                    <a:lumOff val="35000"/>
+                  </a:schemeClr>
+                </a:solidFill>
+                <a:latin typeface="+mj-ea"/>
+                <a:ea typeface="+mj-ea"/>
+              </a:rPr>
+              <a:t>재치환</a:t>
+            </a:r>
+            <a:r>
+              <a:rPr lang="ko-KR" altLang="en-US" dirty="0" smtClean="0">
+                <a:solidFill>
+                  <a:schemeClr val="tx1">
+                    <a:lumMod val="65000"/>
+                    <a:lumOff val="35000"/>
+                  </a:schemeClr>
+                </a:solidFill>
+                <a:latin typeface="+mj-ea"/>
+                <a:ea typeface="+mj-ea"/>
+              </a:rPr>
+              <a:t> 검증과 </a:t>
+            </a:r>
+            <a:r>
+              <a:rPr lang="ko-KR" altLang="en-US" dirty="0" err="1" smtClean="0">
+                <a:solidFill>
+                  <a:schemeClr val="tx1">
+                    <a:lumMod val="65000"/>
+                    <a:lumOff val="35000"/>
+                  </a:schemeClr>
+                </a:solidFill>
+                <a:latin typeface="+mj-ea"/>
+                <a:ea typeface="+mj-ea"/>
+              </a:rPr>
+              <a:t>홀드아웃</a:t>
+            </a:r>
+            <a:r>
+              <a:rPr lang="ko-KR" altLang="en-US" dirty="0" smtClean="0">
+                <a:solidFill>
+                  <a:schemeClr val="tx1">
+                    <a:lumMod val="65000"/>
+                    <a:lumOff val="35000"/>
+                  </a:schemeClr>
+                </a:solidFill>
+                <a:latin typeface="+mj-ea"/>
+                <a:ea typeface="+mj-ea"/>
+              </a:rPr>
+              <a:t> 방법</a:t>
+            </a:r>
+            <a:endParaRPr lang="en-US" altLang="ko-KR" dirty="0" smtClean="0">
+              <a:solidFill>
+                <a:schemeClr val="tx1">
+                  <a:lumMod val="65000"/>
+                  <a:lumOff val="35000"/>
+                </a:schemeClr>
+              </a:solidFill>
+              <a:latin typeface="+mj-ea"/>
+              <a:ea typeface="+mj-ea"/>
+            </a:endParaRPr>
+          </a:p>
+          <a:p>
+            <a:pPr>
+              <a:lnSpc>
+                <a:spcPct val="150000"/>
+              </a:lnSpc>
+            </a:pPr>
+            <a:r>
+              <a:rPr lang="en-US" altLang="ko-KR" b="0" dirty="0" smtClean="0">
+                <a:solidFill>
+                  <a:schemeClr val="tx1">
+                    <a:lumMod val="65000"/>
+                    <a:lumOff val="35000"/>
+                  </a:schemeClr>
+                </a:solidFill>
+                <a:latin typeface="+mj-ea"/>
+                <a:ea typeface="+mj-ea"/>
+              </a:rPr>
+              <a:t> </a:t>
+            </a:r>
+            <a:r>
+              <a:rPr lang="ko-KR" altLang="en-US" b="0" dirty="0" err="1" smtClean="0">
+                <a:solidFill>
+                  <a:schemeClr val="tx1">
+                    <a:lumMod val="65000"/>
+                    <a:lumOff val="35000"/>
+                  </a:schemeClr>
+                </a:solidFill>
+                <a:latin typeface="+mj-ea"/>
+                <a:ea typeface="+mj-ea"/>
+              </a:rPr>
+              <a:t>홀드아웃</a:t>
+            </a:r>
+            <a:r>
+              <a:rPr lang="en-US" altLang="ko-KR" b="0" dirty="0" smtClean="0">
+                <a:solidFill>
+                  <a:schemeClr val="tx1">
+                    <a:lumMod val="65000"/>
+                    <a:lumOff val="35000"/>
+                  </a:schemeClr>
+                </a:solidFill>
+                <a:latin typeface="+mj-ea"/>
+                <a:ea typeface="+mj-ea"/>
+              </a:rPr>
+              <a:t>(holdout)</a:t>
+            </a:r>
+            <a:r>
+              <a:rPr lang="ko-KR" altLang="en-US" b="0" dirty="0" smtClean="0">
+                <a:solidFill>
+                  <a:schemeClr val="tx1">
+                    <a:lumMod val="65000"/>
+                    <a:lumOff val="35000"/>
+                  </a:schemeClr>
+                </a:solidFill>
+                <a:latin typeface="+mj-ea"/>
+                <a:ea typeface="+mj-ea"/>
+              </a:rPr>
+              <a:t>은 아주 단순한 모델 평가 방법으로 </a:t>
+            </a:r>
+            <a:r>
+              <a:rPr lang="ko-KR" altLang="en-US" b="0" dirty="0" err="1" smtClean="0">
+                <a:solidFill>
+                  <a:schemeClr val="tx1">
+                    <a:lumMod val="65000"/>
+                    <a:lumOff val="35000"/>
+                  </a:schemeClr>
+                </a:solidFill>
+                <a:latin typeface="+mj-ea"/>
+                <a:ea typeface="+mj-ea"/>
+              </a:rPr>
+              <a:t>레이블된</a:t>
+            </a:r>
+            <a:r>
+              <a:rPr lang="ko-KR" altLang="en-US" b="0" dirty="0" smtClean="0">
+                <a:solidFill>
+                  <a:schemeClr val="tx1">
+                    <a:lumMod val="65000"/>
+                    <a:lumOff val="35000"/>
+                  </a:schemeClr>
+                </a:solidFill>
+                <a:latin typeface="+mj-ea"/>
+                <a:ea typeface="+mj-ea"/>
+              </a:rPr>
+              <a:t> </a:t>
+            </a:r>
+            <a:r>
+              <a:rPr lang="ko-KR" altLang="en-US" b="0" dirty="0" err="1" smtClean="0">
+                <a:solidFill>
+                  <a:schemeClr val="tx1">
+                    <a:lumMod val="65000"/>
+                    <a:lumOff val="35000"/>
+                  </a:schemeClr>
+                </a:solidFill>
+                <a:latin typeface="+mj-ea"/>
+                <a:ea typeface="+mj-ea"/>
+              </a:rPr>
+              <a:t>데이터셋을</a:t>
+            </a:r>
+            <a:r>
+              <a:rPr lang="ko-KR" altLang="en-US" b="0" dirty="0" smtClean="0">
+                <a:solidFill>
+                  <a:schemeClr val="tx1">
+                    <a:lumMod val="65000"/>
+                    <a:lumOff val="35000"/>
+                  </a:schemeClr>
+                </a:solidFill>
+                <a:latin typeface="+mj-ea"/>
+                <a:ea typeface="+mj-ea"/>
+              </a:rPr>
+              <a:t> 훈련 세트와 테스트 세트로 나누고 학습 에는 훈련 세트를 평가에는 테스트 세트를 사용하는 것이다</a:t>
+            </a:r>
+            <a:r>
+              <a:rPr lang="en-US" altLang="ko-KR" b="0" dirty="0" smtClean="0">
+                <a:solidFill>
+                  <a:schemeClr val="tx1">
+                    <a:lumMod val="65000"/>
+                    <a:lumOff val="35000"/>
+                  </a:schemeClr>
+                </a:solidFill>
+                <a:latin typeface="+mj-ea"/>
+                <a:ea typeface="+mj-ea"/>
+              </a:rPr>
+              <a:t>. </a:t>
+            </a:r>
+            <a:r>
+              <a:rPr lang="en-US" altLang="ko-KR" b="0" dirty="0" smtClean="0">
+                <a:solidFill>
+                  <a:schemeClr val="tx1">
+                    <a:lumMod val="65000"/>
+                    <a:lumOff val="35000"/>
+                  </a:schemeClr>
+                </a:solidFill>
+                <a:latin typeface="+mj-ea"/>
+                <a:ea typeface="+mj-ea"/>
+                <a:sym typeface="Wingdings" panose="05000000000000000000" pitchFamily="2" charset="2"/>
+              </a:rPr>
+              <a:t> </a:t>
+            </a:r>
+            <a:r>
+              <a:rPr lang="ko-KR" altLang="en-US" b="0" dirty="0" err="1" smtClean="0">
+                <a:solidFill>
+                  <a:schemeClr val="tx1">
+                    <a:lumMod val="65000"/>
+                    <a:lumOff val="35000"/>
+                  </a:schemeClr>
+                </a:solidFill>
+                <a:latin typeface="+mj-ea"/>
+                <a:ea typeface="+mj-ea"/>
+                <a:sym typeface="Wingdings" panose="05000000000000000000" pitchFamily="2" charset="2"/>
+              </a:rPr>
+              <a:t>재치환</a:t>
+            </a:r>
+            <a:r>
+              <a:rPr lang="ko-KR" altLang="en-US" b="0" dirty="0" smtClean="0">
+                <a:solidFill>
+                  <a:schemeClr val="tx1">
+                    <a:lumMod val="65000"/>
+                    <a:lumOff val="35000"/>
+                  </a:schemeClr>
+                </a:solidFill>
+                <a:latin typeface="+mj-ea"/>
+                <a:ea typeface="+mj-ea"/>
+                <a:sym typeface="Wingdings" panose="05000000000000000000" pitchFamily="2" charset="2"/>
+              </a:rPr>
+              <a:t> 평가라 부른다</a:t>
+            </a:r>
+            <a:r>
+              <a:rPr lang="en-US" altLang="ko-KR" b="0" dirty="0" smtClean="0">
+                <a:solidFill>
+                  <a:schemeClr val="tx1">
+                    <a:lumMod val="65000"/>
+                    <a:lumOff val="35000"/>
+                  </a:schemeClr>
+                </a:solidFill>
+                <a:latin typeface="+mj-ea"/>
+                <a:ea typeface="+mj-ea"/>
+                <a:sym typeface="Wingdings" panose="05000000000000000000" pitchFamily="2" charset="2"/>
+              </a:rPr>
+              <a:t>. </a:t>
+            </a:r>
+            <a:endParaRPr lang="ko-KR" altLang="en-US" b="0" dirty="0">
+              <a:solidFill>
+                <a:schemeClr val="tx1">
+                  <a:lumMod val="65000"/>
+                  <a:lumOff val="35000"/>
+                </a:schemeClr>
+              </a:solidFill>
+              <a:latin typeface="+mj-ea"/>
+              <a:ea typeface="+mj-ea"/>
+            </a:endParaRPr>
+          </a:p>
+        </p:txBody>
+      </p:sp>
+      <p:sp>
+        <p:nvSpPr>
+          <p:cNvPr id="19" name="TextBox 18"/>
+          <p:cNvSpPr txBox="1"/>
+          <p:nvPr/>
+        </p:nvSpPr>
+        <p:spPr>
+          <a:xfrm>
+            <a:off x="272480" y="2837920"/>
+            <a:ext cx="792088" cy="400110"/>
+          </a:xfrm>
+          <a:prstGeom prst="rect">
+            <a:avLst/>
+          </a:prstGeom>
+          <a:noFill/>
+        </p:spPr>
+        <p:txBody>
+          <a:bodyPr wrap="square" rtlCol="0">
+            <a:spAutoFit/>
+          </a:bodyPr>
+          <a:lstStyle/>
+          <a:p>
+            <a:pPr algn="ctr"/>
+            <a:r>
+              <a:rPr lang="ko-KR" altLang="en-US" sz="2000" dirty="0" smtClean="0">
+                <a:latin typeface="+mj-ea"/>
+                <a:ea typeface="+mj-ea"/>
+              </a:rPr>
+              <a:t>용어</a:t>
+            </a:r>
+            <a:endParaRPr lang="en-US" altLang="ko-KR" sz="2000" dirty="0" smtClean="0">
+              <a:latin typeface="+mj-ea"/>
+              <a:ea typeface="+mj-ea"/>
+            </a:endParaRPr>
+          </a:p>
+        </p:txBody>
+      </p:sp>
+    </p:spTree>
+    <p:extLst>
+      <p:ext uri="{BB962C8B-B14F-4D97-AF65-F5344CB8AC3E}">
+        <p14:creationId xmlns:p14="http://schemas.microsoft.com/office/powerpoint/2010/main" val="280143986"/>
+      </p:ext>
+    </p:extLst>
+  </p:cSld>
+  <p:clrMapOvr>
+    <a:masterClrMapping/>
+  </p:clrMapOvr>
+</p:sld>
+</file>
+
+<file path=ppt/slides/slide4.xml><?xml version="1.0" encoding="utf-8"?>
+<p:sld xmlns:a="http://schemas.openxmlformats.org/drawingml/2006/main" xmlns:r="http://schemas.openxmlformats.org/officeDocument/2006/relationships" xmlns:p="http://schemas.openxmlformats.org/presentationml/2006/main">
+  <p:cSld>
+    <p:spTree>
+      <p:nvGrpSpPr>
+        <p:cNvPr id="1" name=""/>
+        <p:cNvGrpSpPr/>
+        <p:nvPr/>
+      </p:nvGrpSpPr>
+      <p:grpSpPr>
+        <a:xfrm>
+          <a:off x="0" y="0"/>
+          <a:ext cx="0" cy="0"/>
+          <a:chOff x="0" y="0"/>
+          <a:chExt cx="0" cy="0"/>
+        </a:xfrm>
+      </p:grpSpPr>
+      <p:sp>
+        <p:nvSpPr>
+          <p:cNvPr id="4" name="슬라이드 번호 개체 틀 3"/>
+          <p:cNvSpPr>
+            <a:spLocks noGrp="1"/>
+          </p:cNvSpPr>
+          <p:nvPr>
+            <p:ph type="sldNum" sz="quarter" idx="12"/>
+          </p:nvPr>
+        </p:nvSpPr>
+        <p:spPr/>
+        <p:txBody>
+          <a:bodyPr/>
+          <a:lstStyle/>
+          <a:p>
+            <a:fld id="{33796E3F-F6B7-490E-938A-9F8EC05675D0}" type="slidenum">
+              <a:rPr lang="ko-KR" altLang="en-US" smtClean="0">
+                <a:latin typeface="+mj-ea"/>
+                <a:ea typeface="+mj-ea"/>
+              </a:rPr>
+              <a:pPr/>
+              <a:t>3</a:t>
+            </a:fld>
+            <a:endParaRPr lang="ko-KR" altLang="en-US">
+              <a:latin typeface="+mj-ea"/>
+              <a:ea typeface="+mj-ea"/>
+            </a:endParaRPr>
+          </a:p>
+        </p:txBody>
+      </p:sp>
+      <p:sp>
+        <p:nvSpPr>
+          <p:cNvPr id="7" name="TextBox 6"/>
+          <p:cNvSpPr txBox="1"/>
+          <p:nvPr/>
+        </p:nvSpPr>
+        <p:spPr>
+          <a:xfrm>
+            <a:off x="560512" y="1316375"/>
+            <a:ext cx="8568952" cy="3170099"/>
+          </a:xfrm>
+          <a:prstGeom prst="rect">
+            <a:avLst/>
+          </a:prstGeom>
+          <a:noFill/>
+        </p:spPr>
+        <p:txBody>
+          <a:bodyPr wrap="square" rtlCol="0">
+            <a:spAutoFit/>
+          </a:bodyPr>
+          <a:lstStyle/>
+          <a:p>
+            <a:pPr>
+              <a:lnSpc>
+                <a:spcPct val="200000"/>
+              </a:lnSpc>
+            </a:pPr>
+            <a:r>
+              <a:rPr lang="en-US" altLang="ko-KR" sz="1600" dirty="0" smtClean="0">
+                <a:latin typeface="+mj-ea"/>
+                <a:ea typeface="+mj-ea"/>
+              </a:rPr>
+              <a:t>Train Set </a:t>
+            </a:r>
+            <a:r>
+              <a:rPr lang="en-US" altLang="ko-KR" dirty="0" smtClean="0">
+                <a:latin typeface="+mj-ea"/>
+                <a:ea typeface="+mj-ea"/>
+              </a:rPr>
+              <a:t/>
+            </a:r>
+            <a:br>
+              <a:rPr lang="en-US" altLang="ko-KR" dirty="0" smtClean="0">
+                <a:latin typeface="+mj-ea"/>
+                <a:ea typeface="+mj-ea"/>
+              </a:rPr>
+            </a:br>
+            <a:r>
+              <a:rPr lang="en-US" altLang="ko-KR" dirty="0" smtClean="0">
+                <a:latin typeface="+mj-ea"/>
+                <a:ea typeface="+mj-ea"/>
+              </a:rPr>
+              <a:t>	</a:t>
+            </a:r>
+            <a:r>
+              <a:rPr lang="ko-KR" altLang="en-US" b="0" dirty="0">
+                <a:latin typeface="+mj-ea"/>
+                <a:ea typeface="+mj-ea"/>
+              </a:rPr>
+              <a:t>모</a:t>
+            </a:r>
+            <a:r>
+              <a:rPr lang="ko-KR" altLang="en-US" b="0" dirty="0" smtClean="0">
+                <a:latin typeface="+mj-ea"/>
+                <a:ea typeface="+mj-ea"/>
+              </a:rPr>
+              <a:t>델을 </a:t>
+            </a:r>
+            <a:r>
+              <a:rPr lang="ko-KR" altLang="en-US" b="0" dirty="0" err="1" smtClean="0">
+                <a:latin typeface="+mj-ea"/>
+                <a:ea typeface="+mj-ea"/>
+              </a:rPr>
+              <a:t>훈련시킬때</a:t>
+            </a:r>
+            <a:r>
+              <a:rPr lang="ko-KR" altLang="en-US" b="0" dirty="0" smtClean="0">
+                <a:latin typeface="+mj-ea"/>
+                <a:ea typeface="+mj-ea"/>
+              </a:rPr>
+              <a:t> 사용하는 데이터</a:t>
+            </a:r>
+            <a:endParaRPr lang="en-US" altLang="ko-KR" b="0" dirty="0" smtClean="0">
+              <a:latin typeface="+mj-ea"/>
+              <a:ea typeface="+mj-ea"/>
+            </a:endParaRPr>
+          </a:p>
+          <a:p>
+            <a:pPr>
+              <a:lnSpc>
+                <a:spcPct val="200000"/>
+              </a:lnSpc>
+            </a:pPr>
+            <a:r>
+              <a:rPr lang="en-US" altLang="ko-KR" dirty="0">
+                <a:latin typeface="+mj-ea"/>
+                <a:ea typeface="+mj-ea"/>
+              </a:rPr>
+              <a:t>V</a:t>
+            </a:r>
+            <a:r>
+              <a:rPr lang="en-US" altLang="ko-KR" dirty="0" smtClean="0">
+                <a:latin typeface="+mj-ea"/>
+                <a:ea typeface="+mj-ea"/>
+              </a:rPr>
+              <a:t>alidation Set </a:t>
+            </a:r>
+            <a:br>
+              <a:rPr lang="en-US" altLang="ko-KR" dirty="0" smtClean="0">
+                <a:latin typeface="+mj-ea"/>
+                <a:ea typeface="+mj-ea"/>
+              </a:rPr>
+            </a:br>
+            <a:r>
+              <a:rPr lang="en-US" altLang="ko-KR" dirty="0" smtClean="0">
+                <a:latin typeface="+mj-ea"/>
+                <a:ea typeface="+mj-ea"/>
+              </a:rPr>
+              <a:t>	</a:t>
+            </a:r>
+            <a:r>
+              <a:rPr lang="en-US" altLang="ko-KR" b="0" dirty="0" smtClean="0">
+                <a:latin typeface="+mj-ea"/>
+                <a:ea typeface="+mj-ea"/>
+              </a:rPr>
+              <a:t>Train set </a:t>
+            </a:r>
+            <a:r>
+              <a:rPr lang="ko-KR" altLang="en-US" b="0" dirty="0" smtClean="0">
+                <a:latin typeface="+mj-ea"/>
+                <a:ea typeface="+mj-ea"/>
+              </a:rPr>
+              <a:t>에서 적합한 모델의 </a:t>
+            </a:r>
+            <a:r>
+              <a:rPr lang="ko-KR" altLang="en-US" b="0" dirty="0" err="1" smtClean="0">
+                <a:latin typeface="+mj-ea"/>
+                <a:ea typeface="+mj-ea"/>
+              </a:rPr>
+              <a:t>파라미터를</a:t>
+            </a:r>
+            <a:r>
+              <a:rPr lang="ko-KR" altLang="en-US" b="0" dirty="0" smtClean="0">
+                <a:latin typeface="+mj-ea"/>
+                <a:ea typeface="+mj-ea"/>
+              </a:rPr>
+              <a:t> 수정하거나 </a:t>
+            </a:r>
+            <a:r>
+              <a:rPr lang="en-US" altLang="ko-KR" b="0" dirty="0" smtClean="0">
+                <a:latin typeface="+mj-ea"/>
+                <a:ea typeface="+mj-ea"/>
+              </a:rPr>
+              <a:t>overfitting</a:t>
+            </a:r>
+            <a:r>
+              <a:rPr lang="ko-KR" altLang="en-US" b="0" dirty="0" smtClean="0">
+                <a:latin typeface="+mj-ea"/>
+                <a:ea typeface="+mj-ea"/>
+              </a:rPr>
+              <a:t>의 여부를 확인하는데 사용</a:t>
+            </a:r>
+            <a:endParaRPr lang="en-US" altLang="ko-KR" b="0" dirty="0" smtClean="0">
+              <a:latin typeface="+mj-ea"/>
+              <a:ea typeface="+mj-ea"/>
+            </a:endParaRPr>
+          </a:p>
+          <a:p>
+            <a:pPr>
+              <a:lnSpc>
+                <a:spcPct val="200000"/>
+              </a:lnSpc>
+            </a:pPr>
+            <a:r>
+              <a:rPr lang="en-US" altLang="ko-KR" dirty="0" smtClean="0">
+                <a:latin typeface="+mj-ea"/>
+                <a:ea typeface="+mj-ea"/>
+              </a:rPr>
+              <a:t>Test Set</a:t>
+            </a:r>
+            <a:br>
+              <a:rPr lang="en-US" altLang="ko-KR" dirty="0" smtClean="0">
+                <a:latin typeface="+mj-ea"/>
+                <a:ea typeface="+mj-ea"/>
+              </a:rPr>
+            </a:br>
+            <a:r>
+              <a:rPr lang="en-US" altLang="ko-KR" dirty="0" smtClean="0">
+                <a:latin typeface="+mj-ea"/>
+                <a:ea typeface="+mj-ea"/>
+              </a:rPr>
+              <a:t>	</a:t>
+            </a:r>
+            <a:r>
+              <a:rPr lang="ko-KR" altLang="en-US" b="0" dirty="0" smtClean="0">
+                <a:latin typeface="+mj-ea"/>
+                <a:ea typeface="+mj-ea"/>
+              </a:rPr>
+              <a:t>모델의 성능을 평가하는데 사용</a:t>
+            </a:r>
+            <a:endParaRPr lang="en-US" altLang="ko-KR" b="0" dirty="0" smtClean="0">
+              <a:latin typeface="+mj-ea"/>
+              <a:ea typeface="+mj-ea"/>
+            </a:endParaRPr>
+          </a:p>
+          <a:p>
+            <a:pPr marL="342900" indent="-342900">
+              <a:lnSpc>
+                <a:spcPct val="200000"/>
+              </a:lnSpc>
+              <a:buAutoNum type="arabicPeriod"/>
+            </a:pPr>
+            <a:endParaRPr lang="en-US" altLang="ko-KR" dirty="0" smtClean="0">
+              <a:latin typeface="+mj-ea"/>
+              <a:ea typeface="+mj-ea"/>
+            </a:endParaRPr>
+          </a:p>
+        </p:txBody>
+      </p:sp>
+      <p:pic>
+        <p:nvPicPr>
+          <p:cNvPr id="8" name="그림 7"/>
+          <p:cNvPicPr>
+            <a:picLocks noChangeAspect="1"/>
+          </p:cNvPicPr>
+          <p:nvPr/>
+        </p:nvPicPr>
+        <p:blipFill>
+          <a:blip r:embed="rId2"/>
+          <a:stretch>
+            <a:fillRect/>
+          </a:stretch>
+        </p:blipFill>
+        <p:spPr>
+          <a:xfrm>
+            <a:off x="2009303" y="4486474"/>
+            <a:ext cx="5887393" cy="1618360"/>
+          </a:xfrm>
+          <a:prstGeom prst="rect">
+            <a:avLst/>
+          </a:prstGeom>
+        </p:spPr>
+      </p:pic>
+      <p:sp>
+        <p:nvSpPr>
+          <p:cNvPr id="10" name="Rectangle 2"/>
+          <p:cNvSpPr txBox="1">
+            <a:spLocks noChangeArrowheads="1"/>
+          </p:cNvSpPr>
+          <p:nvPr/>
+        </p:nvSpPr>
+        <p:spPr bwMode="auto">
+          <a:xfrm>
+            <a:off x="128464" y="201122"/>
+            <a:ext cx="5400600" cy="400110"/>
+          </a:xfrm>
+          <a:prstGeom prst="rect">
+            <a:avLst/>
+          </a:prstGeom>
+          <a:noFill/>
+          <a:ln>
+            <a:noFill/>
+          </a:ln>
+          <a:extLst>
+            <a:ext uri="{909E8E84-426E-40DD-AFC4-6F175D3DCCD1}">
+              <a14:hiddenFill xmlns:a14="http://schemas.microsoft.com/office/drawing/2010/main">
+                <a:solidFill>
+                  <a:srgbClr val="FFFFFF"/>
+                </a:solidFill>
+              </a14:hiddenFill>
+            </a:ext>
+            <a:ext uri="{91240B29-F687-4F45-9708-019B960494DF}">
+              <a14:hiddenLine xmlns:a14="http://schemas.microsoft.com/office/drawing/2010/main" w="9525">
+                <a:solidFill>
+                  <a:srgbClr val="000000"/>
+                </a:solidFill>
+                <a:miter lim="800000"/>
+                <a:headEnd/>
+                <a:tailEnd/>
+              </a14:hiddenLine>
+            </a:ext>
+          </a:extLst>
+        </p:spPr>
+        <p:txBody>
+          <a:bodyPr wrap="square">
+            <a:spAutoFit/>
+          </a:bodyPr>
+          <a:lstStyle>
+            <a:lvl1pPr latinLnBrk="1">
+              <a:defRPr kumimoji="1" sz="1200" b="1">
+                <a:solidFill>
+                  <a:schemeClr val="tx1"/>
+                </a:solidFill>
+                <a:latin typeface="돋움" pitchFamily="50" charset="-127"/>
+                <a:ea typeface="굴림" charset="-127"/>
+              </a:defRPr>
+            </a:lvl1pPr>
+            <a:lvl2pPr marL="742950" indent="-285750" latinLnBrk="1">
+              <a:defRPr kumimoji="1" sz="1200" b="1">
+                <a:solidFill>
+                  <a:schemeClr val="tx1"/>
+                </a:solidFill>
+                <a:latin typeface="돋움" pitchFamily="50" charset="-127"/>
+                <a:ea typeface="굴림" charset="-127"/>
+              </a:defRPr>
+            </a:lvl2pPr>
+            <a:lvl3pPr marL="1143000" indent="-228600" latinLnBrk="1">
+              <a:defRPr kumimoji="1" sz="1200" b="1">
+                <a:solidFill>
+                  <a:schemeClr val="tx1"/>
+                </a:solidFill>
+                <a:latin typeface="돋움" pitchFamily="50" charset="-127"/>
+                <a:ea typeface="굴림" charset="-127"/>
+              </a:defRPr>
+            </a:lvl3pPr>
+            <a:lvl4pPr marL="1600200" indent="-228600" latinLnBrk="1">
+              <a:defRPr kumimoji="1" sz="1200" b="1">
+                <a:solidFill>
+                  <a:schemeClr val="tx1"/>
+                </a:solidFill>
+                <a:latin typeface="돋움" pitchFamily="50" charset="-127"/>
+                <a:ea typeface="굴림" charset="-127"/>
+              </a:defRPr>
+            </a:lvl4pPr>
+            <a:lvl5pPr marL="2057400" indent="-228600" latinLnBrk="1">
+              <a:defRPr kumimoji="1" sz="1200" b="1">
+                <a:solidFill>
+                  <a:schemeClr val="tx1"/>
+                </a:solidFill>
+                <a:latin typeface="돋움" pitchFamily="50" charset="-127"/>
+                <a:ea typeface="굴림" charset="-127"/>
+              </a:defRPr>
+            </a:lvl5pPr>
+            <a:lvl6pPr marL="2514600" indent="-228600" eaLnBrk="0" fontAlgn="base" hangingPunct="0">
+              <a:spcBef>
+                <a:spcPct val="0"/>
+              </a:spcBef>
+              <a:spcAft>
+                <a:spcPct val="0"/>
+              </a:spcAft>
+              <a:defRPr kumimoji="1" sz="1200" b="1">
+                <a:solidFill>
+                  <a:schemeClr val="tx1"/>
+                </a:solidFill>
+                <a:latin typeface="돋움" pitchFamily="50" charset="-127"/>
+                <a:ea typeface="굴림" charset="-127"/>
+              </a:defRPr>
+            </a:lvl6pPr>
+            <a:lvl7pPr marL="2971800" indent="-228600" eaLnBrk="0" fontAlgn="base" hangingPunct="0">
+              <a:spcBef>
+                <a:spcPct val="0"/>
+              </a:spcBef>
+              <a:spcAft>
+                <a:spcPct val="0"/>
+              </a:spcAft>
+              <a:defRPr kumimoji="1" sz="1200" b="1">
+                <a:solidFill>
+                  <a:schemeClr val="tx1"/>
+                </a:solidFill>
+                <a:latin typeface="돋움" pitchFamily="50" charset="-127"/>
+                <a:ea typeface="굴림" charset="-127"/>
+              </a:defRPr>
+            </a:lvl7pPr>
+            <a:lvl8pPr marL="3429000" indent="-228600" eaLnBrk="0" fontAlgn="base" hangingPunct="0">
+              <a:spcBef>
+                <a:spcPct val="0"/>
+              </a:spcBef>
+              <a:spcAft>
+                <a:spcPct val="0"/>
+              </a:spcAft>
+              <a:defRPr kumimoji="1" sz="1200" b="1">
+                <a:solidFill>
+                  <a:schemeClr val="tx1"/>
+                </a:solidFill>
+                <a:latin typeface="돋움" pitchFamily="50" charset="-127"/>
+                <a:ea typeface="굴림" charset="-127"/>
+              </a:defRPr>
+            </a:lvl8pPr>
+            <a:lvl9pPr marL="3886200" indent="-228600" eaLnBrk="0" fontAlgn="base" hangingPunct="0">
+              <a:spcBef>
+                <a:spcPct val="0"/>
+              </a:spcBef>
+              <a:spcAft>
+                <a:spcPct val="0"/>
+              </a:spcAft>
+              <a:defRPr kumimoji="1" sz="1200" b="1">
+                <a:solidFill>
+                  <a:schemeClr val="tx1"/>
+                </a:solidFill>
+                <a:latin typeface="돋움" pitchFamily="50" charset="-127"/>
+                <a:ea typeface="굴림" charset="-127"/>
+              </a:defRPr>
+            </a:lvl9pPr>
+          </a:lstStyle>
+          <a:p>
+            <a:pPr eaLnBrk="1" hangingPunct="1"/>
+            <a:r>
+              <a:rPr lang="ko-KR" altLang="en-US" sz="2000" dirty="0" smtClean="0">
+                <a:solidFill>
+                  <a:schemeClr val="bg1"/>
+                </a:solidFill>
+                <a:latin typeface="+mj-ea"/>
+                <a:ea typeface="+mj-ea"/>
+                <a:sym typeface="Wingdings" pitchFamily="2" charset="2"/>
+              </a:rPr>
+              <a:t> 모델 성능 평가</a:t>
+            </a:r>
+            <a:endParaRPr lang="en-US" altLang="ko-KR" sz="2000" dirty="0">
+              <a:solidFill>
+                <a:schemeClr val="bg1"/>
+              </a:solidFill>
+              <a:latin typeface="+mj-ea"/>
+              <a:ea typeface="+mj-ea"/>
+              <a:sym typeface="Wingdings" pitchFamily="2" charset="2"/>
+            </a:endParaRPr>
+          </a:p>
+        </p:txBody>
+      </p:sp>
+      <p:sp>
+        <p:nvSpPr>
+          <p:cNvPr id="11" name="Rectangle 41">
+            <a:extLst>
+              <a:ext uri="{FF2B5EF4-FFF2-40B4-BE49-F238E27FC236}">
+                <a16:creationId xmlns:a16="http://schemas.microsoft.com/office/drawing/2014/main" id="{83FF4C79-FD07-4B45-A74F-F47818CE5E37}"/>
+              </a:ext>
+            </a:extLst>
+          </p:cNvPr>
+          <p:cNvSpPr>
+            <a:spLocks noChangeArrowheads="1"/>
+          </p:cNvSpPr>
+          <p:nvPr/>
+        </p:nvSpPr>
+        <p:spPr bwMode="auto">
+          <a:xfrm>
+            <a:off x="488504" y="980727"/>
+            <a:ext cx="8928992" cy="432049"/>
+          </a:xfrm>
+          <a:prstGeom prst="rect">
+            <a:avLst/>
+          </a:prstGeom>
+          <a:noFill/>
+          <a:ln w="9525" algn="ctr">
+            <a:noFill/>
+            <a:miter lim="800000"/>
+            <a:headEnd/>
+            <a:tailEnd/>
+          </a:ln>
+          <a:effectLst/>
+        </p:spPr>
+        <p:txBody>
+          <a:bodyPr lIns="72000" tIns="0" rIns="0" bIns="0" anchor="t"/>
+          <a:lstStyle/>
+          <a:p>
+            <a:pPr latinLnBrk="0">
+              <a:lnSpc>
+                <a:spcPct val="150000"/>
+              </a:lnSpc>
+            </a:pPr>
+            <a:r>
+              <a:rPr lang="ko-KR" altLang="en-US" sz="1600" dirty="0" smtClean="0">
+                <a:latin typeface="+mj-ea"/>
+                <a:ea typeface="+mj-ea"/>
+              </a:rPr>
+              <a:t>데이터의 분할</a:t>
+            </a:r>
+            <a:endParaRPr lang="en-US" altLang="ko-KR" sz="1600" dirty="0" smtClean="0">
+              <a:latin typeface="+mj-ea"/>
+              <a:ea typeface="+mj-ea"/>
+            </a:endParaRPr>
+          </a:p>
+        </p:txBody>
+      </p:sp>
+    </p:spTree>
+    <p:extLst>
+      <p:ext uri="{BB962C8B-B14F-4D97-AF65-F5344CB8AC3E}">
+        <p14:creationId xmlns:p14="http://schemas.microsoft.com/office/powerpoint/2010/main" val="1536131984"/>
+      </p:ext>
+    </p:extLst>
+  </p:cSld>
+  <p:clrMapOvr>
+    <a:masterClrMapping/>
+  </p:clrMapOvr>
+</p:sld>
+</file>
+
+<file path=ppt/slides/slide5.xml><?xml version="1.0" encoding="utf-8"?>
+<p:sld xmlns:a="http://schemas.openxmlformats.org/drawingml/2006/main" xmlns:r="http://schemas.openxmlformats.org/officeDocument/2006/relationships" xmlns:p="http://schemas.openxmlformats.org/presentationml/2006/main">
+  <p:cSld>
+    <p:spTree>
+      <p:nvGrpSpPr>
+        <p:cNvPr id="1" name=""/>
+        <p:cNvGrpSpPr/>
+        <p:nvPr/>
+      </p:nvGrpSpPr>
+      <p:grpSpPr>
+        <a:xfrm>
+          <a:off x="0" y="0"/>
+          <a:ext cx="0" cy="0"/>
+          <a:chOff x="0" y="0"/>
+          <a:chExt cx="0" cy="0"/>
+        </a:xfrm>
+      </p:grpSpPr>
+      <p:sp>
+        <p:nvSpPr>
+          <p:cNvPr id="8" name="TextBox 7"/>
+          <p:cNvSpPr txBox="1"/>
+          <p:nvPr/>
+        </p:nvSpPr>
+        <p:spPr>
+          <a:xfrm>
+            <a:off x="-2300518" y="1591008"/>
+            <a:ext cx="1872208" cy="523220"/>
+          </a:xfrm>
+          <a:prstGeom prst="rect">
+            <a:avLst/>
+          </a:prstGeom>
+          <a:noFill/>
+        </p:spPr>
+        <p:txBody>
+          <a:bodyPr wrap="square" rtlCol="0">
+            <a:spAutoFit/>
+          </a:bodyPr>
+          <a:lstStyle/>
+          <a:p>
+            <a:r>
+              <a:rPr lang="en-US" altLang="ko-KR" dirty="0" smtClean="0"/>
+              <a:t>K-fold </a:t>
             </a:r>
             <a:r>
               <a:rPr lang="ko-KR" altLang="en-US" dirty="0" smtClean="0"/>
+              <a:t>교차 검증</a:t>
+            </a:r>
+            <a:endParaRPr lang="en-US" altLang="ko-KR" dirty="0" smtClean="0"/>
+          </a:p>
+          <a:p>
+            <a:endParaRPr lang="en-US" altLang="ko-KR" dirty="0" smtClean="0"/>
+          </a:p>
+        </p:txBody>
+      </p:sp>
+      <p:sp>
+        <p:nvSpPr>
+          <p:cNvPr id="9" name="TextBox 8"/>
+          <p:cNvSpPr txBox="1"/>
+          <p:nvPr/>
+        </p:nvSpPr>
+        <p:spPr>
+          <a:xfrm>
+            <a:off x="1647177" y="4509119"/>
+            <a:ext cx="6611644" cy="1142877"/>
+          </a:xfrm>
+          <a:prstGeom prst="rect">
+            <a:avLst/>
+          </a:prstGeom>
+          <a:solidFill>
+            <a:schemeClr val="bg1">
+              <a:lumMod val="95000"/>
+            </a:schemeClr>
+          </a:solidFill>
+        </p:spPr>
+        <p:txBody>
+          <a:bodyPr wrap="square" rtlCol="0">
+            <a:spAutoFit/>
+          </a:bodyPr>
+          <a:lstStyle/>
+          <a:p>
+            <a:pPr>
+              <a:lnSpc>
+                <a:spcPct val="150000"/>
+              </a:lnSpc>
+            </a:pPr>
+            <a:r>
+              <a:rPr lang="ko-KR" altLang="en-US" sz="1600" dirty="0" smtClean="0">
+                <a:solidFill>
+                  <a:schemeClr val="tx1">
+                    <a:lumMod val="65000"/>
+                    <a:lumOff val="35000"/>
+                  </a:schemeClr>
+                </a:solidFill>
+              </a:rPr>
+              <a:t>위의 그림과 같이 데이터를 </a:t>
+            </a:r>
+            <a:r>
+              <a:rPr lang="en-US" altLang="ko-KR" sz="1600" dirty="0" smtClean="0">
+                <a:solidFill>
+                  <a:schemeClr val="tx1">
+                    <a:lumMod val="65000"/>
+                    <a:lumOff val="35000"/>
+                  </a:schemeClr>
+                </a:solidFill>
+              </a:rPr>
+              <a:t>K </a:t>
+            </a:r>
+            <a:r>
+              <a:rPr lang="ko-KR" altLang="en-US" sz="1600" dirty="0" smtClean="0">
+                <a:solidFill>
+                  <a:schemeClr val="tx1">
+                    <a:lumMod val="65000"/>
+                    <a:lumOff val="35000"/>
+                  </a:schemeClr>
+                </a:solidFill>
+              </a:rPr>
+              <a:t>개의 그룹으로 분할하여 순차적으로 모델에 입력하여 평가하는 방법으로</a:t>
+            </a:r>
+            <a:r>
+              <a:rPr lang="en-US" altLang="ko-KR" sz="1600" dirty="0">
+                <a:solidFill>
+                  <a:schemeClr val="tx1">
+                    <a:lumMod val="65000"/>
+                    <a:lumOff val="35000"/>
+                  </a:schemeClr>
+                </a:solidFill>
+              </a:rPr>
               <a:t> </a:t>
             </a:r>
             <a:r>
-              <a:rPr lang="en-US" altLang="ko-KR" dirty="0" smtClean="0"/>
-              <a:t>= </a:t>
-            </a:r>
-            <a:r>
-              <a:rPr lang="ko-KR" altLang="en-US" dirty="0" smtClean="0"/>
-              <a:t>민감도</a:t>
-            </a:r>
-            <a:r>
-              <a:rPr lang="en-US" altLang="ko-KR" dirty="0" smtClean="0"/>
-              <a:t>, </a:t>
-            </a:r>
-            <a:r>
-              <a:rPr lang="ko-KR" altLang="en-US" dirty="0" smtClean="0"/>
-              <a:t>적중률</a:t>
-            </a:r>
-            <a:r>
-              <a:rPr lang="en-US" altLang="ko-KR" dirty="0" smtClean="0"/>
-              <a:t>, </a:t>
-            </a:r>
-            <a:r>
-              <a:rPr lang="ko-KR" altLang="en-US" dirty="0" smtClean="0"/>
-              <a:t>진짜 양성 비율</a:t>
-            </a:r>
-            <a:endParaRPr lang="en-US" altLang="ko-KR" dirty="0" smtClean="0"/>
-          </a:p>
-          <a:p>
-            <a:r>
-              <a:rPr lang="ko-KR" altLang="en-US" dirty="0" err="1" smtClean="0"/>
-              <a:t>재현율의</a:t>
-            </a:r>
-            <a:r>
-              <a:rPr lang="ko-KR" altLang="en-US" dirty="0" smtClean="0"/>
-              <a:t> 최적화와 정밀도의 최적화는 </a:t>
-            </a:r>
-            <a:r>
-              <a:rPr lang="en-US" altLang="ko-KR" dirty="0" smtClean="0"/>
-              <a:t>‘</a:t>
-            </a:r>
-            <a:r>
-              <a:rPr lang="ko-KR" altLang="en-US" dirty="0" smtClean="0"/>
-              <a:t>상충</a:t>
-            </a:r>
-            <a:r>
-              <a:rPr lang="en-US" altLang="ko-KR" dirty="0" smtClean="0"/>
-              <a:t>’</a:t>
-            </a:r>
-          </a:p>
-          <a:p>
-            <a:endParaRPr lang="en-US" altLang="ko-KR" dirty="0"/>
-          </a:p>
-          <a:p>
-            <a:r>
-              <a:rPr lang="en-US" altLang="ko-KR" dirty="0" smtClean="0"/>
-              <a:t>if&gt;  </a:t>
-            </a:r>
-            <a:r>
-              <a:rPr lang="en-US" altLang="ko-KR" dirty="0" err="1" smtClean="0"/>
-              <a:t>fn</a:t>
-            </a:r>
-            <a:r>
-              <a:rPr lang="ko-KR" altLang="en-US" dirty="0" smtClean="0"/>
-              <a:t>을 없애서 </a:t>
-            </a:r>
+              <a:rPr lang="ko-KR" altLang="en-US" sz="1600" dirty="0" smtClean="0">
+                <a:solidFill>
+                  <a:schemeClr val="tx1">
+                    <a:lumMod val="65000"/>
+                    <a:lumOff val="35000"/>
+                  </a:schemeClr>
+                </a:solidFill>
+              </a:rPr>
+              <a:t>각 </a:t>
+            </a:r>
+            <a:r>
+              <a:rPr lang="en-US" altLang="ko-KR" sz="1600" dirty="0" smtClean="0">
+                <a:solidFill>
+                  <a:schemeClr val="tx1">
+                    <a:lumMod val="65000"/>
+                    <a:lumOff val="35000"/>
+                  </a:schemeClr>
+                </a:solidFill>
+              </a:rPr>
+              <a:t>fold </a:t>
+            </a:r>
+            <a:r>
+              <a:rPr lang="ko-KR" altLang="en-US" sz="1600" dirty="0" smtClean="0">
+                <a:solidFill>
+                  <a:schemeClr val="tx1">
+                    <a:lumMod val="65000"/>
+                    <a:lumOff val="35000"/>
+                  </a:schemeClr>
+                </a:solidFill>
+              </a:rPr>
+              <a:t>마다의 결과값의 평균값을 이용해 전체 모델의 성능 평가를 진행한다</a:t>
+            </a:r>
+            <a:r>
+              <a:rPr lang="en-US" altLang="ko-KR" sz="1600" dirty="0" smtClean="0">
+                <a:solidFill>
+                  <a:schemeClr val="tx1">
+                    <a:lumMod val="65000"/>
+                    <a:lumOff val="35000"/>
+                  </a:schemeClr>
+                </a:solidFill>
+              </a:rPr>
+              <a:t>.</a:t>
+            </a:r>
+            <a:r>
+              <a:rPr lang="ko-KR" altLang="en-US" sz="1600" dirty="0" smtClean="0">
+                <a:solidFill>
+                  <a:schemeClr val="tx1">
+                    <a:lumMod val="65000"/>
+                    <a:lumOff val="35000"/>
+                  </a:schemeClr>
+                </a:solidFill>
+              </a:rPr>
+              <a:t>  </a:t>
+            </a:r>
+            <a:endParaRPr lang="en-US" altLang="ko-KR" sz="1600" dirty="0" smtClean="0">
+              <a:solidFill>
+                <a:schemeClr val="tx1">
+                  <a:lumMod val="65000"/>
+                  <a:lumOff val="35000"/>
+                </a:schemeClr>
+              </a:solidFill>
+            </a:endParaRPr>
+          </a:p>
+        </p:txBody>
+      </p:sp>
+      <p:sp>
+        <p:nvSpPr>
+          <p:cNvPr id="12" name="Rectangle 2"/>
+          <p:cNvSpPr txBox="1">
+            <a:spLocks noChangeArrowheads="1"/>
+          </p:cNvSpPr>
+          <p:nvPr/>
+        </p:nvSpPr>
+        <p:spPr bwMode="auto">
+          <a:xfrm>
+            <a:off x="128464" y="201122"/>
+            <a:ext cx="5400600" cy="400110"/>
+          </a:xfrm>
+          <a:prstGeom prst="rect">
+            <a:avLst/>
+          </a:prstGeom>
+          <a:noFill/>
+          <a:ln>
+            <a:noFill/>
+          </a:ln>
+          <a:extLst>
+            <a:ext uri="{909E8E84-426E-40DD-AFC4-6F175D3DCCD1}">
+              <a14:hiddenFill xmlns:a14="http://schemas.microsoft.com/office/drawing/2010/main">
+                <a:solidFill>
+                  <a:srgbClr val="FFFFFF"/>
+                </a:solidFill>
+              </a14:hiddenFill>
+            </a:ext>
+            <a:ext uri="{91240B29-F687-4F45-9708-019B960494DF}">
+              <a14:hiddenLine xmlns:a14="http://schemas.microsoft.com/office/drawing/2010/main" w="9525">
+                <a:solidFill>
+                  <a:srgbClr val="000000"/>
+                </a:solidFill>
+                <a:miter lim="800000"/>
+                <a:headEnd/>
+                <a:tailEnd/>
+              </a14:hiddenLine>
+            </a:ext>
+          </a:extLst>
+        </p:spPr>
+        <p:txBody>
+          <a:bodyPr wrap="square">
+            <a:spAutoFit/>
+          </a:bodyPr>
+          <a:lstStyle>
+            <a:lvl1pPr latinLnBrk="1">
+              <a:defRPr kumimoji="1" sz="1200" b="1">
+                <a:solidFill>
+                  <a:schemeClr val="tx1"/>
+                </a:solidFill>
+                <a:latin typeface="돋움" pitchFamily="50" charset="-127"/>
+                <a:ea typeface="굴림" charset="-127"/>
+              </a:defRPr>
+            </a:lvl1pPr>
+            <a:lvl2pPr marL="742950" indent="-285750" latinLnBrk="1">
+              <a:defRPr kumimoji="1" sz="1200" b="1">
+                <a:solidFill>
+                  <a:schemeClr val="tx1"/>
+                </a:solidFill>
+                <a:latin typeface="돋움" pitchFamily="50" charset="-127"/>
+                <a:ea typeface="굴림" charset="-127"/>
+              </a:defRPr>
+            </a:lvl2pPr>
+            <a:lvl3pPr marL="1143000" indent="-228600" latinLnBrk="1">
+              <a:defRPr kumimoji="1" sz="1200" b="1">
+                <a:solidFill>
+                  <a:schemeClr val="tx1"/>
+                </a:solidFill>
+                <a:latin typeface="돋움" pitchFamily="50" charset="-127"/>
+                <a:ea typeface="굴림" charset="-127"/>
+              </a:defRPr>
+            </a:lvl3pPr>
+            <a:lvl4pPr marL="1600200" indent="-228600" latinLnBrk="1">
+              <a:defRPr kumimoji="1" sz="1200" b="1">
+                <a:solidFill>
+                  <a:schemeClr val="tx1"/>
+                </a:solidFill>
+                <a:latin typeface="돋움" pitchFamily="50" charset="-127"/>
+                <a:ea typeface="굴림" charset="-127"/>
+              </a:defRPr>
+            </a:lvl4pPr>
+            <a:lvl5pPr marL="2057400" indent="-228600" latinLnBrk="1">
+              <a:defRPr kumimoji="1" sz="1200" b="1">
+                <a:solidFill>
+                  <a:schemeClr val="tx1"/>
+                </a:solidFill>
+                <a:latin typeface="돋움" pitchFamily="50" charset="-127"/>
+                <a:ea typeface="굴림" charset="-127"/>
+              </a:defRPr>
+            </a:lvl5pPr>
+            <a:lvl6pPr marL="2514600" indent="-228600" eaLnBrk="0" fontAlgn="base" hangingPunct="0">
+              <a:spcBef>
+                <a:spcPct val="0"/>
+              </a:spcBef>
+              <a:spcAft>
+                <a:spcPct val="0"/>
+              </a:spcAft>
+              <a:defRPr kumimoji="1" sz="1200" b="1">
+                <a:solidFill>
+                  <a:schemeClr val="tx1"/>
+                </a:solidFill>
+                <a:latin typeface="돋움" pitchFamily="50" charset="-127"/>
+                <a:ea typeface="굴림" charset="-127"/>
+              </a:defRPr>
+            </a:lvl6pPr>
+            <a:lvl7pPr marL="2971800" indent="-228600" eaLnBrk="0" fontAlgn="base" hangingPunct="0">
+              <a:spcBef>
+                <a:spcPct val="0"/>
+              </a:spcBef>
+              <a:spcAft>
+                <a:spcPct val="0"/>
+              </a:spcAft>
+              <a:defRPr kumimoji="1" sz="1200" b="1">
+                <a:solidFill>
+                  <a:schemeClr val="tx1"/>
+                </a:solidFill>
+                <a:latin typeface="돋움" pitchFamily="50" charset="-127"/>
+                <a:ea typeface="굴림" charset="-127"/>
+              </a:defRPr>
+            </a:lvl7pPr>
+            <a:lvl8pPr marL="3429000" indent="-228600" eaLnBrk="0" fontAlgn="base" hangingPunct="0">
+              <a:spcBef>
+                <a:spcPct val="0"/>
+              </a:spcBef>
+              <a:spcAft>
+                <a:spcPct val="0"/>
+              </a:spcAft>
+              <a:defRPr kumimoji="1" sz="1200" b="1">
+                <a:solidFill>
+                  <a:schemeClr val="tx1"/>
+                </a:solidFill>
+                <a:latin typeface="돋움" pitchFamily="50" charset="-127"/>
+                <a:ea typeface="굴림" charset="-127"/>
+              </a:defRPr>
+            </a:lvl8pPr>
+            <a:lvl9pPr marL="3886200" indent="-228600" eaLnBrk="0" fontAlgn="base" hangingPunct="0">
+              <a:spcBef>
+                <a:spcPct val="0"/>
+              </a:spcBef>
+              <a:spcAft>
+                <a:spcPct val="0"/>
+              </a:spcAft>
+              <a:defRPr kumimoji="1" sz="1200" b="1">
+                <a:solidFill>
+                  <a:schemeClr val="tx1"/>
+                </a:solidFill>
+                <a:latin typeface="돋움" pitchFamily="50" charset="-127"/>
+                <a:ea typeface="굴림" charset="-127"/>
+              </a:defRPr>
+            </a:lvl9pPr>
+          </a:lstStyle>
+          <a:p>
+            <a:pPr eaLnBrk="1" hangingPunct="1"/>
+            <a:r>
+              <a:rPr lang="ko-KR" altLang="en-US" sz="2000" dirty="0" smtClean="0">
+                <a:solidFill>
+                  <a:schemeClr val="bg1"/>
+                </a:solidFill>
+                <a:latin typeface="+mj-ea"/>
+                <a:ea typeface="+mj-ea"/>
+                <a:sym typeface="Wingdings" pitchFamily="2" charset="2"/>
+              </a:rPr>
+              <a:t> 모델의 성능 평가</a:t>
+            </a:r>
+            <a:endParaRPr lang="en-US" altLang="ko-KR" sz="2000" dirty="0">
+              <a:solidFill>
+                <a:schemeClr val="bg1"/>
+              </a:solidFill>
+              <a:latin typeface="+mj-ea"/>
+              <a:ea typeface="+mj-ea"/>
+              <a:sym typeface="Wingdings" pitchFamily="2" charset="2"/>
+            </a:endParaRPr>
+          </a:p>
+        </p:txBody>
+      </p:sp>
+      <p:pic>
+        <p:nvPicPr>
+          <p:cNvPr id="13" name="그림 12"/>
+          <p:cNvPicPr>
+            <a:picLocks noChangeAspect="1"/>
+          </p:cNvPicPr>
+          <p:nvPr/>
+        </p:nvPicPr>
+        <p:blipFill rotWithShape="1">
+          <a:blip r:embed="rId2"/>
+          <a:srcRect t="11623"/>
+          <a:stretch/>
+        </p:blipFill>
+        <p:spPr>
+          <a:xfrm>
+            <a:off x="1761979" y="1756393"/>
+            <a:ext cx="6382041" cy="2409109"/>
+          </a:xfrm>
+          <a:prstGeom prst="rect">
+            <a:avLst/>
+          </a:prstGeom>
+        </p:spPr>
+      </p:pic>
+      <p:sp>
+        <p:nvSpPr>
+          <p:cNvPr id="14" name="Rectangle 41">
+            <a:extLst>
+              <a:ext uri="{FF2B5EF4-FFF2-40B4-BE49-F238E27FC236}">
+                <a16:creationId xmlns:a16="http://schemas.microsoft.com/office/drawing/2014/main" id="{83FF4C79-FD07-4B45-A74F-F47818CE5E37}"/>
+              </a:ext>
+            </a:extLst>
+          </p:cNvPr>
+          <p:cNvSpPr>
+            <a:spLocks noChangeArrowheads="1"/>
+          </p:cNvSpPr>
+          <p:nvPr/>
+        </p:nvSpPr>
+        <p:spPr bwMode="auto">
+          <a:xfrm>
+            <a:off x="488504" y="980727"/>
+            <a:ext cx="8928992" cy="432049"/>
+          </a:xfrm>
+          <a:prstGeom prst="rect">
+            <a:avLst/>
+          </a:prstGeom>
+          <a:noFill/>
+          <a:ln w="9525" algn="ctr">
+            <a:noFill/>
+            <a:miter lim="800000"/>
+            <a:headEnd/>
+            <a:tailEnd/>
+          </a:ln>
+          <a:effectLst/>
+        </p:spPr>
+        <p:txBody>
+          <a:bodyPr lIns="72000" tIns="0" rIns="0" bIns="0" anchor="t"/>
+          <a:lstStyle/>
+          <a:p>
+            <a:pPr latinLnBrk="0">
+              <a:lnSpc>
+                <a:spcPct val="150000"/>
+              </a:lnSpc>
+            </a:pPr>
+            <a:r>
+              <a:rPr lang="en-US" altLang="ko-KR" sz="1600" dirty="0" smtClean="0">
+                <a:latin typeface="+mj-ea"/>
+                <a:ea typeface="+mj-ea"/>
+              </a:rPr>
+              <a:t>K-fold Cross Validation</a:t>
+            </a:r>
+          </a:p>
+        </p:txBody>
+      </p:sp>
+    </p:spTree>
+    <p:extLst>
+      <p:ext uri="{BB962C8B-B14F-4D97-AF65-F5344CB8AC3E}">
+        <p14:creationId xmlns:p14="http://schemas.microsoft.com/office/powerpoint/2010/main" val="2413400924"/>
+      </p:ext>
+    </p:extLst>
+  </p:cSld>
+  <p:clrMapOvr>
+    <a:masterClrMapping/>
+  </p:clrMapOvr>
+</p:sld>
+</file>
+
+<file path=ppt/slides/slide6.xml><?xml version="1.0" encoding="utf-8"?>
+<p:sld xmlns:a="http://schemas.openxmlformats.org/drawingml/2006/main" xmlns:r="http://schemas.openxmlformats.org/officeDocument/2006/relationships" xmlns:p="http://schemas.openxmlformats.org/presentationml/2006/main">
+  <p:cSld>
+    <p:spTree>
+      <p:nvGrpSpPr>
+        <p:cNvPr id="1" name=""/>
+        <p:cNvGrpSpPr/>
+        <p:nvPr/>
+      </p:nvGrpSpPr>
+      <p:grpSpPr>
+        <a:xfrm>
+          <a:off x="0" y="0"/>
+          <a:ext cx="0" cy="0"/>
+          <a:chOff x="0" y="0"/>
+          <a:chExt cx="0" cy="0"/>
+        </a:xfrm>
+      </p:grpSpPr>
+      <p:sp>
+        <p:nvSpPr>
+          <p:cNvPr id="4" name="슬라이드 번호 개체 틀 3"/>
+          <p:cNvSpPr>
+            <a:spLocks noGrp="1"/>
+          </p:cNvSpPr>
+          <p:nvPr>
+            <p:ph type="sldNum" sz="quarter" idx="12"/>
+          </p:nvPr>
+        </p:nvSpPr>
+        <p:spPr/>
+        <p:txBody>
+          <a:bodyPr/>
+          <a:lstStyle/>
+          <a:p>
+            <a:fld id="{33796E3F-F6B7-490E-938A-9F8EC05675D0}" type="slidenum">
+              <a:rPr lang="ko-KR" altLang="en-US" smtClean="0"/>
+              <a:pPr/>
+              <a:t>5</a:t>
+            </a:fld>
+            <a:endParaRPr lang="ko-KR" altLang="en-US"/>
+          </a:p>
+        </p:txBody>
+      </p:sp>
+      <p:sp>
+        <p:nvSpPr>
+          <p:cNvPr id="6" name="TextBox 5"/>
+          <p:cNvSpPr txBox="1"/>
+          <p:nvPr/>
+        </p:nvSpPr>
+        <p:spPr>
+          <a:xfrm>
+            <a:off x="1136576" y="1463580"/>
+            <a:ext cx="8568952" cy="5493812"/>
+          </a:xfrm>
+          <a:prstGeom prst="rect">
+            <a:avLst/>
+          </a:prstGeom>
+          <a:noFill/>
+        </p:spPr>
+        <p:txBody>
+          <a:bodyPr wrap="square" rtlCol="0">
+            <a:spAutoFit/>
+          </a:bodyPr>
+          <a:lstStyle/>
+          <a:p>
+            <a:pPr>
+              <a:lnSpc>
+                <a:spcPct val="150000"/>
+              </a:lnSpc>
+            </a:pPr>
+            <a:r>
+              <a:rPr lang="en-US" altLang="ko-KR" sz="1600" dirty="0" smtClean="0"/>
+              <a:t>SSE(Sum </a:t>
+            </a:r>
+            <a:r>
+              <a:rPr lang="en-US" altLang="ko-KR" sz="1600" dirty="0"/>
+              <a:t>S</a:t>
+            </a:r>
+            <a:r>
+              <a:rPr lang="en-US" altLang="ko-KR" sz="1600" dirty="0" smtClean="0"/>
+              <a:t>quared Error) </a:t>
+            </a:r>
+          </a:p>
+          <a:p>
+            <a:pPr>
+              <a:lnSpc>
+                <a:spcPct val="150000"/>
+              </a:lnSpc>
+            </a:pPr>
+            <a:r>
+              <a:rPr lang="ko-KR" altLang="en-US" b="0" dirty="0" smtClean="0"/>
+              <a:t>  </a:t>
+            </a:r>
+            <a:r>
+              <a:rPr lang="ko-KR" altLang="en-US" b="0" dirty="0" err="1" smtClean="0"/>
+              <a:t>실제값과</a:t>
+            </a:r>
+            <a:r>
+              <a:rPr lang="ko-KR" altLang="en-US" b="0" dirty="0" smtClean="0"/>
+              <a:t> </a:t>
+            </a:r>
+            <a:r>
+              <a:rPr lang="ko-KR" altLang="en-US" b="0" dirty="0" err="1" smtClean="0"/>
+              <a:t>예측값의</a:t>
+            </a:r>
+            <a:r>
+              <a:rPr lang="ko-KR" altLang="en-US" b="0" dirty="0" smtClean="0"/>
+              <a:t> 차이를 제곱하여 전부 더한 값이다</a:t>
+            </a:r>
+            <a:r>
+              <a:rPr lang="en-US" altLang="ko-KR" b="0" dirty="0" smtClean="0"/>
+              <a:t>. </a:t>
+            </a:r>
+          </a:p>
+          <a:p>
+            <a:pPr>
+              <a:lnSpc>
+                <a:spcPct val="150000"/>
+              </a:lnSpc>
+            </a:pPr>
+            <a:r>
+              <a:rPr lang="ko-KR" altLang="en-US" b="0" dirty="0" smtClean="0"/>
+              <a:t>실제로 회귀 모형을 평가할 때 자주 쓰이는 지표</a:t>
+            </a:r>
+            <a:r>
+              <a:rPr lang="en-US" altLang="ko-KR" b="0" dirty="0" smtClean="0"/>
+              <a:t/>
+            </a:r>
+            <a:br>
+              <a:rPr lang="en-US" altLang="ko-KR" b="0" dirty="0" smtClean="0"/>
+            </a:br>
+            <a:r>
+              <a:rPr lang="en-US" altLang="ko-KR" b="0" dirty="0" smtClean="0"/>
+              <a:t> </a:t>
+            </a:r>
+          </a:p>
+          <a:p>
+            <a:pPr>
+              <a:lnSpc>
+                <a:spcPct val="150000"/>
+              </a:lnSpc>
+            </a:pPr>
+            <a:r>
+              <a:rPr lang="ko-KR" altLang="en-US" sz="1600" dirty="0" err="1" smtClean="0"/>
+              <a:t>결정계수</a:t>
+            </a:r>
+            <a:r>
+              <a:rPr lang="en-US" altLang="ko-KR" sz="1600" dirty="0" smtClean="0"/>
+              <a:t>(R square)</a:t>
+            </a:r>
+            <a:r>
+              <a:rPr lang="ko-KR" altLang="en-US" sz="1600" dirty="0" smtClean="0"/>
+              <a:t> </a:t>
+            </a:r>
+            <a:endParaRPr lang="en-US" altLang="ko-KR" sz="1600" dirty="0"/>
+          </a:p>
+          <a:p>
+            <a:pPr>
+              <a:lnSpc>
+                <a:spcPct val="150000"/>
+              </a:lnSpc>
+            </a:pPr>
+            <a:r>
+              <a:rPr lang="ko-KR" altLang="en-US" b="0" dirty="0" smtClean="0"/>
+              <a:t> 선형 회귀분석의 성능 검증 지표로 많이 사용한다</a:t>
+            </a:r>
+            <a:r>
+              <a:rPr lang="en-US" altLang="ko-KR" b="0" dirty="0" smtClean="0"/>
+              <a:t>.</a:t>
+            </a:r>
+            <a:r>
+              <a:rPr lang="ko-KR" altLang="en-US" b="0" dirty="0" smtClean="0"/>
+              <a:t> </a:t>
+            </a:r>
+            <a:endParaRPr lang="en-US" altLang="ko-KR" b="0" dirty="0" smtClean="0"/>
+          </a:p>
+          <a:p>
+            <a:pPr>
+              <a:lnSpc>
+                <a:spcPct val="150000"/>
+              </a:lnSpc>
+            </a:pPr>
+            <a:r>
+              <a:rPr lang="ko-KR" altLang="en-US" b="0" dirty="0" smtClean="0"/>
+              <a:t> </a:t>
+            </a:r>
+            <a:r>
+              <a:rPr lang="en-US" altLang="ko-KR" b="0" dirty="0" smtClean="0"/>
+              <a:t>(</a:t>
+            </a:r>
+            <a:r>
+              <a:rPr lang="ko-KR" altLang="en-US" b="0" dirty="0" err="1" smtClean="0"/>
+              <a:t>회귀모형이</a:t>
+            </a:r>
+            <a:r>
+              <a:rPr lang="ko-KR" altLang="en-US" b="0" dirty="0" smtClean="0"/>
+              <a:t> 얼마나 잘 </a:t>
+            </a:r>
+            <a:r>
+              <a:rPr lang="ko-KR" altLang="en-US" b="0" dirty="0" err="1" smtClean="0"/>
+              <a:t>적합하는지에</a:t>
+            </a:r>
+            <a:r>
+              <a:rPr lang="ko-KR" altLang="en-US" b="0" dirty="0" smtClean="0"/>
+              <a:t> 대한 비율</a:t>
+            </a:r>
+            <a:r>
+              <a:rPr lang="en-US" altLang="ko-KR" b="0" dirty="0" smtClean="0"/>
+              <a:t>)</a:t>
+            </a:r>
+            <a:br>
+              <a:rPr lang="en-US" altLang="ko-KR" b="0" dirty="0" smtClean="0"/>
+            </a:br>
+            <a:endParaRPr lang="en-US" altLang="ko-KR" b="0" dirty="0" smtClean="0"/>
+          </a:p>
+          <a:p>
+            <a:pPr>
+              <a:lnSpc>
+                <a:spcPct val="150000"/>
+              </a:lnSpc>
+            </a:pPr>
+            <a:r>
+              <a:rPr lang="en-US" altLang="ko-KR" sz="1600" dirty="0" smtClean="0"/>
+              <a:t>MAE(Mean Absolute Error)</a:t>
+            </a:r>
+          </a:p>
+          <a:p>
+            <a:pPr>
+              <a:lnSpc>
+                <a:spcPct val="150000"/>
+              </a:lnSpc>
+            </a:pPr>
+            <a:r>
+              <a:rPr lang="en-US" altLang="ko-KR" b="0" dirty="0"/>
+              <a:t> </a:t>
+            </a:r>
+            <a:r>
+              <a:rPr lang="ko-KR" altLang="en-US" b="0" dirty="0" smtClean="0"/>
+              <a:t>오차 절대값의 평균</a:t>
+            </a:r>
+            <a:r>
+              <a:rPr lang="en-US" altLang="ko-KR" b="0" dirty="0" smtClean="0"/>
+              <a:t/>
+            </a:r>
+            <a:br>
+              <a:rPr lang="en-US" altLang="ko-KR" b="0" dirty="0" smtClean="0"/>
+            </a:br>
+            <a:endParaRPr lang="en-US" altLang="ko-KR" sz="1600" dirty="0" smtClean="0"/>
+          </a:p>
+          <a:p>
+            <a:pPr>
+              <a:lnSpc>
+                <a:spcPct val="150000"/>
+              </a:lnSpc>
+            </a:pPr>
+            <a:r>
+              <a:rPr lang="en-US" altLang="ko-KR" sz="1600" dirty="0" smtClean="0"/>
+              <a:t>MAPE(Mean Absolute Percentage Error)</a:t>
+            </a:r>
+          </a:p>
+          <a:p>
+            <a:pPr>
+              <a:lnSpc>
+                <a:spcPct val="150000"/>
+              </a:lnSpc>
+            </a:pPr>
+            <a:r>
+              <a:rPr lang="en-US" altLang="ko-KR" b="0" dirty="0"/>
+              <a:t> </a:t>
+            </a:r>
+            <a:r>
+              <a:rPr lang="en-US" altLang="ko-KR" b="0" dirty="0" smtClean="0"/>
+              <a:t> MAE</a:t>
+            </a:r>
+            <a:r>
+              <a:rPr lang="ko-KR" altLang="en-US" b="0" dirty="0" smtClean="0"/>
+              <a:t>를 계산할 때 </a:t>
+            </a:r>
+            <a:r>
+              <a:rPr lang="ko-KR" altLang="en-US" b="0" dirty="0" err="1" smtClean="0"/>
+              <a:t>실제값에</a:t>
+            </a:r>
+            <a:r>
+              <a:rPr lang="ko-KR" altLang="en-US" b="0" dirty="0" smtClean="0"/>
+              <a:t> 대한 상대적인 비율을 고려하여 계산</a:t>
+            </a:r>
+            <a:endParaRPr lang="en-US" altLang="ko-KR" b="0" dirty="0" smtClean="0"/>
+          </a:p>
+          <a:p>
+            <a:pPr>
+              <a:lnSpc>
+                <a:spcPct val="150000"/>
+              </a:lnSpc>
+            </a:pPr>
+            <a:endParaRPr lang="en-US" altLang="ko-KR" b="0" dirty="0"/>
+          </a:p>
+          <a:p>
+            <a:pPr>
+              <a:lnSpc>
+                <a:spcPct val="150000"/>
+              </a:lnSpc>
+            </a:pPr>
+            <a:endParaRPr lang="en-US" altLang="ko-KR" b="0" dirty="0" smtClean="0"/>
+          </a:p>
+          <a:p>
+            <a:pPr>
+              <a:lnSpc>
+                <a:spcPct val="150000"/>
+              </a:lnSpc>
+            </a:pPr>
+            <a:endParaRPr lang="en-US" altLang="ko-KR" b="0" dirty="0" smtClean="0"/>
+          </a:p>
+        </p:txBody>
+      </p:sp>
+      <p:pic>
+        <p:nvPicPr>
+          <p:cNvPr id="7" name="그림 6"/>
+          <p:cNvPicPr>
+            <a:picLocks noChangeAspect="1"/>
+          </p:cNvPicPr>
+          <p:nvPr/>
+        </p:nvPicPr>
+        <p:blipFill>
+          <a:blip r:embed="rId2"/>
+          <a:stretch>
+            <a:fillRect/>
+          </a:stretch>
+        </p:blipFill>
+        <p:spPr>
+          <a:xfrm>
+            <a:off x="6677843" y="1800502"/>
+            <a:ext cx="1868912" cy="603256"/>
+          </a:xfrm>
+          <a:prstGeom prst="rect">
+            <a:avLst/>
+          </a:prstGeom>
+        </p:spPr>
+      </p:pic>
+      <p:pic>
+        <p:nvPicPr>
+          <p:cNvPr id="8" name="그림 7"/>
+          <p:cNvPicPr>
+            <a:picLocks noChangeAspect="1"/>
+          </p:cNvPicPr>
+          <p:nvPr/>
+        </p:nvPicPr>
+        <p:blipFill>
+          <a:blip r:embed="rId3"/>
+          <a:stretch>
+            <a:fillRect/>
+          </a:stretch>
+        </p:blipFill>
+        <p:spPr>
+          <a:xfrm>
+            <a:off x="6731243" y="2835806"/>
+            <a:ext cx="1848717" cy="1096142"/>
+          </a:xfrm>
+          <a:prstGeom prst="rect">
+            <a:avLst/>
+          </a:prstGeom>
+        </p:spPr>
+      </p:pic>
+      <p:pic>
+        <p:nvPicPr>
+          <p:cNvPr id="9" name="그림 8"/>
+          <p:cNvPicPr>
+            <a:picLocks noChangeAspect="1"/>
+          </p:cNvPicPr>
+          <p:nvPr/>
+        </p:nvPicPr>
+        <p:blipFill>
+          <a:blip r:embed="rId4"/>
+          <a:stretch>
+            <a:fillRect/>
+          </a:stretch>
+        </p:blipFill>
+        <p:spPr>
+          <a:xfrm>
+            <a:off x="6731072" y="4271957"/>
+            <a:ext cx="1815683" cy="561856"/>
+          </a:xfrm>
+          <a:prstGeom prst="rect">
+            <a:avLst/>
+          </a:prstGeom>
+        </p:spPr>
+      </p:pic>
+      <p:pic>
+        <p:nvPicPr>
+          <p:cNvPr id="10" name="그림 9"/>
+          <p:cNvPicPr>
+            <a:picLocks noChangeAspect="1"/>
+          </p:cNvPicPr>
+          <p:nvPr/>
+        </p:nvPicPr>
+        <p:blipFill>
+          <a:blip r:embed="rId5"/>
+          <a:stretch>
+            <a:fillRect/>
+          </a:stretch>
+        </p:blipFill>
+        <p:spPr>
+          <a:xfrm>
+            <a:off x="6731072" y="5307005"/>
+            <a:ext cx="2182368" cy="715627"/>
+          </a:xfrm>
+          <a:prstGeom prst="rect">
+            <a:avLst/>
+          </a:prstGeom>
+        </p:spPr>
+      </p:pic>
+      <p:sp>
+        <p:nvSpPr>
+          <p:cNvPr id="19" name="Rectangle 2"/>
+          <p:cNvSpPr txBox="1">
+            <a:spLocks noChangeArrowheads="1"/>
+          </p:cNvSpPr>
+          <p:nvPr/>
+        </p:nvSpPr>
+        <p:spPr bwMode="auto">
+          <a:xfrm>
+            <a:off x="128464" y="201122"/>
+            <a:ext cx="5400600" cy="400110"/>
+          </a:xfrm>
+          <a:prstGeom prst="rect">
+            <a:avLst/>
+          </a:prstGeom>
+          <a:noFill/>
+          <a:ln>
+            <a:noFill/>
+          </a:ln>
+          <a:extLst>
+            <a:ext uri="{909E8E84-426E-40DD-AFC4-6F175D3DCCD1}">
+              <a14:hiddenFill xmlns:a14="http://schemas.microsoft.com/office/drawing/2010/main">
+                <a:solidFill>
+                  <a:srgbClr val="FFFFFF"/>
+                </a:solidFill>
+              </a14:hiddenFill>
+            </a:ext>
+            <a:ext uri="{91240B29-F687-4F45-9708-019B960494DF}">
+              <a14:hiddenLine xmlns:a14="http://schemas.microsoft.com/office/drawing/2010/main" w="9525">
+                <a:solidFill>
+                  <a:srgbClr val="000000"/>
+                </a:solidFill>
+                <a:miter lim="800000"/>
+                <a:headEnd/>
+                <a:tailEnd/>
+              </a14:hiddenLine>
+            </a:ext>
+          </a:extLst>
+        </p:spPr>
+        <p:txBody>
+          <a:bodyPr wrap="square">
+            <a:spAutoFit/>
+          </a:bodyPr>
+          <a:lstStyle>
+            <a:lvl1pPr latinLnBrk="1">
+              <a:defRPr kumimoji="1" sz="1200" b="1">
+                <a:solidFill>
+                  <a:schemeClr val="tx1"/>
+                </a:solidFill>
+                <a:latin typeface="돋움" pitchFamily="50" charset="-127"/>
+                <a:ea typeface="굴림" charset="-127"/>
+              </a:defRPr>
+            </a:lvl1pPr>
+            <a:lvl2pPr marL="742950" indent="-285750" latinLnBrk="1">
+              <a:defRPr kumimoji="1" sz="1200" b="1">
+                <a:solidFill>
+                  <a:schemeClr val="tx1"/>
+                </a:solidFill>
+                <a:latin typeface="돋움" pitchFamily="50" charset="-127"/>
+                <a:ea typeface="굴림" charset="-127"/>
+              </a:defRPr>
+            </a:lvl2pPr>
+            <a:lvl3pPr marL="1143000" indent="-228600" latinLnBrk="1">
+              <a:defRPr kumimoji="1" sz="1200" b="1">
+                <a:solidFill>
+                  <a:schemeClr val="tx1"/>
+                </a:solidFill>
+                <a:latin typeface="돋움" pitchFamily="50" charset="-127"/>
+                <a:ea typeface="굴림" charset="-127"/>
+              </a:defRPr>
+            </a:lvl3pPr>
+            <a:lvl4pPr marL="1600200" indent="-228600" latinLnBrk="1">
+              <a:defRPr kumimoji="1" sz="1200" b="1">
+                <a:solidFill>
+                  <a:schemeClr val="tx1"/>
+                </a:solidFill>
+                <a:latin typeface="돋움" pitchFamily="50" charset="-127"/>
+                <a:ea typeface="굴림" charset="-127"/>
+              </a:defRPr>
+            </a:lvl4pPr>
+            <a:lvl5pPr marL="2057400" indent="-228600" latinLnBrk="1">
+              <a:defRPr kumimoji="1" sz="1200" b="1">
+                <a:solidFill>
+                  <a:schemeClr val="tx1"/>
+                </a:solidFill>
+                <a:latin typeface="돋움" pitchFamily="50" charset="-127"/>
+                <a:ea typeface="굴림" charset="-127"/>
+              </a:defRPr>
+            </a:lvl5pPr>
+            <a:lvl6pPr marL="2514600" indent="-228600" eaLnBrk="0" fontAlgn="base" hangingPunct="0">
+              <a:spcBef>
+                <a:spcPct val="0"/>
+              </a:spcBef>
+              <a:spcAft>
+                <a:spcPct val="0"/>
+              </a:spcAft>
+              <a:defRPr kumimoji="1" sz="1200" b="1">
+                <a:solidFill>
+                  <a:schemeClr val="tx1"/>
+                </a:solidFill>
+                <a:latin typeface="돋움" pitchFamily="50" charset="-127"/>
+                <a:ea typeface="굴림" charset="-127"/>
+              </a:defRPr>
+            </a:lvl6pPr>
+            <a:lvl7pPr marL="2971800" indent="-228600" eaLnBrk="0" fontAlgn="base" hangingPunct="0">
+              <a:spcBef>
+                <a:spcPct val="0"/>
+              </a:spcBef>
+              <a:spcAft>
+                <a:spcPct val="0"/>
+              </a:spcAft>
+              <a:defRPr kumimoji="1" sz="1200" b="1">
+                <a:solidFill>
+                  <a:schemeClr val="tx1"/>
+                </a:solidFill>
+                <a:latin typeface="돋움" pitchFamily="50" charset="-127"/>
+                <a:ea typeface="굴림" charset="-127"/>
+              </a:defRPr>
+            </a:lvl7pPr>
+            <a:lvl8pPr marL="3429000" indent="-228600" eaLnBrk="0" fontAlgn="base" hangingPunct="0">
+              <a:spcBef>
+                <a:spcPct val="0"/>
+              </a:spcBef>
+              <a:spcAft>
+                <a:spcPct val="0"/>
+              </a:spcAft>
+              <a:defRPr kumimoji="1" sz="1200" b="1">
+                <a:solidFill>
+                  <a:schemeClr val="tx1"/>
+                </a:solidFill>
+                <a:latin typeface="돋움" pitchFamily="50" charset="-127"/>
+                <a:ea typeface="굴림" charset="-127"/>
+              </a:defRPr>
+            </a:lvl8pPr>
+            <a:lvl9pPr marL="3886200" indent="-228600" eaLnBrk="0" fontAlgn="base" hangingPunct="0">
+              <a:spcBef>
+                <a:spcPct val="0"/>
+              </a:spcBef>
+              <a:spcAft>
+                <a:spcPct val="0"/>
+              </a:spcAft>
+              <a:defRPr kumimoji="1" sz="1200" b="1">
+                <a:solidFill>
+                  <a:schemeClr val="tx1"/>
+                </a:solidFill>
+                <a:latin typeface="돋움" pitchFamily="50" charset="-127"/>
+                <a:ea typeface="굴림" charset="-127"/>
+              </a:defRPr>
+            </a:lvl9pPr>
+          </a:lstStyle>
+          <a:p>
+            <a:pPr eaLnBrk="1" hangingPunct="1"/>
+            <a:r>
+              <a:rPr lang="ko-KR" altLang="en-US" sz="2000" dirty="0" smtClean="0">
+                <a:solidFill>
+                  <a:schemeClr val="bg1"/>
+                </a:solidFill>
+                <a:latin typeface="+mj-ea"/>
+                <a:ea typeface="+mj-ea"/>
+                <a:sym typeface="Wingdings" pitchFamily="2" charset="2"/>
+              </a:rPr>
+              <a:t> 모델의 성능 평가 지표</a:t>
+            </a:r>
+            <a:endParaRPr lang="en-US" altLang="ko-KR" sz="2000" dirty="0">
+              <a:solidFill>
+                <a:schemeClr val="bg1"/>
+              </a:solidFill>
+              <a:latin typeface="+mj-ea"/>
+              <a:ea typeface="+mj-ea"/>
+              <a:sym typeface="Wingdings" pitchFamily="2" charset="2"/>
+            </a:endParaRPr>
+          </a:p>
+        </p:txBody>
+      </p:sp>
+      <p:sp>
+        <p:nvSpPr>
+          <p:cNvPr id="21" name="Rectangle 41">
+            <a:extLst>
+              <a:ext uri="{FF2B5EF4-FFF2-40B4-BE49-F238E27FC236}">
+                <a16:creationId xmlns:a16="http://schemas.microsoft.com/office/drawing/2014/main" id="{83FF4C79-FD07-4B45-A74F-F47818CE5E37}"/>
+              </a:ext>
+            </a:extLst>
+          </p:cNvPr>
+          <p:cNvSpPr>
+            <a:spLocks noChangeArrowheads="1"/>
+          </p:cNvSpPr>
+          <p:nvPr/>
+        </p:nvSpPr>
+        <p:spPr bwMode="auto">
+          <a:xfrm>
+            <a:off x="488504" y="980727"/>
+            <a:ext cx="8928992" cy="432049"/>
+          </a:xfrm>
+          <a:prstGeom prst="rect">
+            <a:avLst/>
+          </a:prstGeom>
+          <a:noFill/>
+          <a:ln w="9525" algn="ctr">
+            <a:noFill/>
+            <a:miter lim="800000"/>
+            <a:headEnd/>
+            <a:tailEnd/>
+          </a:ln>
+          <a:effectLst/>
+        </p:spPr>
+        <p:txBody>
+          <a:bodyPr lIns="72000" tIns="0" rIns="0" bIns="0" anchor="t"/>
+          <a:lstStyle/>
+          <a:p>
+            <a:pPr latinLnBrk="0">
+              <a:lnSpc>
+                <a:spcPct val="150000"/>
+              </a:lnSpc>
+            </a:pPr>
+            <a:r>
+              <a:rPr lang="ko-KR" altLang="en-US" sz="1600" dirty="0" smtClean="0">
+                <a:latin typeface="+mj-ea"/>
+                <a:ea typeface="+mj-ea"/>
+              </a:rPr>
+              <a:t>회귀 모형의 성능 평가 지표</a:t>
+            </a:r>
+            <a:endParaRPr lang="en-US" altLang="ko-KR" sz="1600" dirty="0" smtClean="0">
+              <a:latin typeface="+mj-ea"/>
+              <a:ea typeface="+mj-ea"/>
+            </a:endParaRPr>
+          </a:p>
+        </p:txBody>
+      </p:sp>
+      <p:sp>
+        <p:nvSpPr>
+          <p:cNvPr id="28" name="직사각형 27"/>
+          <p:cNvSpPr/>
+          <p:nvPr/>
+        </p:nvSpPr>
+        <p:spPr>
+          <a:xfrm>
+            <a:off x="971204" y="2691790"/>
+            <a:ext cx="7942235" cy="1300218"/>
+          </a:xfrm>
+          <a:prstGeom prst="rect">
+            <a:avLst/>
+          </a:prstGeom>
+          <a:noFill/>
+          <a:ln>
+            <a:solidFill>
+              <a:srgbClr val="008080"/>
+            </a:solidFill>
+          </a:ln>
+        </p:spPr>
+        <p:style>
+          <a:lnRef idx="2">
+            <a:schemeClr val="accent1">
+              <a:shade val="50000"/>
+            </a:schemeClr>
+          </a:lnRef>
+          <a:fillRef idx="1">
+            <a:schemeClr val="accent1"/>
+          </a:fillRef>
+          <a:effectRef idx="0">
+            <a:schemeClr val="accent1"/>
+          </a:effectRef>
+          <a:fontRef idx="minor">
+            <a:schemeClr val="lt1"/>
+          </a:fontRef>
+        </p:style>
+        <p:txBody>
+          <a:bodyPr rtlCol="0" anchor="ctr"/>
+          <a:lstStyle/>
+          <a:p>
+            <a:pPr algn="ctr"/>
+            <a:endParaRPr lang="ko-KR" altLang="en-US"/>
+          </a:p>
+        </p:txBody>
+      </p:sp>
+      <p:sp>
+        <p:nvSpPr>
+          <p:cNvPr id="29" name="직사각형 28"/>
+          <p:cNvSpPr/>
+          <p:nvPr/>
+        </p:nvSpPr>
+        <p:spPr>
+          <a:xfrm>
+            <a:off x="971203" y="3987934"/>
+            <a:ext cx="7942235" cy="977505"/>
+          </a:xfrm>
+          <a:prstGeom prst="rect">
+            <a:avLst/>
+          </a:prstGeom>
+          <a:noFill/>
+          <a:ln>
+            <a:solidFill>
+              <a:srgbClr val="008080"/>
+            </a:solidFill>
+          </a:ln>
+        </p:spPr>
+        <p:style>
+          <a:lnRef idx="2">
+            <a:schemeClr val="accent1">
+              <a:shade val="50000"/>
+            </a:schemeClr>
+          </a:lnRef>
+          <a:fillRef idx="1">
+            <a:schemeClr val="accent1"/>
+          </a:fillRef>
+          <a:effectRef idx="0">
+            <a:schemeClr val="accent1"/>
+          </a:effectRef>
+          <a:fontRef idx="minor">
+            <a:schemeClr val="lt1"/>
+          </a:fontRef>
+        </p:style>
+        <p:txBody>
+          <a:bodyPr rtlCol="0" anchor="ctr"/>
+          <a:lstStyle/>
+          <a:p>
+            <a:pPr algn="ctr"/>
+            <a:endParaRPr lang="ko-KR" altLang="en-US"/>
+          </a:p>
+        </p:txBody>
+      </p:sp>
+      <p:sp>
+        <p:nvSpPr>
+          <p:cNvPr id="30" name="직사각형 29"/>
+          <p:cNvSpPr/>
+          <p:nvPr/>
+        </p:nvSpPr>
+        <p:spPr>
+          <a:xfrm>
+            <a:off x="971202" y="4965439"/>
+            <a:ext cx="7942235" cy="1264750"/>
+          </a:xfrm>
+          <a:prstGeom prst="rect">
+            <a:avLst/>
+          </a:prstGeom>
+          <a:noFill/>
+          <a:ln>
+            <a:solidFill>
+              <a:srgbClr val="008080"/>
+            </a:solidFill>
+          </a:ln>
+        </p:spPr>
+        <p:style>
+          <a:lnRef idx="2">
+            <a:schemeClr val="accent1">
+              <a:shade val="50000"/>
+            </a:schemeClr>
+          </a:lnRef>
+          <a:fillRef idx="1">
+            <a:schemeClr val="accent1"/>
+          </a:fillRef>
+          <a:effectRef idx="0">
+            <a:schemeClr val="accent1"/>
+          </a:effectRef>
+          <a:fontRef idx="minor">
+            <a:schemeClr val="lt1"/>
+          </a:fontRef>
+        </p:style>
+        <p:txBody>
+          <a:bodyPr rtlCol="0" anchor="ctr"/>
+          <a:lstStyle/>
+          <a:p>
+            <a:pPr algn="ctr"/>
+            <a:endParaRPr lang="ko-KR" altLang="en-US"/>
+          </a:p>
+        </p:txBody>
+      </p:sp>
+      <p:sp>
+        <p:nvSpPr>
+          <p:cNvPr id="22" name="직사각형 21"/>
+          <p:cNvSpPr/>
+          <p:nvPr/>
+        </p:nvSpPr>
+        <p:spPr>
+          <a:xfrm>
+            <a:off x="971205" y="1395646"/>
+            <a:ext cx="7942235" cy="1300218"/>
+          </a:xfrm>
+          <a:prstGeom prst="rect">
+            <a:avLst/>
+          </a:prstGeom>
+          <a:noFill/>
+          <a:ln>
+            <a:solidFill>
+              <a:srgbClr val="008080"/>
+            </a:solidFill>
+          </a:ln>
+        </p:spPr>
+        <p:style>
+          <a:lnRef idx="2">
+            <a:schemeClr val="accent1">
+              <a:shade val="50000"/>
+            </a:schemeClr>
+          </a:lnRef>
+          <a:fillRef idx="1">
+            <a:schemeClr val="accent1"/>
+          </a:fillRef>
+          <a:effectRef idx="0">
+            <a:schemeClr val="accent1"/>
+          </a:effectRef>
+          <a:fontRef idx="minor">
+            <a:schemeClr val="lt1"/>
+          </a:fontRef>
+        </p:style>
+        <p:txBody>
+          <a:bodyPr rtlCol="0" anchor="ctr"/>
+          <a:lstStyle/>
+          <a:p>
+            <a:pPr algn="ctr"/>
+            <a:endParaRPr lang="ko-KR" altLang="en-US"/>
+          </a:p>
+        </p:txBody>
+      </p:sp>
+    </p:spTree>
+    <p:extLst>
+      <p:ext uri="{BB962C8B-B14F-4D97-AF65-F5344CB8AC3E}">
+        <p14:creationId xmlns:p14="http://schemas.microsoft.com/office/powerpoint/2010/main" val="2102943871"/>
+      </p:ext>
+    </p:extLst>
+  </p:cSld>
+  <p:clrMapOvr>
+    <a:masterClrMapping/>
+  </p:clrMapOvr>
+</p:sld>
+</file>
+
+<file path=ppt/slides/slide7.xml><?xml version="1.0" encoding="utf-8"?>
+<p:sld xmlns:a="http://schemas.openxmlformats.org/drawingml/2006/main" xmlns:r="http://schemas.openxmlformats.org/officeDocument/2006/relationships" xmlns:p="http://schemas.openxmlformats.org/presentationml/2006/main">
+  <p:cSld>
+    <p:spTree>
+      <p:nvGrpSpPr>
+        <p:cNvPr id="1" name=""/>
+        <p:cNvGrpSpPr/>
+        <p:nvPr/>
+      </p:nvGrpSpPr>
+      <p:grpSpPr>
+        <a:xfrm>
+          <a:off x="0" y="0"/>
+          <a:ext cx="0" cy="0"/>
+          <a:chOff x="0" y="0"/>
+          <a:chExt cx="0" cy="0"/>
+        </a:xfrm>
+      </p:grpSpPr>
+      <p:sp>
+        <p:nvSpPr>
+          <p:cNvPr id="4" name="슬라이드 번호 개체 틀 3"/>
+          <p:cNvSpPr>
+            <a:spLocks noGrp="1"/>
+          </p:cNvSpPr>
+          <p:nvPr>
+            <p:ph type="sldNum" sz="quarter" idx="12"/>
+          </p:nvPr>
+        </p:nvSpPr>
+        <p:spPr/>
+        <p:txBody>
+          <a:bodyPr/>
+          <a:lstStyle/>
+          <a:p>
+            <a:fld id="{33796E3F-F6B7-490E-938A-9F8EC05675D0}" type="slidenum">
+              <a:rPr lang="ko-KR" altLang="en-US" smtClean="0"/>
+              <a:pPr/>
+              <a:t>6</a:t>
+            </a:fld>
+            <a:endParaRPr lang="ko-KR" altLang="en-US"/>
+          </a:p>
+        </p:txBody>
+      </p:sp>
+      <p:pic>
+        <p:nvPicPr>
+          <p:cNvPr id="12" name="그림 11"/>
+          <p:cNvPicPr>
+            <a:picLocks noChangeAspect="1"/>
+          </p:cNvPicPr>
+          <p:nvPr/>
+        </p:nvPicPr>
+        <p:blipFill>
+          <a:blip r:embed="rId2"/>
+          <a:stretch>
+            <a:fillRect/>
+          </a:stretch>
+        </p:blipFill>
+        <p:spPr>
+          <a:xfrm>
+            <a:off x="7567533" y="3823069"/>
+            <a:ext cx="2210003" cy="1900987"/>
+          </a:xfrm>
+          <a:prstGeom prst="rect">
+            <a:avLst/>
+          </a:prstGeom>
+        </p:spPr>
+      </p:pic>
+      <p:sp>
+        <p:nvSpPr>
+          <p:cNvPr id="19" name="Rectangle 2"/>
+          <p:cNvSpPr txBox="1">
+            <a:spLocks noChangeArrowheads="1"/>
+          </p:cNvSpPr>
+          <p:nvPr/>
+        </p:nvSpPr>
+        <p:spPr bwMode="auto">
+          <a:xfrm>
+            <a:off x="128464" y="201122"/>
+            <a:ext cx="5400600" cy="400110"/>
+          </a:xfrm>
+          <a:prstGeom prst="rect">
+            <a:avLst/>
+          </a:prstGeom>
+          <a:noFill/>
+          <a:ln>
+            <a:noFill/>
+          </a:ln>
+          <a:extLst>
+            <a:ext uri="{909E8E84-426E-40DD-AFC4-6F175D3DCCD1}">
+              <a14:hiddenFill xmlns:a14="http://schemas.microsoft.com/office/drawing/2010/main">
+                <a:solidFill>
+                  <a:srgbClr val="FFFFFF"/>
+                </a:solidFill>
+              </a14:hiddenFill>
+            </a:ext>
+            <a:ext uri="{91240B29-F687-4F45-9708-019B960494DF}">
+              <a14:hiddenLine xmlns:a14="http://schemas.microsoft.com/office/drawing/2010/main" w="9525">
+                <a:solidFill>
+                  <a:srgbClr val="000000"/>
+                </a:solidFill>
+                <a:miter lim="800000"/>
+                <a:headEnd/>
+                <a:tailEnd/>
+              </a14:hiddenLine>
+            </a:ext>
+          </a:extLst>
+        </p:spPr>
+        <p:txBody>
+          <a:bodyPr wrap="square">
+            <a:spAutoFit/>
+          </a:bodyPr>
+          <a:lstStyle>
+            <a:lvl1pPr latinLnBrk="1">
+              <a:defRPr kumimoji="1" sz="1200" b="1">
+                <a:solidFill>
+                  <a:schemeClr val="tx1"/>
+                </a:solidFill>
+                <a:latin typeface="돋움" pitchFamily="50" charset="-127"/>
+                <a:ea typeface="굴림" charset="-127"/>
+              </a:defRPr>
+            </a:lvl1pPr>
+            <a:lvl2pPr marL="742950" indent="-285750" latinLnBrk="1">
+              <a:defRPr kumimoji="1" sz="1200" b="1">
+                <a:solidFill>
+                  <a:schemeClr val="tx1"/>
+                </a:solidFill>
+                <a:latin typeface="돋움" pitchFamily="50" charset="-127"/>
+                <a:ea typeface="굴림" charset="-127"/>
+              </a:defRPr>
+            </a:lvl2pPr>
+            <a:lvl3pPr marL="1143000" indent="-228600" latinLnBrk="1">
+              <a:defRPr kumimoji="1" sz="1200" b="1">
+                <a:solidFill>
+                  <a:schemeClr val="tx1"/>
+                </a:solidFill>
+                <a:latin typeface="돋움" pitchFamily="50" charset="-127"/>
+                <a:ea typeface="굴림" charset="-127"/>
+              </a:defRPr>
+            </a:lvl3pPr>
+            <a:lvl4pPr marL="1600200" indent="-228600" latinLnBrk="1">
+              <a:defRPr kumimoji="1" sz="1200" b="1">
+                <a:solidFill>
+                  <a:schemeClr val="tx1"/>
+                </a:solidFill>
+                <a:latin typeface="돋움" pitchFamily="50" charset="-127"/>
+                <a:ea typeface="굴림" charset="-127"/>
+              </a:defRPr>
+            </a:lvl4pPr>
+            <a:lvl5pPr marL="2057400" indent="-228600" latinLnBrk="1">
+              <a:defRPr kumimoji="1" sz="1200" b="1">
+                <a:solidFill>
+                  <a:schemeClr val="tx1"/>
+                </a:solidFill>
+                <a:latin typeface="돋움" pitchFamily="50" charset="-127"/>
+                <a:ea typeface="굴림" charset="-127"/>
+              </a:defRPr>
+            </a:lvl5pPr>
+            <a:lvl6pPr marL="2514600" indent="-228600" eaLnBrk="0" fontAlgn="base" hangingPunct="0">
+              <a:spcBef>
+                <a:spcPct val="0"/>
+              </a:spcBef>
+              <a:spcAft>
+                <a:spcPct val="0"/>
+              </a:spcAft>
+              <a:defRPr kumimoji="1" sz="1200" b="1">
+                <a:solidFill>
+                  <a:schemeClr val="tx1"/>
+                </a:solidFill>
+                <a:latin typeface="돋움" pitchFamily="50" charset="-127"/>
+                <a:ea typeface="굴림" charset="-127"/>
+              </a:defRPr>
+            </a:lvl6pPr>
+            <a:lvl7pPr marL="2971800" indent="-228600" eaLnBrk="0" fontAlgn="base" hangingPunct="0">
+              <a:spcBef>
+                <a:spcPct val="0"/>
+              </a:spcBef>
+              <a:spcAft>
+                <a:spcPct val="0"/>
+              </a:spcAft>
+              <a:defRPr kumimoji="1" sz="1200" b="1">
+                <a:solidFill>
+                  <a:schemeClr val="tx1"/>
+                </a:solidFill>
+                <a:latin typeface="돋움" pitchFamily="50" charset="-127"/>
+                <a:ea typeface="굴림" charset="-127"/>
+              </a:defRPr>
+            </a:lvl7pPr>
+            <a:lvl8pPr marL="3429000" indent="-228600" eaLnBrk="0" fontAlgn="base" hangingPunct="0">
+              <a:spcBef>
+                <a:spcPct val="0"/>
+              </a:spcBef>
+              <a:spcAft>
+                <a:spcPct val="0"/>
+              </a:spcAft>
+              <a:defRPr kumimoji="1" sz="1200" b="1">
+                <a:solidFill>
+                  <a:schemeClr val="tx1"/>
+                </a:solidFill>
+                <a:latin typeface="돋움" pitchFamily="50" charset="-127"/>
+                <a:ea typeface="굴림" charset="-127"/>
+              </a:defRPr>
+            </a:lvl8pPr>
+            <a:lvl9pPr marL="3886200" indent="-228600" eaLnBrk="0" fontAlgn="base" hangingPunct="0">
+              <a:spcBef>
+                <a:spcPct val="0"/>
+              </a:spcBef>
+              <a:spcAft>
+                <a:spcPct val="0"/>
+              </a:spcAft>
+              <a:defRPr kumimoji="1" sz="1200" b="1">
+                <a:solidFill>
+                  <a:schemeClr val="tx1"/>
+                </a:solidFill>
+                <a:latin typeface="돋움" pitchFamily="50" charset="-127"/>
+                <a:ea typeface="굴림" charset="-127"/>
+              </a:defRPr>
+            </a:lvl9pPr>
+          </a:lstStyle>
+          <a:p>
+            <a:pPr eaLnBrk="1" hangingPunct="1"/>
+            <a:r>
+              <a:rPr lang="ko-KR" altLang="en-US" sz="2000" dirty="0" smtClean="0">
+                <a:solidFill>
+                  <a:schemeClr val="bg1"/>
+                </a:solidFill>
+                <a:latin typeface="+mj-ea"/>
+                <a:ea typeface="+mj-ea"/>
+                <a:sym typeface="Wingdings" pitchFamily="2" charset="2"/>
+              </a:rPr>
+              <a:t> 모델의 성능 평가 지표</a:t>
+            </a:r>
+            <a:endParaRPr lang="en-US" altLang="ko-KR" sz="2000" dirty="0">
+              <a:solidFill>
+                <a:schemeClr val="bg1"/>
+              </a:solidFill>
+              <a:latin typeface="+mj-ea"/>
+              <a:ea typeface="+mj-ea"/>
+              <a:sym typeface="Wingdings" pitchFamily="2" charset="2"/>
+            </a:endParaRPr>
+          </a:p>
+        </p:txBody>
+      </p:sp>
+      <p:sp>
+        <p:nvSpPr>
+          <p:cNvPr id="25" name="Rectangle 41">
+            <a:extLst>
+              <a:ext uri="{FF2B5EF4-FFF2-40B4-BE49-F238E27FC236}">
+                <a16:creationId xmlns:a16="http://schemas.microsoft.com/office/drawing/2014/main" id="{83FF4C79-FD07-4B45-A74F-F47818CE5E37}"/>
+              </a:ext>
+            </a:extLst>
+          </p:cNvPr>
+          <p:cNvSpPr>
+            <a:spLocks noChangeArrowheads="1"/>
+          </p:cNvSpPr>
+          <p:nvPr/>
+        </p:nvSpPr>
+        <p:spPr bwMode="auto">
+          <a:xfrm>
+            <a:off x="488504" y="980727"/>
+            <a:ext cx="8928992" cy="432049"/>
+          </a:xfrm>
+          <a:prstGeom prst="rect">
+            <a:avLst/>
+          </a:prstGeom>
+          <a:noFill/>
+          <a:ln w="9525" algn="ctr">
+            <a:noFill/>
+            <a:miter lim="800000"/>
+            <a:headEnd/>
+            <a:tailEnd/>
+          </a:ln>
+          <a:effectLst/>
+        </p:spPr>
+        <p:txBody>
+          <a:bodyPr lIns="72000" tIns="0" rIns="0" bIns="0" anchor="t"/>
+          <a:lstStyle/>
+          <a:p>
+            <a:pPr latinLnBrk="0">
+              <a:lnSpc>
+                <a:spcPct val="150000"/>
+              </a:lnSpc>
+            </a:pPr>
+            <a:r>
+              <a:rPr lang="ko-KR" altLang="en-US" sz="1600" dirty="0" smtClean="0">
+                <a:latin typeface="+mj-ea"/>
+                <a:ea typeface="+mj-ea"/>
+              </a:rPr>
+              <a:t>분류 모형의 성능 평가 지표</a:t>
+            </a:r>
+            <a:endParaRPr lang="en-US" altLang="ko-KR" sz="1600" dirty="0" smtClean="0">
+              <a:latin typeface="+mj-ea"/>
+              <a:ea typeface="+mj-ea"/>
+            </a:endParaRPr>
+          </a:p>
+        </p:txBody>
+      </p:sp>
+      <p:sp>
+        <p:nvSpPr>
+          <p:cNvPr id="26" name="TextBox 25"/>
+          <p:cNvSpPr txBox="1"/>
+          <p:nvPr/>
+        </p:nvSpPr>
+        <p:spPr>
+          <a:xfrm>
+            <a:off x="507072" y="1464834"/>
+            <a:ext cx="7128792" cy="4893647"/>
+          </a:xfrm>
+          <a:prstGeom prst="rect">
+            <a:avLst/>
+          </a:prstGeom>
+          <a:noFill/>
+        </p:spPr>
+        <p:txBody>
+          <a:bodyPr wrap="square" rtlCol="0">
+            <a:spAutoFit/>
+          </a:bodyPr>
+          <a:lstStyle/>
+          <a:p>
+            <a:pPr>
+              <a:lnSpc>
+                <a:spcPct val="150000"/>
+              </a:lnSpc>
+            </a:pPr>
+            <a:r>
+              <a:rPr lang="en-US" altLang="ko-KR" sz="1600" dirty="0" smtClean="0"/>
+              <a:t>Accuracy</a:t>
+            </a:r>
+          </a:p>
+          <a:p>
+            <a:pPr>
+              <a:lnSpc>
+                <a:spcPct val="150000"/>
+              </a:lnSpc>
+            </a:pPr>
+            <a:r>
+              <a:rPr lang="ko-KR" altLang="en-US" b="0" dirty="0" smtClean="0"/>
+              <a:t>    모든 </a:t>
+            </a:r>
+            <a:r>
+              <a:rPr lang="ko-KR" altLang="en-US" b="0" dirty="0"/>
+              <a:t>예측값중에서 실제 값을 맞춘 개수의 </a:t>
+            </a:r>
+            <a:r>
+              <a:rPr lang="ko-KR" altLang="en-US" b="0" dirty="0" smtClean="0"/>
+              <a:t>비율</a:t>
+            </a:r>
+            <a:endParaRPr lang="en-US" altLang="ko-KR" b="0" dirty="0" smtClean="0"/>
+          </a:p>
+          <a:p>
+            <a:pPr>
+              <a:lnSpc>
+                <a:spcPct val="150000"/>
+              </a:lnSpc>
+            </a:pPr>
+            <a:r>
+              <a:rPr lang="en-US" altLang="ko-KR" sz="1600" dirty="0" smtClean="0"/>
+              <a:t>Precision</a:t>
+            </a:r>
+            <a:r>
+              <a:rPr lang="ko-KR" altLang="en-US" sz="1600" dirty="0" smtClean="0"/>
+              <a:t> </a:t>
+            </a:r>
+            <a:endParaRPr lang="en-US" altLang="ko-KR" sz="1600" dirty="0" smtClean="0"/>
+          </a:p>
+          <a:p>
+            <a:pPr>
+              <a:lnSpc>
+                <a:spcPct val="150000"/>
+              </a:lnSpc>
+            </a:pPr>
+            <a:r>
+              <a:rPr lang="ko-KR" altLang="en-US" b="0" dirty="0" smtClean="0"/>
+              <a:t>    </a:t>
+            </a:r>
+            <a:r>
+              <a:rPr lang="ko-KR" altLang="en-US" b="0" dirty="0" err="1" smtClean="0"/>
+              <a:t>긍적으로</a:t>
+            </a:r>
+            <a:r>
+              <a:rPr lang="ko-KR" altLang="en-US" b="0" dirty="0" smtClean="0"/>
+              <a:t> </a:t>
+            </a:r>
+            <a:r>
+              <a:rPr lang="ko-KR" altLang="en-US" b="0" dirty="0"/>
+              <a:t>예측한 </a:t>
+            </a:r>
+            <a:r>
+              <a:rPr lang="ko-KR" altLang="en-US" b="0" dirty="0" err="1"/>
+              <a:t>값중에서</a:t>
+            </a:r>
+            <a:r>
+              <a:rPr lang="ko-KR" altLang="en-US" b="0" dirty="0"/>
+              <a:t> </a:t>
+            </a:r>
+            <a:r>
+              <a:rPr lang="ko-KR" altLang="en-US" b="0" dirty="0" err="1"/>
+              <a:t>실제값도</a:t>
+            </a:r>
+            <a:r>
+              <a:rPr lang="ko-KR" altLang="en-US" b="0" dirty="0"/>
+              <a:t> 긍정인 비율</a:t>
+            </a:r>
+            <a:r>
+              <a:rPr lang="en-US" altLang="ko-KR" b="0" dirty="0"/>
+              <a:t>(</a:t>
+            </a:r>
+            <a:r>
+              <a:rPr lang="ko-KR" altLang="en-US" b="0" dirty="0"/>
+              <a:t>긍정으로 예측할 때 정답일 확률</a:t>
+            </a:r>
+            <a:r>
+              <a:rPr lang="en-US" altLang="ko-KR" b="0" dirty="0" smtClean="0"/>
+              <a:t>)</a:t>
+            </a:r>
+          </a:p>
+          <a:p>
+            <a:pPr>
+              <a:lnSpc>
+                <a:spcPct val="150000"/>
+              </a:lnSpc>
+            </a:pPr>
+            <a:r>
+              <a:rPr lang="en-US" altLang="ko-KR" sz="1600" dirty="0" smtClean="0"/>
+              <a:t>Recall</a:t>
+            </a:r>
+          </a:p>
+          <a:p>
+            <a:pPr>
+              <a:lnSpc>
+                <a:spcPct val="150000"/>
+              </a:lnSpc>
+            </a:pPr>
+            <a:r>
+              <a:rPr lang="en-US" altLang="ko-KR" b="0" dirty="0" smtClean="0"/>
+              <a:t>   </a:t>
+            </a:r>
+            <a:r>
+              <a:rPr lang="ko-KR" altLang="en-US" b="0" dirty="0" smtClean="0"/>
+              <a:t>실제 </a:t>
+            </a:r>
+            <a:r>
+              <a:rPr lang="ko-KR" altLang="en-US" b="0" dirty="0"/>
+              <a:t>정답 중에서 긍정을 맞춘 </a:t>
+            </a:r>
+            <a:r>
+              <a:rPr lang="ko-KR" altLang="en-US" b="0" dirty="0" smtClean="0"/>
+              <a:t>비율</a:t>
+            </a:r>
+            <a:endParaRPr lang="en-US" altLang="ko-KR" sz="1600" dirty="0" smtClean="0"/>
+          </a:p>
+          <a:p>
+            <a:pPr>
+              <a:lnSpc>
+                <a:spcPct val="150000"/>
+              </a:lnSpc>
+            </a:pPr>
+            <a:r>
+              <a:rPr lang="en-US" altLang="ko-KR" sz="1600" dirty="0"/>
+              <a:t>Specificity</a:t>
+            </a:r>
+            <a:endParaRPr lang="en-US" altLang="ko-KR" sz="1600" dirty="0" smtClean="0"/>
+          </a:p>
+          <a:p>
+            <a:pPr>
+              <a:lnSpc>
+                <a:spcPct val="150000"/>
+              </a:lnSpc>
+            </a:pPr>
+            <a:r>
+              <a:rPr lang="en-US" altLang="ko-KR" b="0" dirty="0"/>
+              <a:t> </a:t>
+            </a:r>
+            <a:r>
+              <a:rPr lang="en-US" altLang="ko-KR" b="0" dirty="0" smtClean="0"/>
+              <a:t>   </a:t>
+            </a:r>
+            <a:r>
+              <a:rPr lang="ko-KR" altLang="en-US" b="0" dirty="0"/>
+              <a:t>실제 </a:t>
+            </a:r>
+            <a:r>
+              <a:rPr lang="ko-KR" altLang="en-US" b="0" dirty="0" err="1"/>
+              <a:t>부정중에서</a:t>
+            </a:r>
+            <a:r>
+              <a:rPr lang="ko-KR" altLang="en-US" b="0" dirty="0"/>
+              <a:t> 부정으로 예측한 비율 </a:t>
+            </a:r>
+            <a:endParaRPr lang="en-US" altLang="ko-KR" b="0" dirty="0" smtClean="0"/>
+          </a:p>
+          <a:p>
+            <a:pPr>
+              <a:lnSpc>
+                <a:spcPct val="150000"/>
+              </a:lnSpc>
+            </a:pPr>
+            <a:r>
+              <a:rPr lang="en-US" altLang="ko-KR" sz="1600" dirty="0"/>
+              <a:t>F1-score</a:t>
+            </a:r>
+          </a:p>
+          <a:p>
+            <a:pPr>
+              <a:lnSpc>
+                <a:spcPct val="150000"/>
+              </a:lnSpc>
+            </a:pPr>
+            <a:r>
+              <a:rPr lang="en-US" altLang="ko-KR" b="0" dirty="0" smtClean="0"/>
+              <a:t>    precision</a:t>
+            </a:r>
+            <a:r>
+              <a:rPr lang="ko-KR" altLang="en-US" b="0" dirty="0" smtClean="0"/>
+              <a:t>과 </a:t>
+            </a:r>
+            <a:r>
+              <a:rPr lang="en-US" altLang="ko-KR" b="0" dirty="0"/>
+              <a:t>recall </a:t>
+            </a:r>
+            <a:r>
+              <a:rPr lang="ko-KR" altLang="en-US" b="0" dirty="0"/>
+              <a:t>의 조화 평균 </a:t>
+            </a:r>
+            <a:r>
+              <a:rPr lang="en-US" altLang="ko-KR" b="0" dirty="0"/>
+              <a:t>/ </a:t>
+            </a:r>
+            <a:r>
+              <a:rPr lang="ko-KR" altLang="en-US" b="0" dirty="0"/>
+              <a:t>주로 데이터의 </a:t>
+            </a:r>
+            <a:r>
+              <a:rPr lang="en-US" altLang="ko-KR" b="0" dirty="0"/>
+              <a:t>label</a:t>
+            </a:r>
+            <a:r>
+              <a:rPr lang="ko-KR" altLang="en-US" b="0" dirty="0"/>
+              <a:t>이 불균형하게 분포할 때 </a:t>
+            </a:r>
+            <a:endParaRPr lang="en-US" altLang="ko-KR" b="0" dirty="0" smtClean="0"/>
+          </a:p>
+          <a:p>
+            <a:pPr>
+              <a:lnSpc>
+                <a:spcPct val="150000"/>
+              </a:lnSpc>
+            </a:pPr>
+            <a:r>
+              <a:rPr lang="en-US" altLang="ko-KR" b="0" dirty="0"/>
+              <a:t> </a:t>
+            </a:r>
+            <a:r>
+              <a:rPr lang="en-US" altLang="ko-KR" b="0" dirty="0" smtClean="0"/>
+              <a:t>  </a:t>
+            </a:r>
+            <a:r>
+              <a:rPr lang="ko-KR" altLang="en-US" b="0" dirty="0" smtClean="0"/>
+              <a:t>성능 </a:t>
+            </a:r>
+            <a:r>
+              <a:rPr lang="ko-KR" altLang="en-US" b="0" dirty="0"/>
+              <a:t>평가의 지표로 </a:t>
+            </a:r>
+            <a:r>
+              <a:rPr lang="ko-KR" altLang="en-US" b="0" dirty="0" smtClean="0"/>
+              <a:t>사용</a:t>
+            </a:r>
+            <a:endParaRPr lang="en-US" altLang="ko-KR" b="0" dirty="0" smtClean="0"/>
+          </a:p>
+          <a:p>
+            <a:pPr>
+              <a:lnSpc>
+                <a:spcPct val="150000"/>
+              </a:lnSpc>
+            </a:pPr>
+            <a:r>
+              <a:rPr lang="en-US" altLang="ko-KR" sz="1600" dirty="0"/>
+              <a:t>ROC</a:t>
+            </a:r>
+          </a:p>
+          <a:p>
+            <a:pPr>
+              <a:lnSpc>
+                <a:spcPct val="150000"/>
+              </a:lnSpc>
+            </a:pPr>
+            <a:r>
+              <a:rPr lang="en-US" altLang="ko-KR" b="0" dirty="0"/>
+              <a:t> </a:t>
+            </a:r>
+            <a:r>
+              <a:rPr lang="en-US" altLang="ko-KR" b="0" dirty="0" smtClean="0"/>
+              <a:t>   </a:t>
+            </a:r>
+            <a:r>
+              <a:rPr lang="ko-KR" altLang="en-US" b="0" dirty="0"/>
+              <a:t>가로축은 </a:t>
+            </a:r>
+            <a:r>
+              <a:rPr lang="en-US" altLang="ko-KR" b="0" dirty="0"/>
+              <a:t>FPR(Specificity), </a:t>
+            </a:r>
+            <a:r>
+              <a:rPr lang="ko-KR" altLang="en-US" b="0" dirty="0"/>
+              <a:t>세로축을 </a:t>
+            </a:r>
+            <a:r>
+              <a:rPr lang="en-US" altLang="ko-KR" b="0" dirty="0"/>
+              <a:t>TPR(Recall)</a:t>
+            </a:r>
+            <a:r>
+              <a:rPr lang="ko-KR" altLang="en-US" b="0" dirty="0"/>
+              <a:t>로 하여 시각화 한 그래프이다</a:t>
+            </a:r>
+            <a:r>
+              <a:rPr lang="en-US" altLang="ko-KR" b="0" dirty="0"/>
+              <a:t>.</a:t>
+            </a:r>
+          </a:p>
+          <a:p>
+            <a:pPr>
+              <a:lnSpc>
+                <a:spcPct val="150000"/>
+              </a:lnSpc>
+            </a:pPr>
+            <a:r>
+              <a:rPr lang="ko-KR" altLang="en-US" b="0" dirty="0" smtClean="0"/>
+              <a:t> </a:t>
+            </a:r>
+            <a:endParaRPr lang="en-US" altLang="ko-KR" b="0" dirty="0"/>
+          </a:p>
+        </p:txBody>
+      </p:sp>
+      <p:sp>
+        <p:nvSpPr>
+          <p:cNvPr id="2" name="직사각형 1"/>
+          <p:cNvSpPr/>
+          <p:nvPr/>
+        </p:nvSpPr>
+        <p:spPr>
+          <a:xfrm>
+            <a:off x="8431924" y="5604685"/>
+            <a:ext cx="481222" cy="306751"/>
+          </a:xfrm>
+          <a:prstGeom prst="rect">
+            <a:avLst/>
+          </a:prstGeom>
+        </p:spPr>
+        <p:txBody>
+          <a:bodyPr wrap="none">
+            <a:spAutoFit/>
+          </a:bodyPr>
+          <a:lstStyle/>
+          <a:p>
+            <a:pPr>
+              <a:lnSpc>
+                <a:spcPct val="150000"/>
+              </a:lnSpc>
+            </a:pPr>
+            <a:r>
+              <a:rPr lang="en-US" altLang="ko-KR" sz="1100" dirty="0"/>
+              <a:t>ROC</a:t>
+            </a:r>
+            <a:endParaRPr lang="en-US" altLang="ko-KR" sz="1100" dirty="0"/>
+          </a:p>
+        </p:txBody>
+      </p:sp>
+      <p:sp>
+        <p:nvSpPr>
+          <p:cNvPr id="27" name="TextBox 26"/>
+          <p:cNvSpPr txBox="1"/>
+          <p:nvPr/>
+        </p:nvSpPr>
+        <p:spPr>
+          <a:xfrm>
+            <a:off x="6477659" y="1301201"/>
+            <a:ext cx="3261528" cy="892552"/>
+          </a:xfrm>
+          <a:prstGeom prst="rect">
+            <a:avLst/>
+          </a:prstGeom>
+          <a:solidFill>
+            <a:schemeClr val="bg1">
+              <a:lumMod val="95000"/>
+            </a:schemeClr>
+          </a:solidFill>
+        </p:spPr>
+        <p:txBody>
+          <a:bodyPr wrap="square" rtlCol="0">
+            <a:spAutoFit/>
+          </a:bodyPr>
+          <a:lstStyle/>
+          <a:p>
             <a:r>
               <a:rPr lang="en-US" altLang="ko-KR" dirty="0" smtClean="0">
-                <a:sym typeface="Wingdings" panose="05000000000000000000" pitchFamily="2" charset="2"/>
-              </a:rPr>
-              <a:t> </a:t>
-            </a:r>
-            <a:r>
-              <a:rPr lang="ko-KR" altLang="en-US" dirty="0" err="1" smtClean="0">
-                <a:sym typeface="Wingdings" panose="05000000000000000000" pitchFamily="2" charset="2"/>
-              </a:rPr>
-              <a:t>재현율</a:t>
-            </a:r>
-            <a:r>
-              <a:rPr lang="ko-KR" altLang="en-US" dirty="0" smtClean="0">
-                <a:sym typeface="Wingdings" panose="05000000000000000000" pitchFamily="2" charset="2"/>
-              </a:rPr>
-              <a:t> 완벽 </a:t>
-            </a:r>
+                <a:solidFill>
+                  <a:schemeClr val="tx1">
+                    <a:lumMod val="65000"/>
+                    <a:lumOff val="35000"/>
+                  </a:schemeClr>
+                </a:solidFill>
+              </a:rPr>
+              <a:t>accuracy </a:t>
+            </a:r>
+          </a:p>
+          <a:p>
+            <a:r>
+              <a:rPr lang="ko-KR" altLang="en-US" sz="1200" dirty="0" smtClean="0">
+                <a:solidFill>
+                  <a:schemeClr val="tx1">
+                    <a:lumMod val="65000"/>
+                    <a:lumOff val="35000"/>
+                  </a:schemeClr>
+                </a:solidFill>
+              </a:rPr>
+              <a:t>    </a:t>
+            </a:r>
+            <a:r>
+              <a:rPr lang="ko-KR" altLang="en-US" sz="1200" b="0" dirty="0" smtClean="0">
+                <a:solidFill>
+                  <a:schemeClr val="tx1">
+                    <a:lumMod val="65000"/>
+                    <a:lumOff val="35000"/>
+                  </a:schemeClr>
+                </a:solidFill>
+              </a:rPr>
+              <a:t>시스템이 올바르게 판단하는 정도</a:t>
+            </a:r>
+            <a:endParaRPr lang="en-US" altLang="ko-KR" sz="1200" b="0" dirty="0">
+              <a:solidFill>
+                <a:schemeClr val="tx1">
+                  <a:lumMod val="65000"/>
+                  <a:lumOff val="35000"/>
+                </a:schemeClr>
+              </a:solidFill>
+            </a:endParaRPr>
+          </a:p>
+          <a:p>
             <a:r>
               <a:rPr lang="en-US" altLang="ko-KR" dirty="0" smtClean="0">
-                <a:sym typeface="Wingdings" panose="05000000000000000000" pitchFamily="2" charset="2"/>
-              </a:rPr>
-              <a:t> </a:t>
-            </a:r>
-            <a:r>
-              <a:rPr lang="ko-KR" altLang="en-US" dirty="0" smtClean="0">
-                <a:sym typeface="Wingdings" panose="05000000000000000000" pitchFamily="2" charset="2"/>
-              </a:rPr>
-              <a:t>샘플 양성으로 예측하면 </a:t>
-            </a:r>
-            <a:r>
-              <a:rPr lang="en-US" altLang="ko-KR" dirty="0" smtClean="0">
-                <a:sym typeface="Wingdings" panose="05000000000000000000" pitchFamily="2" charset="2"/>
-              </a:rPr>
-              <a:t> FP </a:t>
-            </a:r>
-            <a:r>
-              <a:rPr lang="ko-KR" altLang="en-US" dirty="0" smtClean="0">
-                <a:sym typeface="Wingdings" panose="05000000000000000000" pitchFamily="2" charset="2"/>
-              </a:rPr>
-              <a:t>증가 </a:t>
-            </a:r>
-            <a:r>
-              <a:rPr lang="en-US" altLang="ko-KR" dirty="0" smtClean="0">
-                <a:sym typeface="Wingdings" panose="05000000000000000000" pitchFamily="2" charset="2"/>
-              </a:rPr>
-              <a:t> </a:t>
-            </a:r>
-            <a:r>
-              <a:rPr lang="ko-KR" altLang="en-US" dirty="0" smtClean="0">
-                <a:sym typeface="Wingdings" panose="05000000000000000000" pitchFamily="2" charset="2"/>
-              </a:rPr>
-              <a:t>정밀도 떨어짐</a:t>
-            </a:r>
-            <a:endParaRPr lang="en-US" altLang="ko-KR" dirty="0" smtClean="0">
-              <a:sym typeface="Wingdings" panose="05000000000000000000" pitchFamily="2" charset="2"/>
+                <a:solidFill>
+                  <a:schemeClr val="tx1">
+                    <a:lumMod val="65000"/>
+                    <a:lumOff val="35000"/>
+                  </a:schemeClr>
+                </a:solidFill>
+              </a:rPr>
+              <a:t>precision </a:t>
+            </a:r>
+          </a:p>
+          <a:p>
+            <a:r>
+              <a:rPr lang="ko-KR" altLang="en-US" sz="1200" dirty="0" smtClean="0">
+                <a:solidFill>
+                  <a:schemeClr val="tx1">
+                    <a:lumMod val="65000"/>
+                    <a:lumOff val="35000"/>
+                  </a:schemeClr>
+                </a:solidFill>
+              </a:rPr>
+              <a:t>     </a:t>
+            </a:r>
+            <a:r>
+              <a:rPr lang="ko-KR" altLang="en-US" sz="1200" b="0" dirty="0" smtClean="0">
+                <a:solidFill>
+                  <a:schemeClr val="tx1">
+                    <a:lumMod val="65000"/>
+                    <a:lumOff val="35000"/>
+                  </a:schemeClr>
+                </a:solidFill>
+              </a:rPr>
+              <a:t>시스템이 </a:t>
+            </a:r>
+            <a:r>
+              <a:rPr lang="en-US" altLang="ko-KR" sz="1200" b="0" dirty="0" smtClean="0">
+                <a:solidFill>
+                  <a:schemeClr val="tx1">
+                    <a:lumMod val="65000"/>
+                    <a:lumOff val="35000"/>
+                  </a:schemeClr>
+                </a:solidFill>
+              </a:rPr>
+              <a:t>true</a:t>
+            </a:r>
+            <a:r>
+              <a:rPr lang="ko-KR" altLang="en-US" sz="1200" b="0" dirty="0" smtClean="0">
+                <a:solidFill>
+                  <a:schemeClr val="tx1">
+                    <a:lumMod val="65000"/>
+                    <a:lumOff val="35000"/>
+                  </a:schemeClr>
+                </a:solidFill>
+              </a:rPr>
+              <a:t>라고 판단한 경우의 정확도</a:t>
+            </a:r>
+            <a:endParaRPr lang="en-US" altLang="ko-KR" sz="1200" b="0" dirty="0" smtClean="0">
+              <a:solidFill>
+                <a:schemeClr val="tx1">
+                  <a:lumMod val="65000"/>
+                  <a:lumOff val="35000"/>
+                </a:schemeClr>
+              </a:solidFill>
             </a:endParaRPr>
           </a:p>
-          <a:p>
-            <a:r>
-              <a:rPr lang="en-US" altLang="ko-KR" dirty="0" smtClean="0">
-                <a:sym typeface="Wingdings" panose="05000000000000000000" pitchFamily="2" charset="2"/>
-              </a:rPr>
-              <a:t>FP</a:t>
-            </a:r>
-            <a:r>
-              <a:rPr lang="ko-KR" altLang="en-US" dirty="0" smtClean="0">
-                <a:sym typeface="Wingdings" panose="05000000000000000000" pitchFamily="2" charset="2"/>
-              </a:rPr>
-              <a:t>를 없애면 </a:t>
-            </a:r>
-            <a:r>
-              <a:rPr lang="en-US" altLang="ko-KR" dirty="0" smtClean="0">
-                <a:sym typeface="Wingdings" panose="05000000000000000000" pitchFamily="2" charset="2"/>
-              </a:rPr>
-              <a:t> </a:t>
-            </a:r>
-            <a:r>
-              <a:rPr lang="ko-KR" altLang="en-US" dirty="0" smtClean="0">
-                <a:sym typeface="Wingdings" panose="05000000000000000000" pitchFamily="2" charset="2"/>
-              </a:rPr>
-              <a:t>정밀도 완벽 </a:t>
-            </a:r>
-            <a:r>
-              <a:rPr lang="en-US" altLang="ko-KR" dirty="0" smtClean="0">
-                <a:sym typeface="Wingdings" panose="05000000000000000000" pitchFamily="2" charset="2"/>
-              </a:rPr>
-              <a:t> </a:t>
-            </a:r>
-            <a:r>
-              <a:rPr lang="ko-KR" altLang="en-US" dirty="0" err="1" smtClean="0">
-                <a:sym typeface="Wingdings" panose="05000000000000000000" pitchFamily="2" charset="2"/>
-              </a:rPr>
-              <a:t>재현율</a:t>
-            </a:r>
-            <a:r>
-              <a:rPr lang="ko-KR" altLang="en-US" dirty="0" smtClean="0">
-                <a:sym typeface="Wingdings" panose="05000000000000000000" pitchFamily="2" charset="2"/>
-              </a:rPr>
-              <a:t> 떨어짐</a:t>
-            </a:r>
-            <a:endParaRPr lang="en-US" altLang="ko-KR" dirty="0" smtClean="0">
-              <a:sym typeface="Wingdings" panose="05000000000000000000" pitchFamily="2" charset="2"/>
+        </p:txBody>
+      </p:sp>
+    </p:spTree>
+    <p:extLst>
+      <p:ext uri="{BB962C8B-B14F-4D97-AF65-F5344CB8AC3E}">
+        <p14:creationId xmlns:p14="http://schemas.microsoft.com/office/powerpoint/2010/main" val="4264548759"/>
+      </p:ext>
+    </p:extLst>
+  </p:cSld>
+  <p:clrMapOvr>
+    <a:masterClrMapping/>
+  </p:clrMapOvr>
+</p:sld>
+</file>
+
+<file path=ppt/slides/slide8.xml><?xml version="1.0" encoding="utf-8"?>
+<p:sld xmlns:a="http://schemas.openxmlformats.org/drawingml/2006/main" xmlns:r="http://schemas.openxmlformats.org/officeDocument/2006/relationships" xmlns:p="http://schemas.openxmlformats.org/presentationml/2006/main">
+  <p:cSld>
+    <p:spTree>
+      <p:nvGrpSpPr>
+        <p:cNvPr id="1" name=""/>
+        <p:cNvGrpSpPr/>
+        <p:nvPr/>
+      </p:nvGrpSpPr>
+      <p:grpSpPr>
+        <a:xfrm>
+          <a:off x="0" y="0"/>
+          <a:ext cx="0" cy="0"/>
+          <a:chOff x="0" y="0"/>
+          <a:chExt cx="0" cy="0"/>
+        </a:xfrm>
+      </p:grpSpPr>
+      <p:sp>
+        <p:nvSpPr>
+          <p:cNvPr id="4" name="슬라이드 번호 개체 틀 3"/>
+          <p:cNvSpPr>
+            <a:spLocks noGrp="1"/>
+          </p:cNvSpPr>
+          <p:nvPr>
+            <p:ph type="sldNum" sz="quarter" idx="12"/>
+          </p:nvPr>
+        </p:nvSpPr>
+        <p:spPr/>
+        <p:txBody>
+          <a:bodyPr/>
+          <a:lstStyle/>
+          <a:p>
+            <a:fld id="{33796E3F-F6B7-490E-938A-9F8EC05675D0}" type="slidenum">
+              <a:rPr lang="ko-KR" altLang="en-US" smtClean="0"/>
+              <a:pPr/>
+              <a:t>7</a:t>
+            </a:fld>
+            <a:endParaRPr lang="ko-KR" altLang="en-US"/>
+          </a:p>
+        </p:txBody>
+      </p:sp>
+      <p:pic>
+        <p:nvPicPr>
+          <p:cNvPr id="5" name="그림 4"/>
+          <p:cNvPicPr>
+            <a:picLocks noChangeAspect="1"/>
+          </p:cNvPicPr>
+          <p:nvPr/>
+        </p:nvPicPr>
+        <p:blipFill>
+          <a:blip r:embed="rId2"/>
+          <a:stretch>
+            <a:fillRect/>
+          </a:stretch>
+        </p:blipFill>
+        <p:spPr>
+          <a:xfrm>
+            <a:off x="128465" y="2099624"/>
+            <a:ext cx="9649072" cy="3849656"/>
+          </a:xfrm>
+          <a:prstGeom prst="rect">
+            <a:avLst/>
+          </a:prstGeom>
+        </p:spPr>
+      </p:pic>
+      <p:sp>
+        <p:nvSpPr>
+          <p:cNvPr id="7" name="Rectangle 2"/>
+          <p:cNvSpPr txBox="1">
+            <a:spLocks noChangeArrowheads="1"/>
+          </p:cNvSpPr>
+          <p:nvPr/>
+        </p:nvSpPr>
+        <p:spPr bwMode="auto">
+          <a:xfrm>
+            <a:off x="128464" y="201122"/>
+            <a:ext cx="5400600" cy="400110"/>
+          </a:xfrm>
+          <a:prstGeom prst="rect">
+            <a:avLst/>
+          </a:prstGeom>
+          <a:noFill/>
+          <a:ln>
+            <a:noFill/>
+          </a:ln>
+          <a:extLst>
+            <a:ext uri="{909E8E84-426E-40DD-AFC4-6F175D3DCCD1}">
+              <a14:hiddenFill xmlns:a14="http://schemas.microsoft.com/office/drawing/2010/main">
+                <a:solidFill>
+                  <a:srgbClr val="FFFFFF"/>
+                </a:solidFill>
+              </a14:hiddenFill>
+            </a:ext>
+            <a:ext uri="{91240B29-F687-4F45-9708-019B960494DF}">
+              <a14:hiddenLine xmlns:a14="http://schemas.microsoft.com/office/drawing/2010/main" w="9525">
+                <a:solidFill>
+                  <a:srgbClr val="000000"/>
+                </a:solidFill>
+                <a:miter lim="800000"/>
+                <a:headEnd/>
+                <a:tailEnd/>
+              </a14:hiddenLine>
+            </a:ext>
+          </a:extLst>
+        </p:spPr>
+        <p:txBody>
+          <a:bodyPr wrap="square">
+            <a:spAutoFit/>
+          </a:bodyPr>
+          <a:lstStyle>
+            <a:lvl1pPr latinLnBrk="1">
+              <a:defRPr kumimoji="1" sz="1200" b="1">
+                <a:solidFill>
+                  <a:schemeClr val="tx1"/>
+                </a:solidFill>
+                <a:latin typeface="돋움" pitchFamily="50" charset="-127"/>
+                <a:ea typeface="굴림" charset="-127"/>
+              </a:defRPr>
+            </a:lvl1pPr>
+            <a:lvl2pPr marL="742950" indent="-285750" latinLnBrk="1">
+              <a:defRPr kumimoji="1" sz="1200" b="1">
+                <a:solidFill>
+                  <a:schemeClr val="tx1"/>
+                </a:solidFill>
+                <a:latin typeface="돋움" pitchFamily="50" charset="-127"/>
+                <a:ea typeface="굴림" charset="-127"/>
+              </a:defRPr>
+            </a:lvl2pPr>
+            <a:lvl3pPr marL="1143000" indent="-228600" latinLnBrk="1">
+              <a:defRPr kumimoji="1" sz="1200" b="1">
+                <a:solidFill>
+                  <a:schemeClr val="tx1"/>
+                </a:solidFill>
+                <a:latin typeface="돋움" pitchFamily="50" charset="-127"/>
+                <a:ea typeface="굴림" charset="-127"/>
+              </a:defRPr>
+            </a:lvl3pPr>
+            <a:lvl4pPr marL="1600200" indent="-228600" latinLnBrk="1">
+              <a:defRPr kumimoji="1" sz="1200" b="1">
+                <a:solidFill>
+                  <a:schemeClr val="tx1"/>
+                </a:solidFill>
+                <a:latin typeface="돋움" pitchFamily="50" charset="-127"/>
+                <a:ea typeface="굴림" charset="-127"/>
+              </a:defRPr>
+            </a:lvl4pPr>
+            <a:lvl5pPr marL="2057400" indent="-228600" latinLnBrk="1">
+              <a:defRPr kumimoji="1" sz="1200" b="1">
+                <a:solidFill>
+                  <a:schemeClr val="tx1"/>
+                </a:solidFill>
+                <a:latin typeface="돋움" pitchFamily="50" charset="-127"/>
+                <a:ea typeface="굴림" charset="-127"/>
+              </a:defRPr>
+            </a:lvl5pPr>
+            <a:lvl6pPr marL="2514600" indent="-228600" eaLnBrk="0" fontAlgn="base" hangingPunct="0">
+              <a:spcBef>
+                <a:spcPct val="0"/>
+              </a:spcBef>
+              <a:spcAft>
+                <a:spcPct val="0"/>
+              </a:spcAft>
+              <a:defRPr kumimoji="1" sz="1200" b="1">
+                <a:solidFill>
+                  <a:schemeClr val="tx1"/>
+                </a:solidFill>
+                <a:latin typeface="돋움" pitchFamily="50" charset="-127"/>
+                <a:ea typeface="굴림" charset="-127"/>
+              </a:defRPr>
+            </a:lvl6pPr>
+            <a:lvl7pPr marL="2971800" indent="-228600" eaLnBrk="0" fontAlgn="base" hangingPunct="0">
+              <a:spcBef>
+                <a:spcPct val="0"/>
+              </a:spcBef>
+              <a:spcAft>
+                <a:spcPct val="0"/>
+              </a:spcAft>
+              <a:defRPr kumimoji="1" sz="1200" b="1">
+                <a:solidFill>
+                  <a:schemeClr val="tx1"/>
+                </a:solidFill>
+                <a:latin typeface="돋움" pitchFamily="50" charset="-127"/>
+                <a:ea typeface="굴림" charset="-127"/>
+              </a:defRPr>
+            </a:lvl7pPr>
+            <a:lvl8pPr marL="3429000" indent="-228600" eaLnBrk="0" fontAlgn="base" hangingPunct="0">
+              <a:spcBef>
+                <a:spcPct val="0"/>
+              </a:spcBef>
+              <a:spcAft>
+                <a:spcPct val="0"/>
+              </a:spcAft>
+              <a:defRPr kumimoji="1" sz="1200" b="1">
+                <a:solidFill>
+                  <a:schemeClr val="tx1"/>
+                </a:solidFill>
+                <a:latin typeface="돋움" pitchFamily="50" charset="-127"/>
+                <a:ea typeface="굴림" charset="-127"/>
+              </a:defRPr>
+            </a:lvl8pPr>
+            <a:lvl9pPr marL="3886200" indent="-228600" eaLnBrk="0" fontAlgn="base" hangingPunct="0">
+              <a:spcBef>
+                <a:spcPct val="0"/>
+              </a:spcBef>
+              <a:spcAft>
+                <a:spcPct val="0"/>
+              </a:spcAft>
+              <a:defRPr kumimoji="1" sz="1200" b="1">
+                <a:solidFill>
+                  <a:schemeClr val="tx1"/>
+                </a:solidFill>
+                <a:latin typeface="돋움" pitchFamily="50" charset="-127"/>
+                <a:ea typeface="굴림" charset="-127"/>
+              </a:defRPr>
+            </a:lvl9pPr>
+          </a:lstStyle>
+          <a:p>
+            <a:pPr eaLnBrk="1" hangingPunct="1"/>
+            <a:r>
+              <a:rPr lang="ko-KR" altLang="en-US" sz="2000" dirty="0" smtClean="0">
+                <a:solidFill>
+                  <a:schemeClr val="bg1"/>
+                </a:solidFill>
+                <a:latin typeface="+mj-ea"/>
+                <a:ea typeface="+mj-ea"/>
+                <a:sym typeface="Wingdings" pitchFamily="2" charset="2"/>
+              </a:rPr>
+              <a:t> 모델의 성능 평가 지표</a:t>
+            </a:r>
+            <a:endParaRPr lang="en-US" altLang="ko-KR" sz="2000" dirty="0">
+              <a:solidFill>
+                <a:schemeClr val="bg1"/>
+              </a:solidFill>
+              <a:latin typeface="+mj-ea"/>
+              <a:ea typeface="+mj-ea"/>
+              <a:sym typeface="Wingdings" pitchFamily="2" charset="2"/>
             </a:endParaRPr>
           </a:p>
-          <a:p>
-            <a:endParaRPr lang="en-US" altLang="ko-KR" dirty="0">
-              <a:sym typeface="Wingdings" panose="05000000000000000000" pitchFamily="2" charset="2"/>
+        </p:txBody>
+      </p:sp>
+      <p:sp>
+        <p:nvSpPr>
+          <p:cNvPr id="8" name="Rectangle 41">
+            <a:extLst>
+              <a:ext uri="{FF2B5EF4-FFF2-40B4-BE49-F238E27FC236}">
+                <a16:creationId xmlns:a16="http://schemas.microsoft.com/office/drawing/2014/main" id="{83FF4C79-FD07-4B45-A74F-F47818CE5E37}"/>
+              </a:ext>
+            </a:extLst>
+          </p:cNvPr>
+          <p:cNvSpPr>
+            <a:spLocks noChangeArrowheads="1"/>
+          </p:cNvSpPr>
+          <p:nvPr/>
+        </p:nvSpPr>
+        <p:spPr bwMode="auto">
+          <a:xfrm>
+            <a:off x="488504" y="980727"/>
+            <a:ext cx="8928992" cy="1008113"/>
+          </a:xfrm>
+          <a:prstGeom prst="rect">
+            <a:avLst/>
+          </a:prstGeom>
+          <a:noFill/>
+          <a:ln w="9525" algn="ctr">
+            <a:noFill/>
+            <a:miter lim="800000"/>
+            <a:headEnd/>
+            <a:tailEnd/>
+          </a:ln>
+          <a:effectLst/>
+        </p:spPr>
+        <p:txBody>
+          <a:bodyPr lIns="72000" tIns="0" rIns="0" bIns="0" anchor="t"/>
+          <a:lstStyle/>
+          <a:p>
+            <a:pPr latinLnBrk="0">
+              <a:lnSpc>
+                <a:spcPct val="200000"/>
+              </a:lnSpc>
+            </a:pPr>
+            <a:r>
+              <a:rPr lang="ko-KR" altLang="en-US" sz="1600" dirty="0" smtClean="0">
+                <a:latin typeface="+mj-ea"/>
+                <a:ea typeface="+mj-ea"/>
+              </a:rPr>
+              <a:t>분류 모형의 성능 평가 지표 </a:t>
+            </a:r>
+            <a:r>
+              <a:rPr lang="en-US" altLang="ko-KR" sz="1600" dirty="0" smtClean="0">
+                <a:latin typeface="+mj-ea"/>
+                <a:ea typeface="+mj-ea"/>
+              </a:rPr>
+              <a:t>- confusion </a:t>
+            </a:r>
+            <a:r>
+              <a:rPr lang="en-US" altLang="ko-KR" sz="1600" dirty="0">
+                <a:latin typeface="+mj-ea"/>
+                <a:ea typeface="+mj-ea"/>
+              </a:rPr>
+              <a:t>matrix  </a:t>
+            </a:r>
+            <a:endParaRPr lang="en-US" altLang="ko-KR" sz="1600" dirty="0" smtClean="0">
+              <a:latin typeface="+mj-ea"/>
+              <a:ea typeface="+mj-ea"/>
             </a:endParaRPr>
           </a:p>
           <a:p>
-            <a:r>
-              <a:rPr lang="en-US" altLang="ko-KR" dirty="0" smtClean="0">
-                <a:sym typeface="Wingdings" panose="05000000000000000000" pitchFamily="2" charset="2"/>
-              </a:rPr>
-              <a:t> </a:t>
-            </a:r>
-            <a:r>
-              <a:rPr lang="ko-KR" altLang="en-US" dirty="0" smtClean="0">
-                <a:sym typeface="Wingdings" panose="05000000000000000000" pitchFamily="2" charset="2"/>
-              </a:rPr>
-              <a:t>정밀도와 </a:t>
-            </a:r>
-            <a:r>
-              <a:rPr lang="ko-KR" altLang="en-US" dirty="0" err="1" smtClean="0">
-                <a:sym typeface="Wingdings" panose="05000000000000000000" pitchFamily="2" charset="2"/>
-              </a:rPr>
-              <a:t>재현율의</a:t>
-            </a:r>
-            <a:r>
-              <a:rPr lang="ko-KR" altLang="en-US" dirty="0" smtClean="0">
-                <a:sym typeface="Wingdings" panose="05000000000000000000" pitchFamily="2" charset="2"/>
-              </a:rPr>
-              <a:t> 조화 평균인 </a:t>
-            </a:r>
-            <a:r>
-              <a:rPr lang="en-US" altLang="ko-KR" dirty="0" smtClean="0">
-                <a:sym typeface="Wingdings" panose="05000000000000000000" pitchFamily="2" charset="2"/>
-              </a:rPr>
-              <a:t>f-score </a:t>
-            </a:r>
-            <a:r>
-              <a:rPr lang="ko-KR" altLang="en-US" dirty="0" smtClean="0">
-                <a:sym typeface="Wingdings" panose="05000000000000000000" pitchFamily="2" charset="2"/>
-              </a:rPr>
-              <a:t>사용</a:t>
-            </a:r>
-            <a:endParaRPr lang="ko-KR" altLang="en-US" dirty="0"/>
+            <a:pPr algn="ctr" latinLnBrk="0">
+              <a:lnSpc>
+                <a:spcPct val="150000"/>
+              </a:lnSpc>
+            </a:pPr>
+            <a:r>
+              <a:rPr lang="ko-KR" altLang="en-US" b="0" dirty="0" smtClean="0">
+                <a:latin typeface="+mj-ea"/>
+                <a:ea typeface="+mj-ea"/>
+              </a:rPr>
+              <a:t>이진 분류 평가 결과를 나타낼 때 가장 널리 사용하는 방법</a:t>
+            </a:r>
+          </a:p>
+          <a:p>
+            <a:pPr latinLnBrk="0">
+              <a:lnSpc>
+                <a:spcPct val="150000"/>
+              </a:lnSpc>
+            </a:pPr>
+            <a:endParaRPr lang="ko-KR" altLang="en-US" sz="1600" dirty="0">
+              <a:latin typeface="+mj-ea"/>
+              <a:ea typeface="+mj-ea"/>
+            </a:endParaRPr>
+          </a:p>
+          <a:p>
+            <a:pPr latinLnBrk="0">
+              <a:lnSpc>
+                <a:spcPct val="150000"/>
+              </a:lnSpc>
+            </a:pPr>
+            <a:r>
+              <a:rPr lang="en-US" altLang="ko-KR" sz="1600" dirty="0" smtClean="0">
+                <a:latin typeface="+mj-ea"/>
+                <a:ea typeface="+mj-ea"/>
+              </a:rPr>
+              <a:t>  </a:t>
+            </a:r>
+          </a:p>
+        </p:txBody>
+      </p:sp>
+    </p:spTree>
+    <p:extLst>
+      <p:ext uri="{BB962C8B-B14F-4D97-AF65-F5344CB8AC3E}">
+        <p14:creationId xmlns:p14="http://schemas.microsoft.com/office/powerpoint/2010/main" val="1164950729"/>
+      </p:ext>
+    </p:extLst>
+  </p:cSld>
+  <p:clrMapOvr>
+    <a:masterClrMapping/>
+  </p:clrMapOvr>
+</p:sld>
+</file>
+
+<file path=ppt/slides/slide9.xml><?xml version="1.0" encoding="utf-8"?>
+<p:sld xmlns:a="http://schemas.openxmlformats.org/drawingml/2006/main" xmlns:r="http://schemas.openxmlformats.org/officeDocument/2006/relationships" xmlns:p="http://schemas.openxmlformats.org/presentationml/2006/main">
+  <p:cSld>
+    <p:spTree>
+      <p:nvGrpSpPr>
+        <p:cNvPr id="1" name=""/>
+        <p:cNvGrpSpPr/>
+        <p:nvPr/>
+      </p:nvGrpSpPr>
+      <p:grpSpPr>
+        <a:xfrm>
+          <a:off x="0" y="0"/>
+          <a:ext cx="0" cy="0"/>
+          <a:chOff x="0" y="0"/>
+          <a:chExt cx="0" cy="0"/>
+        </a:xfrm>
+      </p:grpSpPr>
+      <p:sp>
+        <p:nvSpPr>
+          <p:cNvPr id="4" name="슬라이드 번호 개체 틀 3"/>
+          <p:cNvSpPr>
+            <a:spLocks noGrp="1"/>
+          </p:cNvSpPr>
+          <p:nvPr>
+            <p:ph type="sldNum" sz="quarter" idx="12"/>
+          </p:nvPr>
+        </p:nvSpPr>
+        <p:spPr/>
+        <p:txBody>
+          <a:bodyPr/>
+          <a:lstStyle/>
+          <a:p>
+            <a:fld id="{33796E3F-F6B7-490E-938A-9F8EC05675D0}" type="slidenum">
+              <a:rPr lang="ko-KR" altLang="en-US" smtClean="0">
+                <a:latin typeface="+mj-ea"/>
+                <a:ea typeface="+mj-ea"/>
+              </a:rPr>
+              <a:pPr/>
+              <a:t>8</a:t>
+            </a:fld>
+            <a:endParaRPr lang="ko-KR" altLang="en-US">
+              <a:latin typeface="+mj-ea"/>
+              <a:ea typeface="+mj-ea"/>
+            </a:endParaRPr>
           </a:p>
         </p:txBody>
       </p:sp>
@@ -10016,8 +15396,8 @@
         </p:blipFill>
         <p:spPr>
           <a:xfrm>
-            <a:off x="1280592" y="1052736"/>
-            <a:ext cx="5069508" cy="2983450"/>
+            <a:off x="2869562" y="2323335"/>
+            <a:ext cx="4166876" cy="1537713"/>
           </a:xfrm>
           <a:prstGeom prst="rect">
             <a:avLst/>
@@ -10026,14 +15406,511 @@
       </p:pic>
       <p:sp>
         <p:nvSpPr>
-          <p:cNvPr id="7" name="직사각형 6"/>
+          <p:cNvPr id="7" name="TextBox 6"/>
+          <p:cNvSpPr txBox="1"/>
+          <p:nvPr/>
+        </p:nvSpPr>
+        <p:spPr>
+          <a:xfrm>
+            <a:off x="920552" y="4137243"/>
+            <a:ext cx="8064896" cy="1668021"/>
+          </a:xfrm>
+          <a:prstGeom prst="rect">
+            <a:avLst/>
+          </a:prstGeom>
+          <a:solidFill>
+            <a:schemeClr val="bg1">
+              <a:lumMod val="95000"/>
+            </a:schemeClr>
+          </a:solidFill>
+        </p:spPr>
+        <p:txBody>
+          <a:bodyPr wrap="square" rtlCol="0">
+            <a:spAutoFit/>
+          </a:bodyPr>
+          <a:lstStyle/>
+          <a:p>
+            <a:pPr algn="ctr">
+              <a:lnSpc>
+                <a:spcPct val="150000"/>
+              </a:lnSpc>
+            </a:pPr>
+            <a:r>
+              <a:rPr lang="ko-KR" altLang="en-US" dirty="0" smtClean="0">
+                <a:solidFill>
+                  <a:schemeClr val="tx1">
+                    <a:lumMod val="65000"/>
+                    <a:lumOff val="35000"/>
+                  </a:schemeClr>
+                </a:solidFill>
+                <a:latin typeface="+mj-ea"/>
+                <a:ea typeface="+mj-ea"/>
+              </a:rPr>
+              <a:t>일반적으로 알고리즘의 </a:t>
+            </a:r>
+            <a:r>
+              <a:rPr lang="en-US" altLang="ko-KR" dirty="0" smtClean="0">
+                <a:solidFill>
+                  <a:schemeClr val="tx1">
+                    <a:lumMod val="65000"/>
+                    <a:lumOff val="35000"/>
+                  </a:schemeClr>
+                </a:solidFill>
+                <a:latin typeface="+mj-ea"/>
+                <a:ea typeface="+mj-ea"/>
+              </a:rPr>
+              <a:t>recall(</a:t>
+            </a:r>
+            <a:r>
+              <a:rPr lang="ko-KR" altLang="en-US" dirty="0" err="1" smtClean="0">
+                <a:solidFill>
+                  <a:schemeClr val="tx1">
+                    <a:lumMod val="65000"/>
+                    <a:lumOff val="35000"/>
+                  </a:schemeClr>
+                </a:solidFill>
+                <a:latin typeface="+mj-ea"/>
+                <a:ea typeface="+mj-ea"/>
+              </a:rPr>
+              <a:t>검출율</a:t>
+            </a:r>
+            <a:r>
+              <a:rPr lang="en-US" altLang="ko-KR" dirty="0" smtClean="0">
+                <a:solidFill>
+                  <a:schemeClr val="tx1">
+                    <a:lumMod val="65000"/>
+                    <a:lumOff val="35000"/>
+                  </a:schemeClr>
+                </a:solidFill>
+                <a:latin typeface="+mj-ea"/>
+                <a:ea typeface="+mj-ea"/>
+              </a:rPr>
+              <a:t>)</a:t>
+            </a:r>
+            <a:r>
+              <a:rPr lang="ko-KR" altLang="en-US" dirty="0" smtClean="0">
+                <a:solidFill>
+                  <a:schemeClr val="tx1">
+                    <a:lumMod val="65000"/>
+                    <a:lumOff val="35000"/>
+                  </a:schemeClr>
+                </a:solidFill>
+                <a:latin typeface="+mj-ea"/>
+                <a:ea typeface="+mj-ea"/>
+              </a:rPr>
+              <a:t>과 </a:t>
+            </a:r>
+            <a:r>
+              <a:rPr lang="en-US" altLang="ko-KR" dirty="0" smtClean="0">
+                <a:solidFill>
+                  <a:schemeClr val="tx1">
+                    <a:lumMod val="65000"/>
+                    <a:lumOff val="35000"/>
+                  </a:schemeClr>
+                </a:solidFill>
+                <a:latin typeface="+mj-ea"/>
+                <a:ea typeface="+mj-ea"/>
+              </a:rPr>
+              <a:t>precision(</a:t>
+            </a:r>
+            <a:r>
+              <a:rPr lang="ko-KR" altLang="en-US" dirty="0" smtClean="0">
+                <a:solidFill>
+                  <a:schemeClr val="tx1">
+                    <a:lumMod val="65000"/>
+                    <a:lumOff val="35000"/>
+                  </a:schemeClr>
+                </a:solidFill>
+                <a:latin typeface="+mj-ea"/>
+                <a:ea typeface="+mj-ea"/>
+              </a:rPr>
+              <a:t>정확도</a:t>
+            </a:r>
+            <a:r>
+              <a:rPr lang="en-US" altLang="ko-KR" dirty="0" smtClean="0">
+                <a:solidFill>
+                  <a:schemeClr val="tx1">
+                    <a:lumMod val="65000"/>
+                    <a:lumOff val="35000"/>
+                  </a:schemeClr>
+                </a:solidFill>
+                <a:latin typeface="+mj-ea"/>
+                <a:ea typeface="+mj-ea"/>
+              </a:rPr>
+              <a:t>)</a:t>
+            </a:r>
+            <a:r>
+              <a:rPr lang="ko-KR" altLang="en-US" dirty="0" smtClean="0">
+                <a:solidFill>
+                  <a:schemeClr val="tx1">
+                    <a:lumMod val="65000"/>
+                    <a:lumOff val="35000"/>
+                  </a:schemeClr>
+                </a:solidFill>
+                <a:latin typeface="+mj-ea"/>
+                <a:ea typeface="+mj-ea"/>
+              </a:rPr>
+              <a:t>은 반비례 관계를 가진다</a:t>
+            </a:r>
+            <a:r>
+              <a:rPr lang="en-US" altLang="ko-KR" dirty="0" smtClean="0">
+                <a:solidFill>
+                  <a:schemeClr val="tx1">
+                    <a:lumMod val="65000"/>
+                    <a:lumOff val="35000"/>
+                  </a:schemeClr>
+                </a:solidFill>
+                <a:latin typeface="+mj-ea"/>
+                <a:ea typeface="+mj-ea"/>
+              </a:rPr>
+              <a:t>. </a:t>
+            </a:r>
+          </a:p>
+          <a:p>
+            <a:pPr algn="ctr">
+              <a:lnSpc>
+                <a:spcPct val="150000"/>
+              </a:lnSpc>
+            </a:pPr>
+            <a:r>
+              <a:rPr lang="ko-KR" altLang="en-US" dirty="0" smtClean="0">
+                <a:solidFill>
+                  <a:schemeClr val="tx1">
+                    <a:lumMod val="65000"/>
+                    <a:lumOff val="35000"/>
+                  </a:schemeClr>
+                </a:solidFill>
+                <a:latin typeface="+mj-ea"/>
+                <a:ea typeface="+mj-ea"/>
+              </a:rPr>
+              <a:t>알고리즘의 </a:t>
+            </a:r>
+            <a:r>
+              <a:rPr lang="ko-KR" altLang="en-US" dirty="0" err="1" smtClean="0">
+                <a:solidFill>
+                  <a:schemeClr val="tx1">
+                    <a:lumMod val="65000"/>
+                    <a:lumOff val="35000"/>
+                  </a:schemeClr>
+                </a:solidFill>
+                <a:latin typeface="+mj-ea"/>
+                <a:ea typeface="+mj-ea"/>
+              </a:rPr>
+              <a:t>파라미터를</a:t>
+            </a:r>
+            <a:r>
+              <a:rPr lang="ko-KR" altLang="en-US" dirty="0" smtClean="0">
+                <a:solidFill>
+                  <a:schemeClr val="tx1">
+                    <a:lumMod val="65000"/>
+                    <a:lumOff val="35000"/>
+                  </a:schemeClr>
+                </a:solidFill>
+                <a:latin typeface="+mj-ea"/>
+                <a:ea typeface="+mj-ea"/>
+              </a:rPr>
+              <a:t> 조절해 </a:t>
+            </a:r>
+            <a:r>
+              <a:rPr lang="ko-KR" altLang="en-US" dirty="0" err="1" smtClean="0">
+                <a:solidFill>
+                  <a:schemeClr val="tx1">
+                    <a:lumMod val="65000"/>
+                    <a:lumOff val="35000"/>
+                  </a:schemeClr>
+                </a:solidFill>
+                <a:latin typeface="+mj-ea"/>
+                <a:ea typeface="+mj-ea"/>
+              </a:rPr>
+              <a:t>검출율을</a:t>
+            </a:r>
+            <a:r>
+              <a:rPr lang="ko-KR" altLang="en-US" dirty="0" smtClean="0">
+                <a:solidFill>
+                  <a:schemeClr val="tx1">
+                    <a:lumMod val="65000"/>
+                    <a:lumOff val="35000"/>
+                  </a:schemeClr>
+                </a:solidFill>
+                <a:latin typeface="+mj-ea"/>
+                <a:ea typeface="+mj-ea"/>
+              </a:rPr>
+              <a:t> 높이면 </a:t>
+            </a:r>
+            <a:r>
+              <a:rPr lang="ko-KR" altLang="en-US" dirty="0" err="1" smtClean="0">
+                <a:solidFill>
+                  <a:schemeClr val="tx1">
+                    <a:lumMod val="65000"/>
+                    <a:lumOff val="35000"/>
+                  </a:schemeClr>
+                </a:solidFill>
+                <a:latin typeface="+mj-ea"/>
+                <a:ea typeface="+mj-ea"/>
+              </a:rPr>
+              <a:t>오검출이</a:t>
+            </a:r>
+            <a:r>
+              <a:rPr lang="ko-KR" altLang="en-US" dirty="0" smtClean="0">
+                <a:solidFill>
+                  <a:schemeClr val="tx1">
+                    <a:lumMod val="65000"/>
+                    <a:lumOff val="35000"/>
+                  </a:schemeClr>
+                </a:solidFill>
+                <a:latin typeface="+mj-ea"/>
+                <a:ea typeface="+mj-ea"/>
+              </a:rPr>
+              <a:t> 증가하고 </a:t>
+            </a:r>
+            <a:endParaRPr lang="en-US" altLang="ko-KR" dirty="0" smtClean="0">
+              <a:solidFill>
+                <a:schemeClr val="tx1">
+                  <a:lumMod val="65000"/>
+                  <a:lumOff val="35000"/>
+                </a:schemeClr>
+              </a:solidFill>
+              <a:latin typeface="+mj-ea"/>
+              <a:ea typeface="+mj-ea"/>
+            </a:endParaRPr>
+          </a:p>
+          <a:p>
+            <a:pPr algn="ctr">
+              <a:lnSpc>
+                <a:spcPct val="150000"/>
+              </a:lnSpc>
+            </a:pPr>
+            <a:r>
+              <a:rPr lang="ko-KR" altLang="en-US" dirty="0" smtClean="0">
+                <a:solidFill>
+                  <a:schemeClr val="tx1">
+                    <a:lumMod val="65000"/>
+                    <a:lumOff val="35000"/>
+                  </a:schemeClr>
+                </a:solidFill>
+                <a:latin typeface="+mj-ea"/>
+                <a:ea typeface="+mj-ea"/>
+              </a:rPr>
+              <a:t>반대로 </a:t>
+            </a:r>
+            <a:r>
+              <a:rPr lang="ko-KR" altLang="en-US" dirty="0" err="1" smtClean="0">
+                <a:solidFill>
+                  <a:schemeClr val="tx1">
+                    <a:lumMod val="65000"/>
+                    <a:lumOff val="35000"/>
+                  </a:schemeClr>
+                </a:solidFill>
+                <a:latin typeface="+mj-ea"/>
+                <a:ea typeface="+mj-ea"/>
+              </a:rPr>
+              <a:t>오검출을</a:t>
+            </a:r>
+            <a:r>
+              <a:rPr lang="ko-KR" altLang="en-US" dirty="0" smtClean="0">
+                <a:solidFill>
+                  <a:schemeClr val="tx1">
+                    <a:lumMod val="65000"/>
+                    <a:lumOff val="35000"/>
+                  </a:schemeClr>
+                </a:solidFill>
+                <a:latin typeface="+mj-ea"/>
+                <a:ea typeface="+mj-ea"/>
+              </a:rPr>
+              <a:t> 줄이기 위해 조건을 강화하면 </a:t>
+            </a:r>
+            <a:r>
+              <a:rPr lang="ko-KR" altLang="en-US" dirty="0" err="1" smtClean="0">
+                <a:solidFill>
+                  <a:schemeClr val="tx1">
+                    <a:lumMod val="65000"/>
+                    <a:lumOff val="35000"/>
+                  </a:schemeClr>
+                </a:solidFill>
+                <a:latin typeface="+mj-ea"/>
+                <a:ea typeface="+mj-ea"/>
+              </a:rPr>
+              <a:t>검출율이</a:t>
+            </a:r>
+            <a:r>
+              <a:rPr lang="ko-KR" altLang="en-US" dirty="0" smtClean="0">
+                <a:solidFill>
+                  <a:schemeClr val="tx1">
+                    <a:lumMod val="65000"/>
+                    <a:lumOff val="35000"/>
+                  </a:schemeClr>
+                </a:solidFill>
+                <a:latin typeface="+mj-ea"/>
+                <a:ea typeface="+mj-ea"/>
+              </a:rPr>
+              <a:t> 떨어진다</a:t>
+            </a:r>
+            <a:r>
+              <a:rPr lang="en-US" altLang="ko-KR" dirty="0" smtClean="0">
+                <a:solidFill>
+                  <a:schemeClr val="tx1">
+                    <a:lumMod val="65000"/>
+                    <a:lumOff val="35000"/>
+                  </a:schemeClr>
+                </a:solidFill>
+                <a:latin typeface="+mj-ea"/>
+                <a:ea typeface="+mj-ea"/>
+              </a:rPr>
+              <a:t>. </a:t>
+            </a:r>
+          </a:p>
+          <a:p>
+            <a:pPr marL="1358616" lvl="2" indent="-285750">
+              <a:lnSpc>
+                <a:spcPct val="150000"/>
+              </a:lnSpc>
+              <a:buFont typeface="Wingdings" panose="05000000000000000000" pitchFamily="2" charset="2"/>
+              <a:buChar char="à"/>
+            </a:pPr>
+            <a:r>
+              <a:rPr lang="en-US" altLang="ko-KR" dirty="0" smtClean="0">
+                <a:solidFill>
+                  <a:schemeClr val="tx1">
+                    <a:lumMod val="65000"/>
+                    <a:lumOff val="35000"/>
+                  </a:schemeClr>
+                </a:solidFill>
+                <a:latin typeface="+mj-ea"/>
+                <a:ea typeface="+mj-ea"/>
+                <a:sym typeface="Wingdings" panose="05000000000000000000" pitchFamily="2" charset="2"/>
+              </a:rPr>
+              <a:t>precision</a:t>
+            </a:r>
+            <a:r>
+              <a:rPr lang="ko-KR" altLang="en-US" dirty="0" smtClean="0">
+                <a:solidFill>
+                  <a:schemeClr val="tx1">
+                    <a:lumMod val="65000"/>
+                    <a:lumOff val="35000"/>
+                  </a:schemeClr>
+                </a:solidFill>
+                <a:latin typeface="+mj-ea"/>
+                <a:ea typeface="+mj-ea"/>
+                <a:sym typeface="Wingdings" panose="05000000000000000000" pitchFamily="2" charset="2"/>
+              </a:rPr>
+              <a:t>과 </a:t>
+            </a:r>
+            <a:r>
+              <a:rPr lang="en-US" altLang="ko-KR" dirty="0" smtClean="0">
+                <a:solidFill>
+                  <a:schemeClr val="tx1">
+                    <a:lumMod val="65000"/>
+                    <a:lumOff val="35000"/>
+                  </a:schemeClr>
+                </a:solidFill>
+                <a:latin typeface="+mj-ea"/>
+                <a:ea typeface="+mj-ea"/>
+                <a:sym typeface="Wingdings" panose="05000000000000000000" pitchFamily="2" charset="2"/>
+              </a:rPr>
+              <a:t>recall </a:t>
+            </a:r>
+            <a:r>
+              <a:rPr lang="ko-KR" altLang="en-US" dirty="0" smtClean="0">
+                <a:solidFill>
+                  <a:schemeClr val="tx1">
+                    <a:lumMod val="65000"/>
+                    <a:lumOff val="35000"/>
+                  </a:schemeClr>
+                </a:solidFill>
+                <a:latin typeface="+mj-ea"/>
+                <a:ea typeface="+mj-ea"/>
+                <a:sym typeface="Wingdings" panose="05000000000000000000" pitchFamily="2" charset="2"/>
+              </a:rPr>
+              <a:t>의 성능 변화 전체를 살펴봐야 한다</a:t>
+            </a:r>
+            <a:r>
+              <a:rPr lang="en-US" altLang="ko-KR" dirty="0" smtClean="0">
+                <a:solidFill>
+                  <a:schemeClr val="tx1">
+                    <a:lumMod val="65000"/>
+                    <a:lumOff val="35000"/>
+                  </a:schemeClr>
+                </a:solidFill>
+                <a:latin typeface="+mj-ea"/>
+                <a:ea typeface="+mj-ea"/>
+                <a:sym typeface="Wingdings" panose="05000000000000000000" pitchFamily="2" charset="2"/>
+              </a:rPr>
+              <a:t>.</a:t>
+            </a:r>
+          </a:p>
+          <a:p>
+            <a:pPr marL="1358616" lvl="2" indent="-285750">
+              <a:lnSpc>
+                <a:spcPct val="150000"/>
+              </a:lnSpc>
+              <a:buFont typeface="Wingdings" panose="05000000000000000000" pitchFamily="2" charset="2"/>
+              <a:buChar char="à"/>
+            </a:pPr>
+            <a:r>
+              <a:rPr lang="en-US" altLang="ko-KR" dirty="0" smtClean="0">
+                <a:solidFill>
+                  <a:schemeClr val="tx1">
+                    <a:lumMod val="65000"/>
+                    <a:lumOff val="35000"/>
+                  </a:schemeClr>
+                </a:solidFill>
+                <a:latin typeface="+mj-ea"/>
+                <a:ea typeface="+mj-ea"/>
+                <a:sym typeface="Wingdings" panose="05000000000000000000" pitchFamily="2" charset="2"/>
+              </a:rPr>
+              <a:t>precision-recall </a:t>
+            </a:r>
+            <a:r>
+              <a:rPr lang="ko-KR" altLang="en-US" dirty="0" smtClean="0">
+                <a:solidFill>
+                  <a:schemeClr val="tx1">
+                    <a:lumMod val="65000"/>
+                    <a:lumOff val="35000"/>
+                  </a:schemeClr>
+                </a:solidFill>
+                <a:latin typeface="+mj-ea"/>
+                <a:ea typeface="+mj-ea"/>
+                <a:sym typeface="Wingdings" panose="05000000000000000000" pitchFamily="2" charset="2"/>
+              </a:rPr>
+              <a:t>그래프를 활용한다</a:t>
+            </a:r>
+            <a:r>
+              <a:rPr lang="en-US" altLang="ko-KR" dirty="0" smtClean="0">
+                <a:solidFill>
+                  <a:schemeClr val="tx1">
+                    <a:lumMod val="65000"/>
+                    <a:lumOff val="35000"/>
+                  </a:schemeClr>
+                </a:solidFill>
+                <a:latin typeface="+mj-ea"/>
+                <a:ea typeface="+mj-ea"/>
+                <a:sym typeface="Wingdings" panose="05000000000000000000" pitchFamily="2" charset="2"/>
+              </a:rPr>
+              <a:t>.</a:t>
+            </a:r>
+            <a:endParaRPr lang="ko-KR" altLang="en-US" dirty="0">
+              <a:solidFill>
+                <a:schemeClr val="tx1">
+                  <a:lumMod val="65000"/>
+                  <a:lumOff val="35000"/>
+                </a:schemeClr>
+              </a:solidFill>
+              <a:latin typeface="+mj-ea"/>
+              <a:ea typeface="+mj-ea"/>
+            </a:endParaRPr>
+          </a:p>
+        </p:txBody>
+      </p:sp>
+      <p:sp>
+        <p:nvSpPr>
+          <p:cNvPr id="8" name="직사각형 7"/>
           <p:cNvSpPr/>
           <p:nvPr/>
         </p:nvSpPr>
         <p:spPr>
           <a:xfrm>
-            <a:off x="56456" y="6858000"/>
-            <a:ext cx="3100529" cy="307777"/>
+            <a:off x="-33612" y="7101408"/>
+            <a:ext cx="3047309" cy="307777"/>
           </a:xfrm>
           <a:prstGeom prst="rect">
             <a:avLst/>
@@ -10047,18 +15924,415 @@
           <a:p>
             <a:r>
               <a:rPr lang="en-US" altLang="ko-KR" dirty="0">
+                <a:latin typeface="+mj-ea"/>
+                <a:ea typeface="+mj-ea"/>
                 <a:hlinkClick r:id="rId3"/>
               </a:rPr>
-              <a:t>https://data-newbie.tistory.com/31</a:t>
-            </a:r>
-            <a:endParaRPr lang="ko-KR" altLang="en-US" dirty="0"/>
+              <a:t>https://darkpgmr.tistory.com/162</a:t>
+            </a:r>
+            <a:endParaRPr lang="ko-KR" altLang="en-US" dirty="0">
+              <a:latin typeface="+mj-ea"/>
+              <a:ea typeface="+mj-ea"/>
+            </a:endParaRPr>
+          </a:p>
+        </p:txBody>
+      </p:sp>
+      <p:sp>
+        <p:nvSpPr>
+          <p:cNvPr id="13" name="Rectangle 2"/>
+          <p:cNvSpPr txBox="1">
+            <a:spLocks noChangeArrowheads="1"/>
+          </p:cNvSpPr>
+          <p:nvPr/>
+        </p:nvSpPr>
+        <p:spPr bwMode="auto">
+          <a:xfrm>
+            <a:off x="128464" y="201122"/>
+            <a:ext cx="5400600" cy="400110"/>
+          </a:xfrm>
+          <a:prstGeom prst="rect">
+            <a:avLst/>
+          </a:prstGeom>
+          <a:noFill/>
+          <a:ln>
+            <a:noFill/>
+          </a:ln>
+          <a:extLst>
+            <a:ext uri="{909E8E84-426E-40DD-AFC4-6F175D3DCCD1}">
+              <a14:hiddenFill xmlns:a14="http://schemas.microsoft.com/office/drawing/2010/main">
+                <a:solidFill>
+                  <a:srgbClr val="FFFFFF"/>
+                </a:solidFill>
+              </a14:hiddenFill>
+            </a:ext>
+            <a:ext uri="{91240B29-F687-4F45-9708-019B960494DF}">
+              <a14:hiddenLine xmlns:a14="http://schemas.microsoft.com/office/drawing/2010/main" w="9525">
+                <a:solidFill>
+                  <a:srgbClr val="000000"/>
+                </a:solidFill>
+                <a:miter lim="800000"/>
+                <a:headEnd/>
+                <a:tailEnd/>
+              </a14:hiddenLine>
+            </a:ext>
+          </a:extLst>
+        </p:spPr>
+        <p:txBody>
+          <a:bodyPr wrap="square">
+            <a:spAutoFit/>
+          </a:bodyPr>
+          <a:lstStyle>
+            <a:lvl1pPr latinLnBrk="1">
+              <a:defRPr kumimoji="1" sz="1200" b="1">
+                <a:solidFill>
+                  <a:schemeClr val="tx1"/>
+                </a:solidFill>
+                <a:latin typeface="돋움" pitchFamily="50" charset="-127"/>
+                <a:ea typeface="굴림" charset="-127"/>
+              </a:defRPr>
+            </a:lvl1pPr>
+            <a:lvl2pPr marL="742950" indent="-285750" latinLnBrk="1">
+              <a:defRPr kumimoji="1" sz="1200" b="1">
+                <a:solidFill>
+                  <a:schemeClr val="tx1"/>
+                </a:solidFill>
+                <a:latin typeface="돋움" pitchFamily="50" charset="-127"/>
+                <a:ea typeface="굴림" charset="-127"/>
+              </a:defRPr>
+            </a:lvl2pPr>
+            <a:lvl3pPr marL="1143000" indent="-228600" latinLnBrk="1">
+              <a:defRPr kumimoji="1" sz="1200" b="1">
+                <a:solidFill>
+                  <a:schemeClr val="tx1"/>
+                </a:solidFill>
+                <a:latin typeface="돋움" pitchFamily="50" charset="-127"/>
+                <a:ea typeface="굴림" charset="-127"/>
+              </a:defRPr>
+            </a:lvl3pPr>
+            <a:lvl4pPr marL="1600200" indent="-228600" latinLnBrk="1">
+              <a:defRPr kumimoji="1" sz="1200" b="1">
+                <a:solidFill>
+                  <a:schemeClr val="tx1"/>
+                </a:solidFill>
+                <a:latin typeface="돋움" pitchFamily="50" charset="-127"/>
+                <a:ea typeface="굴림" charset="-127"/>
+              </a:defRPr>
+            </a:lvl4pPr>
+            <a:lvl5pPr marL="2057400" indent="-228600" latinLnBrk="1">
+              <a:defRPr kumimoji="1" sz="1200" b="1">
+                <a:solidFill>
+                  <a:schemeClr val="tx1"/>
+                </a:solidFill>
+                <a:latin typeface="돋움" pitchFamily="50" charset="-127"/>
+                <a:ea typeface="굴림" charset="-127"/>
+              </a:defRPr>
+            </a:lvl5pPr>
+            <a:lvl6pPr marL="2514600" indent="-228600" eaLnBrk="0" fontAlgn="base" hangingPunct="0">
+              <a:spcBef>
+                <a:spcPct val="0"/>
+              </a:spcBef>
+              <a:spcAft>
+                <a:spcPct val="0"/>
+              </a:spcAft>
+              <a:defRPr kumimoji="1" sz="1200" b="1">
+                <a:solidFill>
+                  <a:schemeClr val="tx1"/>
+                </a:solidFill>
+                <a:latin typeface="돋움" pitchFamily="50" charset="-127"/>
+                <a:ea typeface="굴림" charset="-127"/>
+              </a:defRPr>
+            </a:lvl6pPr>
+            <a:lvl7pPr marL="2971800" indent="-228600" eaLnBrk="0" fontAlgn="base" hangingPunct="0">
+              <a:spcBef>
+                <a:spcPct val="0"/>
+              </a:spcBef>
+              <a:spcAft>
+                <a:spcPct val="0"/>
+              </a:spcAft>
+              <a:defRPr kumimoji="1" sz="1200" b="1">
+                <a:solidFill>
+                  <a:schemeClr val="tx1"/>
+                </a:solidFill>
+                <a:latin typeface="돋움" pitchFamily="50" charset="-127"/>
+                <a:ea typeface="굴림" charset="-127"/>
+              </a:defRPr>
+            </a:lvl7pPr>
+            <a:lvl8pPr marL="3429000" indent="-228600" eaLnBrk="0" fontAlgn="base" hangingPunct="0">
+              <a:spcBef>
+                <a:spcPct val="0"/>
+              </a:spcBef>
+              <a:spcAft>
+                <a:spcPct val="0"/>
+              </a:spcAft>
+              <a:defRPr kumimoji="1" sz="1200" b="1">
+                <a:solidFill>
+                  <a:schemeClr val="tx1"/>
+                </a:solidFill>
+                <a:latin typeface="돋움" pitchFamily="50" charset="-127"/>
+                <a:ea typeface="굴림" charset="-127"/>
+              </a:defRPr>
+            </a:lvl8pPr>
+            <a:lvl9pPr marL="3886200" indent="-228600" eaLnBrk="0" fontAlgn="base" hangingPunct="0">
+              <a:spcBef>
+                <a:spcPct val="0"/>
+              </a:spcBef>
+              <a:spcAft>
+                <a:spcPct val="0"/>
+              </a:spcAft>
+              <a:defRPr kumimoji="1" sz="1200" b="1">
+                <a:solidFill>
+                  <a:schemeClr val="tx1"/>
+                </a:solidFill>
+                <a:latin typeface="돋움" pitchFamily="50" charset="-127"/>
+                <a:ea typeface="굴림" charset="-127"/>
+              </a:defRPr>
+            </a:lvl9pPr>
+          </a:lstStyle>
+          <a:p>
+            <a:pPr eaLnBrk="1" hangingPunct="1"/>
+            <a:r>
+              <a:rPr lang="en-US" altLang="ko-KR" sz="2000" dirty="0" smtClean="0">
+                <a:solidFill>
+                  <a:schemeClr val="bg1"/>
+                </a:solidFill>
+                <a:latin typeface="+mj-ea"/>
+                <a:ea typeface="+mj-ea"/>
+                <a:sym typeface="Wingdings" pitchFamily="2" charset="2"/>
+              </a:rPr>
+              <a:t>Recall</a:t>
+            </a:r>
+            <a:r>
+              <a:rPr lang="ko-KR" altLang="en-US" sz="2000" dirty="0" smtClean="0">
+                <a:solidFill>
+                  <a:schemeClr val="bg1"/>
+                </a:solidFill>
+                <a:latin typeface="+mj-ea"/>
+                <a:ea typeface="+mj-ea"/>
+                <a:sym typeface="Wingdings" pitchFamily="2" charset="2"/>
+              </a:rPr>
+              <a:t>과 </a:t>
+            </a:r>
+            <a:r>
+              <a:rPr lang="en-US" altLang="ko-KR" sz="2000" dirty="0" smtClean="0">
+                <a:solidFill>
+                  <a:schemeClr val="bg1"/>
+                </a:solidFill>
+                <a:latin typeface="+mj-ea"/>
+                <a:ea typeface="+mj-ea"/>
+                <a:sym typeface="Wingdings" pitchFamily="2" charset="2"/>
+              </a:rPr>
+              <a:t>Precision</a:t>
+            </a:r>
+            <a:r>
+              <a:rPr lang="ko-KR" altLang="en-US" sz="2000" dirty="0" smtClean="0">
+                <a:solidFill>
+                  <a:schemeClr val="bg1"/>
+                </a:solidFill>
+                <a:latin typeface="+mj-ea"/>
+                <a:ea typeface="+mj-ea"/>
+                <a:sym typeface="Wingdings" pitchFamily="2" charset="2"/>
+              </a:rPr>
+              <a:t>의 해석</a:t>
+            </a:r>
+            <a:endParaRPr lang="en-US" altLang="ko-KR" sz="2000" dirty="0">
+              <a:solidFill>
+                <a:schemeClr val="bg1"/>
+              </a:solidFill>
+              <a:latin typeface="+mj-ea"/>
+              <a:ea typeface="+mj-ea"/>
+              <a:sym typeface="Wingdings" pitchFamily="2" charset="2"/>
+            </a:endParaRPr>
+          </a:p>
+        </p:txBody>
+      </p:sp>
+      <p:sp>
+        <p:nvSpPr>
+          <p:cNvPr id="15" name="Rectangle 41">
+            <a:extLst>
+              <a:ext uri="{FF2B5EF4-FFF2-40B4-BE49-F238E27FC236}">
+                <a16:creationId xmlns:a16="http://schemas.microsoft.com/office/drawing/2014/main" id="{83FF4C79-FD07-4B45-A74F-F47818CE5E37}"/>
+              </a:ext>
+            </a:extLst>
+          </p:cNvPr>
+          <p:cNvSpPr>
+            <a:spLocks noChangeArrowheads="1"/>
+          </p:cNvSpPr>
+          <p:nvPr/>
+        </p:nvSpPr>
+        <p:spPr bwMode="auto">
+          <a:xfrm>
+            <a:off x="488504" y="980727"/>
+            <a:ext cx="8928992" cy="432049"/>
+          </a:xfrm>
+          <a:prstGeom prst="rect">
+            <a:avLst/>
+          </a:prstGeom>
+          <a:noFill/>
+          <a:ln w="9525" algn="ctr">
+            <a:noFill/>
+            <a:miter lim="800000"/>
+            <a:headEnd/>
+            <a:tailEnd/>
+          </a:ln>
+          <a:effectLst/>
+        </p:spPr>
+        <p:txBody>
+          <a:bodyPr lIns="72000" tIns="0" rIns="0" bIns="0" anchor="t"/>
+          <a:lstStyle/>
+          <a:p>
+            <a:pPr latinLnBrk="0">
+              <a:lnSpc>
+                <a:spcPct val="150000"/>
+              </a:lnSpc>
+            </a:pPr>
+            <a:r>
+              <a:rPr lang="ko-KR" altLang="en-US" sz="1600" dirty="0">
+                <a:latin typeface="+mj-ea"/>
+                <a:ea typeface="+mj-ea"/>
+              </a:rPr>
+              <a:t>성능을 평가하기 위해서는 </a:t>
+            </a:r>
+            <a:r>
+              <a:rPr lang="ko-KR" altLang="en-US" sz="1600" dirty="0" err="1">
+                <a:latin typeface="+mj-ea"/>
+                <a:ea typeface="+mj-ea"/>
+              </a:rPr>
+              <a:t>검출율과</a:t>
+            </a:r>
+            <a:r>
+              <a:rPr lang="ko-KR" altLang="en-US" sz="1600" dirty="0">
+                <a:latin typeface="+mj-ea"/>
+                <a:ea typeface="+mj-ea"/>
+              </a:rPr>
+              <a:t> 정확도를 동시에 고려해야한다</a:t>
+            </a:r>
+            <a:r>
+              <a:rPr lang="en-US" altLang="ko-KR" sz="1600" dirty="0">
+                <a:latin typeface="+mj-ea"/>
+                <a:ea typeface="+mj-ea"/>
+              </a:rPr>
+              <a:t>. </a:t>
+            </a:r>
+          </a:p>
+          <a:p>
+            <a:pPr lvl="1" latinLnBrk="0">
+              <a:lnSpc>
+                <a:spcPct val="150000"/>
+              </a:lnSpc>
+            </a:pPr>
+            <a:r>
+              <a:rPr lang="ko-KR" altLang="en-US" dirty="0" err="1">
+                <a:latin typeface="+mj-ea"/>
+                <a:ea typeface="+mj-ea"/>
+              </a:rPr>
+              <a:t>검출율</a:t>
+            </a:r>
+            <a:r>
+              <a:rPr lang="en-US" altLang="ko-KR" dirty="0">
+                <a:latin typeface="+mj-ea"/>
+                <a:ea typeface="+mj-ea"/>
+              </a:rPr>
+              <a:t>(recall)  </a:t>
+            </a:r>
+            <a:r>
+              <a:rPr lang="en-US" altLang="ko-KR" dirty="0" smtClean="0">
+                <a:latin typeface="+mj-ea"/>
+                <a:ea typeface="+mj-ea"/>
+              </a:rPr>
+              <a:t>     :   </a:t>
+            </a:r>
+            <a:r>
+              <a:rPr lang="ko-KR" altLang="en-US" dirty="0" smtClean="0">
+                <a:latin typeface="+mj-ea"/>
+                <a:ea typeface="+mj-ea"/>
+              </a:rPr>
+              <a:t>대상을 </a:t>
+            </a:r>
+            <a:r>
+              <a:rPr lang="ko-KR" altLang="en-US" dirty="0">
+                <a:latin typeface="+mj-ea"/>
+                <a:ea typeface="+mj-ea"/>
+              </a:rPr>
+              <a:t>빠트리지 않고 얼마나 잘 잡아내는지 </a:t>
+            </a:r>
+            <a:endParaRPr lang="en-US" altLang="ko-KR" dirty="0" smtClean="0">
+              <a:latin typeface="+mj-ea"/>
+              <a:ea typeface="+mj-ea"/>
+            </a:endParaRPr>
+          </a:p>
+          <a:p>
+            <a:pPr lvl="1" latinLnBrk="0">
+              <a:lnSpc>
+                <a:spcPct val="150000"/>
+              </a:lnSpc>
+            </a:pPr>
+            <a:r>
+              <a:rPr lang="ko-KR" altLang="en-US" dirty="0" smtClean="0">
+                <a:latin typeface="+mj-ea"/>
+                <a:ea typeface="+mj-ea"/>
+              </a:rPr>
+              <a:t>정확도</a:t>
+            </a:r>
+            <a:r>
+              <a:rPr lang="en-US" altLang="ko-KR" dirty="0">
+                <a:latin typeface="+mj-ea"/>
+                <a:ea typeface="+mj-ea"/>
+              </a:rPr>
+              <a:t>(precision</a:t>
+            </a:r>
+            <a:r>
+              <a:rPr lang="en-US" altLang="ko-KR" dirty="0" smtClean="0">
+                <a:latin typeface="+mj-ea"/>
+                <a:ea typeface="+mj-ea"/>
+              </a:rPr>
+              <a:t>)  </a:t>
+            </a:r>
+            <a:r>
+              <a:rPr lang="en-US" altLang="ko-KR" dirty="0">
+                <a:latin typeface="+mj-ea"/>
+                <a:ea typeface="+mj-ea"/>
+              </a:rPr>
+              <a:t>:  </a:t>
+            </a:r>
+            <a:r>
+              <a:rPr lang="en-US" altLang="ko-KR" dirty="0" smtClean="0">
+                <a:latin typeface="+mj-ea"/>
+                <a:ea typeface="+mj-ea"/>
+              </a:rPr>
+              <a:t> </a:t>
+            </a:r>
+            <a:r>
+              <a:rPr lang="ko-KR" altLang="en-US" dirty="0" smtClean="0">
+                <a:latin typeface="+mj-ea"/>
+                <a:ea typeface="+mj-ea"/>
+              </a:rPr>
+              <a:t>검출된 </a:t>
+            </a:r>
+            <a:r>
+              <a:rPr lang="ko-KR" altLang="en-US" dirty="0">
+                <a:latin typeface="+mj-ea"/>
+                <a:ea typeface="+mj-ea"/>
+              </a:rPr>
+              <a:t>결과가 얼마나 정확한지</a:t>
+            </a:r>
+          </a:p>
+          <a:p>
+            <a:pPr latinLnBrk="0">
+              <a:lnSpc>
+                <a:spcPct val="150000"/>
+              </a:lnSpc>
+            </a:pPr>
+            <a:endParaRPr lang="ko-KR" altLang="en-US" sz="1600" dirty="0">
+              <a:latin typeface="+mj-ea"/>
+              <a:ea typeface="+mj-ea"/>
+            </a:endParaRPr>
           </a:p>
         </p:txBody>
       </p:sp>
     </p:spTree>
     <p:extLst>
       <p:ext uri="{BB962C8B-B14F-4D97-AF65-F5344CB8AC3E}">
-        <p14:creationId xmlns:p14="http://schemas.microsoft.com/office/powerpoint/2010/main" val="290706235"/>
+        <p14:creationId xmlns:p14="http://schemas.microsoft.com/office/powerpoint/2010/main" val="3118534759"/>
       </p:ext>
     </p:extLst>
   </p:cSld>
